--- a/Resources/2021_committeemeeting.pptx
+++ b/Resources/2021_committeemeeting.pptx
@@ -7,6 +7,24 @@
   <p:sldIdLst>
     <p:sldId id="256" r:id="rId2"/>
     <p:sldId id="257" r:id="rId3"/>
+    <p:sldId id="258" r:id="rId4"/>
+    <p:sldId id="259" r:id="rId5"/>
+    <p:sldId id="262" r:id="rId6"/>
+    <p:sldId id="263" r:id="rId7"/>
+    <p:sldId id="264" r:id="rId8"/>
+    <p:sldId id="265" r:id="rId9"/>
+    <p:sldId id="266" r:id="rId10"/>
+    <p:sldId id="269" r:id="rId11"/>
+    <p:sldId id="267" r:id="rId12"/>
+    <p:sldId id="268" r:id="rId13"/>
+    <p:sldId id="270" r:id="rId14"/>
+    <p:sldId id="271" r:id="rId15"/>
+    <p:sldId id="272" r:id="rId16"/>
+    <p:sldId id="273" r:id="rId17"/>
+    <p:sldId id="274" r:id="rId18"/>
+    <p:sldId id="275" r:id="rId19"/>
+    <p:sldId id="276" r:id="rId20"/>
+    <p:sldId id="277" r:id="rId21"/>
   </p:sldIdLst>
   <p:sldSz cx="12192000" cy="6858000"/>
   <p:notesSz cx="6858000" cy="9144000"/>
@@ -105,6 +123,11 @@
       </a:defRPr>
     </a:lvl9pPr>
   </p:defaultTextStyle>
+  <p:extLst>
+    <p:ext uri="{EFAFB233-063F-42B5-8137-9DF3F51BA10A}">
+      <p15:sldGuideLst xmlns:p15="http://schemas.microsoft.com/office/powerpoint/2012/main"/>
+    </p:ext>
+  </p:extLst>
 </p:presentation>
 </file>
 
@@ -255,7 +278,7 @@
           <a:p>
             <a:fld id="{2A2D5597-7C15-6845-B20A-A9BC6CA7E298}" type="datetimeFigureOut">
               <a:rPr lang="en-US" smtClean="0"/>
-              <a:t>1/4/21</a:t>
+              <a:t>1/5/2021</a:t>
             </a:fld>
             <a:endParaRPr lang="en-US"/>
           </a:p>
@@ -453,7 +476,7 @@
           <a:p>
             <a:fld id="{2A2D5597-7C15-6845-B20A-A9BC6CA7E298}" type="datetimeFigureOut">
               <a:rPr lang="en-US" smtClean="0"/>
-              <a:t>1/4/21</a:t>
+              <a:t>1/5/2021</a:t>
             </a:fld>
             <a:endParaRPr lang="en-US"/>
           </a:p>
@@ -661,7 +684,7 @@
           <a:p>
             <a:fld id="{2A2D5597-7C15-6845-B20A-A9BC6CA7E298}" type="datetimeFigureOut">
               <a:rPr lang="en-US" smtClean="0"/>
-              <a:t>1/4/21</a:t>
+              <a:t>1/5/2021</a:t>
             </a:fld>
             <a:endParaRPr lang="en-US"/>
           </a:p>
@@ -859,7 +882,7 @@
           <a:p>
             <a:fld id="{2A2D5597-7C15-6845-B20A-A9BC6CA7E298}" type="datetimeFigureOut">
               <a:rPr lang="en-US" smtClean="0"/>
-              <a:t>1/4/21</a:t>
+              <a:t>1/5/2021</a:t>
             </a:fld>
             <a:endParaRPr lang="en-US"/>
           </a:p>
@@ -1134,7 +1157,7 @@
           <a:p>
             <a:fld id="{2A2D5597-7C15-6845-B20A-A9BC6CA7E298}" type="datetimeFigureOut">
               <a:rPr lang="en-US" smtClean="0"/>
-              <a:t>1/4/21</a:t>
+              <a:t>1/5/2021</a:t>
             </a:fld>
             <a:endParaRPr lang="en-US"/>
           </a:p>
@@ -1399,7 +1422,7 @@
           <a:p>
             <a:fld id="{2A2D5597-7C15-6845-B20A-A9BC6CA7E298}" type="datetimeFigureOut">
               <a:rPr lang="en-US" smtClean="0"/>
-              <a:t>1/4/21</a:t>
+              <a:t>1/5/2021</a:t>
             </a:fld>
             <a:endParaRPr lang="en-US"/>
           </a:p>
@@ -1811,7 +1834,7 @@
           <a:p>
             <a:fld id="{2A2D5597-7C15-6845-B20A-A9BC6CA7E298}" type="datetimeFigureOut">
               <a:rPr lang="en-US" smtClean="0"/>
-              <a:t>1/4/21</a:t>
+              <a:t>1/5/2021</a:t>
             </a:fld>
             <a:endParaRPr lang="en-US"/>
           </a:p>
@@ -1952,7 +1975,7 @@
           <a:p>
             <a:fld id="{2A2D5597-7C15-6845-B20A-A9BC6CA7E298}" type="datetimeFigureOut">
               <a:rPr lang="en-US" smtClean="0"/>
-              <a:t>1/4/21</a:t>
+              <a:t>1/5/2021</a:t>
             </a:fld>
             <a:endParaRPr lang="en-US"/>
           </a:p>
@@ -2065,7 +2088,7 @@
           <a:p>
             <a:fld id="{2A2D5597-7C15-6845-B20A-A9BC6CA7E298}" type="datetimeFigureOut">
               <a:rPr lang="en-US" smtClean="0"/>
-              <a:t>1/4/21</a:t>
+              <a:t>1/5/2021</a:t>
             </a:fld>
             <a:endParaRPr lang="en-US"/>
           </a:p>
@@ -2376,7 +2399,7 @@
           <a:p>
             <a:fld id="{2A2D5597-7C15-6845-B20A-A9BC6CA7E298}" type="datetimeFigureOut">
               <a:rPr lang="en-US" smtClean="0"/>
-              <a:t>1/4/21</a:t>
+              <a:t>1/5/2021</a:t>
             </a:fld>
             <a:endParaRPr lang="en-US"/>
           </a:p>
@@ -2664,7 +2687,7 @@
           <a:p>
             <a:fld id="{2A2D5597-7C15-6845-B20A-A9BC6CA7E298}" type="datetimeFigureOut">
               <a:rPr lang="en-US" smtClean="0"/>
-              <a:t>1/4/21</a:t>
+              <a:t>1/5/2021</a:t>
             </a:fld>
             <a:endParaRPr lang="en-US"/>
           </a:p>
@@ -2905,7 +2928,7 @@
           <a:p>
             <a:fld id="{2A2D5597-7C15-6845-B20A-A9BC6CA7E298}" type="datetimeFigureOut">
               <a:rPr lang="en-US" smtClean="0"/>
-              <a:t>1/4/21</a:t>
+              <a:t>1/5/2021</a:t>
             </a:fld>
             <a:endParaRPr lang="en-US"/>
           </a:p>
@@ -3465,7 +3488,7 @@
         </p:nvSpPr>
         <p:spPr>
           <a:xfrm>
-            <a:off x="7302843" y="6400801"/>
+            <a:off x="6915665" y="6400801"/>
             <a:ext cx="5276335" cy="369332"/>
           </a:xfrm>
           <a:prstGeom prst="rect">
@@ -3479,27 +3502,31 @@
           </a:bodyPr>
           <a:lstStyle/>
           <a:p>
+            <a:pPr algn="r"/>
             <a:r>
               <a:rPr lang="en-US" i="1" dirty="0">
                 <a:solidFill>
-                  <a:schemeClr val="bg1"/>
+                  <a:srgbClr val="C0C0C0"/>
                 </a:solidFill>
+                <a:latin typeface="Garamond" panose="02020404030301010803" pitchFamily="18" charset="0"/>
               </a:rPr>
               <a:t>https://</a:t>
             </a:r>
             <a:r>
               <a:rPr lang="en-US" i="1" dirty="0" err="1">
                 <a:solidFill>
-                  <a:schemeClr val="bg1"/>
+                  <a:srgbClr val="C0C0C0"/>
                 </a:solidFill>
+                <a:latin typeface="Garamond" panose="02020404030301010803" pitchFamily="18" charset="0"/>
               </a:rPr>
               <a:t>wallpapercave.com</a:t>
             </a:r>
             <a:r>
               <a:rPr lang="en-US" i="1" dirty="0">
                 <a:solidFill>
-                  <a:schemeClr val="bg1"/>
+                  <a:srgbClr val="C0C0C0"/>
                 </a:solidFill>
+                <a:latin typeface="Garamond" panose="02020404030301010803" pitchFamily="18" charset="0"/>
               </a:rPr>
               <a:t>/cows-wallpapers</a:t>
             </a:r>
@@ -3510,6 +3537,972 @@
     <p:extLst>
       <p:ext uri="{BB962C8B-B14F-4D97-AF65-F5344CB8AC3E}">
         <p14:creationId xmlns:p14="http://schemas.microsoft.com/office/powerpoint/2010/main" val="1479111860"/>
+      </p:ext>
+    </p:extLst>
+  </p:cSld>
+  <p:clrMapOvr>
+    <a:masterClrMapping/>
+  </p:clrMapOvr>
+</p:sld>
+</file>
+
+<file path=ppt/slides/slide10.xml><?xml version="1.0" encoding="utf-8"?>
+<p:sld xmlns:a="http://schemas.openxmlformats.org/drawingml/2006/main" xmlns:r="http://schemas.openxmlformats.org/officeDocument/2006/relationships" xmlns:p="http://schemas.openxmlformats.org/presentationml/2006/main">
+  <p:cSld>
+    <p:spTree>
+      <p:nvGrpSpPr>
+        <p:cNvPr id="1" name=""/>
+        <p:cNvGrpSpPr/>
+        <p:nvPr/>
+      </p:nvGrpSpPr>
+      <p:grpSpPr>
+        <a:xfrm>
+          <a:off x="0" y="0"/>
+          <a:ext cx="0" cy="0"/>
+          <a:chOff x="0" y="0"/>
+          <a:chExt cx="0" cy="0"/>
+        </a:xfrm>
+      </p:grpSpPr>
+      <p:sp>
+        <p:nvSpPr>
+          <p:cNvPr id="2" name="Title 1">
+            <a:extLst>
+              <a:ext uri="{FF2B5EF4-FFF2-40B4-BE49-F238E27FC236}">
+                <a16:creationId xmlns:a16="http://schemas.microsoft.com/office/drawing/2014/main" id="{5B6E373C-A14C-4341-BE1D-1568CFDA71A0}"/>
+              </a:ext>
+            </a:extLst>
+          </p:cNvPr>
+          <p:cNvSpPr>
+            <a:spLocks noGrp="1"/>
+          </p:cNvSpPr>
+          <p:nvPr>
+            <p:ph type="title"/>
+          </p:nvPr>
+        </p:nvSpPr>
+        <p:spPr>
+          <a:xfrm>
+            <a:off x="838199" y="365125"/>
+            <a:ext cx="11010499" cy="1325563"/>
+          </a:xfrm>
+        </p:spPr>
+        <p:txBody>
+          <a:bodyPr/>
+          <a:lstStyle/>
+          <a:p>
+            <a:r>
+              <a:rPr lang="en-US" dirty="0">
+                <a:latin typeface="Garamond" panose="02020404030301010803" pitchFamily="18" charset="0"/>
+              </a:rPr>
+              <a:t>Phylogenetic Tree Result</a:t>
+            </a:r>
+          </a:p>
+        </p:txBody>
+      </p:sp>
+      <p:sp>
+        <p:nvSpPr>
+          <p:cNvPr id="3" name="Content Placeholder 2">
+            <a:extLst>
+              <a:ext uri="{FF2B5EF4-FFF2-40B4-BE49-F238E27FC236}">
+                <a16:creationId xmlns:a16="http://schemas.microsoft.com/office/drawing/2014/main" id="{464A2D37-3E87-584A-A0D4-8B6E512E9D7E}"/>
+              </a:ext>
+            </a:extLst>
+          </p:cNvPr>
+          <p:cNvSpPr>
+            <a:spLocks noGrp="1"/>
+          </p:cNvSpPr>
+          <p:nvPr>
+            <p:ph idx="1"/>
+          </p:nvPr>
+        </p:nvSpPr>
+        <p:spPr/>
+        <p:txBody>
+          <a:bodyPr/>
+          <a:lstStyle/>
+          <a:p>
+            <a:endParaRPr lang="en-US" dirty="0">
+              <a:latin typeface="Garamond" panose="02020404030301010803" pitchFamily="18" charset="0"/>
+            </a:endParaRPr>
+          </a:p>
+        </p:txBody>
+      </p:sp>
+    </p:spTree>
+    <p:extLst>
+      <p:ext uri="{BB962C8B-B14F-4D97-AF65-F5344CB8AC3E}">
+        <p14:creationId xmlns:p14="http://schemas.microsoft.com/office/powerpoint/2010/main" val="1399056602"/>
+      </p:ext>
+    </p:extLst>
+  </p:cSld>
+  <p:clrMapOvr>
+    <a:masterClrMapping/>
+  </p:clrMapOvr>
+</p:sld>
+</file>
+
+<file path=ppt/slides/slide11.xml><?xml version="1.0" encoding="utf-8"?>
+<p:sld xmlns:a="http://schemas.openxmlformats.org/drawingml/2006/main" xmlns:r="http://schemas.openxmlformats.org/officeDocument/2006/relationships" xmlns:p="http://schemas.openxmlformats.org/presentationml/2006/main">
+  <p:cSld>
+    <p:spTree>
+      <p:nvGrpSpPr>
+        <p:cNvPr id="1" name=""/>
+        <p:cNvGrpSpPr/>
+        <p:nvPr/>
+      </p:nvGrpSpPr>
+      <p:grpSpPr>
+        <a:xfrm>
+          <a:off x="0" y="0"/>
+          <a:ext cx="0" cy="0"/>
+          <a:chOff x="0" y="0"/>
+          <a:chExt cx="0" cy="0"/>
+        </a:xfrm>
+      </p:grpSpPr>
+      <p:sp>
+        <p:nvSpPr>
+          <p:cNvPr id="2" name="Title 1">
+            <a:extLst>
+              <a:ext uri="{FF2B5EF4-FFF2-40B4-BE49-F238E27FC236}">
+                <a16:creationId xmlns:a16="http://schemas.microsoft.com/office/drawing/2014/main" id="{5B6E373C-A14C-4341-BE1D-1568CFDA71A0}"/>
+              </a:ext>
+            </a:extLst>
+          </p:cNvPr>
+          <p:cNvSpPr>
+            <a:spLocks noGrp="1"/>
+          </p:cNvSpPr>
+          <p:nvPr>
+            <p:ph type="title"/>
+          </p:nvPr>
+        </p:nvSpPr>
+        <p:spPr>
+          <a:xfrm>
+            <a:off x="838199" y="365125"/>
+            <a:ext cx="11010499" cy="1325563"/>
+          </a:xfrm>
+        </p:spPr>
+        <p:txBody>
+          <a:bodyPr/>
+          <a:lstStyle/>
+          <a:p>
+            <a:r>
+              <a:rPr lang="en-US" dirty="0">
+                <a:latin typeface="Garamond" panose="02020404030301010803" pitchFamily="18" charset="0"/>
+              </a:rPr>
+              <a:t>Homologous Recombination Result</a:t>
+            </a:r>
+          </a:p>
+        </p:txBody>
+      </p:sp>
+      <p:sp>
+        <p:nvSpPr>
+          <p:cNvPr id="3" name="Content Placeholder 2">
+            <a:extLst>
+              <a:ext uri="{FF2B5EF4-FFF2-40B4-BE49-F238E27FC236}">
+                <a16:creationId xmlns:a16="http://schemas.microsoft.com/office/drawing/2014/main" id="{464A2D37-3E87-584A-A0D4-8B6E512E9D7E}"/>
+              </a:ext>
+            </a:extLst>
+          </p:cNvPr>
+          <p:cNvSpPr>
+            <a:spLocks noGrp="1"/>
+          </p:cNvSpPr>
+          <p:nvPr>
+            <p:ph idx="1"/>
+          </p:nvPr>
+        </p:nvSpPr>
+        <p:spPr/>
+        <p:txBody>
+          <a:bodyPr/>
+          <a:lstStyle/>
+          <a:p>
+            <a:endParaRPr lang="en-US" dirty="0">
+              <a:latin typeface="Garamond" panose="02020404030301010803" pitchFamily="18" charset="0"/>
+            </a:endParaRPr>
+          </a:p>
+        </p:txBody>
+      </p:sp>
+    </p:spTree>
+    <p:extLst>
+      <p:ext uri="{BB962C8B-B14F-4D97-AF65-F5344CB8AC3E}">
+        <p14:creationId xmlns:p14="http://schemas.microsoft.com/office/powerpoint/2010/main" val="2760501175"/>
+      </p:ext>
+    </p:extLst>
+  </p:cSld>
+  <p:clrMapOvr>
+    <a:masterClrMapping/>
+  </p:clrMapOvr>
+</p:sld>
+</file>
+
+<file path=ppt/slides/slide12.xml><?xml version="1.0" encoding="utf-8"?>
+<p:sld xmlns:a="http://schemas.openxmlformats.org/drawingml/2006/main" xmlns:r="http://schemas.openxmlformats.org/officeDocument/2006/relationships" xmlns:p="http://schemas.openxmlformats.org/presentationml/2006/main">
+  <p:cSld>
+    <p:spTree>
+      <p:nvGrpSpPr>
+        <p:cNvPr id="1" name=""/>
+        <p:cNvGrpSpPr/>
+        <p:nvPr/>
+      </p:nvGrpSpPr>
+      <p:grpSpPr>
+        <a:xfrm>
+          <a:off x="0" y="0"/>
+          <a:ext cx="0" cy="0"/>
+          <a:chOff x="0" y="0"/>
+          <a:chExt cx="0" cy="0"/>
+        </a:xfrm>
+      </p:grpSpPr>
+      <p:sp>
+        <p:nvSpPr>
+          <p:cNvPr id="2" name="Title 1">
+            <a:extLst>
+              <a:ext uri="{FF2B5EF4-FFF2-40B4-BE49-F238E27FC236}">
+                <a16:creationId xmlns:a16="http://schemas.microsoft.com/office/drawing/2014/main" id="{5B6E373C-A14C-4341-BE1D-1568CFDA71A0}"/>
+              </a:ext>
+            </a:extLst>
+          </p:cNvPr>
+          <p:cNvSpPr>
+            <a:spLocks noGrp="1"/>
+          </p:cNvSpPr>
+          <p:nvPr>
+            <p:ph type="title"/>
+          </p:nvPr>
+        </p:nvSpPr>
+        <p:spPr>
+          <a:xfrm>
+            <a:off x="838199" y="365125"/>
+            <a:ext cx="11010499" cy="1325563"/>
+          </a:xfrm>
+        </p:spPr>
+        <p:txBody>
+          <a:bodyPr/>
+          <a:lstStyle/>
+          <a:p>
+            <a:r>
+              <a:rPr lang="en-US" dirty="0">
+                <a:latin typeface="Garamond" panose="02020404030301010803" pitchFamily="18" charset="0"/>
+              </a:rPr>
+              <a:t>Selection Result</a:t>
+            </a:r>
+          </a:p>
+        </p:txBody>
+      </p:sp>
+      <p:sp>
+        <p:nvSpPr>
+          <p:cNvPr id="3" name="Content Placeholder 2">
+            <a:extLst>
+              <a:ext uri="{FF2B5EF4-FFF2-40B4-BE49-F238E27FC236}">
+                <a16:creationId xmlns:a16="http://schemas.microsoft.com/office/drawing/2014/main" id="{464A2D37-3E87-584A-A0D4-8B6E512E9D7E}"/>
+              </a:ext>
+            </a:extLst>
+          </p:cNvPr>
+          <p:cNvSpPr>
+            <a:spLocks noGrp="1"/>
+          </p:cNvSpPr>
+          <p:nvPr>
+            <p:ph idx="1"/>
+          </p:nvPr>
+        </p:nvSpPr>
+        <p:spPr/>
+        <p:txBody>
+          <a:bodyPr/>
+          <a:lstStyle/>
+          <a:p>
+            <a:endParaRPr lang="en-US" dirty="0">
+              <a:latin typeface="Garamond" panose="02020404030301010803" pitchFamily="18" charset="0"/>
+            </a:endParaRPr>
+          </a:p>
+        </p:txBody>
+      </p:sp>
+    </p:spTree>
+    <p:extLst>
+      <p:ext uri="{BB962C8B-B14F-4D97-AF65-F5344CB8AC3E}">
+        <p14:creationId xmlns:p14="http://schemas.microsoft.com/office/powerpoint/2010/main" val="624088724"/>
+      </p:ext>
+    </p:extLst>
+  </p:cSld>
+  <p:clrMapOvr>
+    <a:masterClrMapping/>
+  </p:clrMapOvr>
+</p:sld>
+</file>
+
+<file path=ppt/slides/slide13.xml><?xml version="1.0" encoding="utf-8"?>
+<p:sld xmlns:a="http://schemas.openxmlformats.org/drawingml/2006/main" xmlns:r="http://schemas.openxmlformats.org/officeDocument/2006/relationships" xmlns:p="http://schemas.openxmlformats.org/presentationml/2006/main">
+  <p:cSld>
+    <p:spTree>
+      <p:nvGrpSpPr>
+        <p:cNvPr id="1" name=""/>
+        <p:cNvGrpSpPr/>
+        <p:nvPr/>
+      </p:nvGrpSpPr>
+      <p:grpSpPr>
+        <a:xfrm>
+          <a:off x="0" y="0"/>
+          <a:ext cx="0" cy="0"/>
+          <a:chOff x="0" y="0"/>
+          <a:chExt cx="0" cy="0"/>
+        </a:xfrm>
+      </p:grpSpPr>
+      <p:sp>
+        <p:nvSpPr>
+          <p:cNvPr id="2" name="Title 1">
+            <a:extLst>
+              <a:ext uri="{FF2B5EF4-FFF2-40B4-BE49-F238E27FC236}">
+                <a16:creationId xmlns:a16="http://schemas.microsoft.com/office/drawing/2014/main" id="{5B6E373C-A14C-4341-BE1D-1568CFDA71A0}"/>
+              </a:ext>
+            </a:extLst>
+          </p:cNvPr>
+          <p:cNvSpPr>
+            <a:spLocks noGrp="1"/>
+          </p:cNvSpPr>
+          <p:nvPr>
+            <p:ph type="title"/>
+          </p:nvPr>
+        </p:nvSpPr>
+        <p:spPr>
+          <a:xfrm>
+            <a:off x="838199" y="365125"/>
+            <a:ext cx="11010499" cy="1325563"/>
+          </a:xfrm>
+        </p:spPr>
+        <p:txBody>
+          <a:bodyPr/>
+          <a:lstStyle/>
+          <a:p>
+            <a:r>
+              <a:rPr lang="en-US" dirty="0">
+                <a:latin typeface="Garamond" panose="02020404030301010803" pitchFamily="18" charset="0"/>
+              </a:rPr>
+              <a:t>Preliminary Result discussion</a:t>
+            </a:r>
+          </a:p>
+        </p:txBody>
+      </p:sp>
+      <p:sp>
+        <p:nvSpPr>
+          <p:cNvPr id="3" name="Content Placeholder 2">
+            <a:extLst>
+              <a:ext uri="{FF2B5EF4-FFF2-40B4-BE49-F238E27FC236}">
+                <a16:creationId xmlns:a16="http://schemas.microsoft.com/office/drawing/2014/main" id="{464A2D37-3E87-584A-A0D4-8B6E512E9D7E}"/>
+              </a:ext>
+            </a:extLst>
+          </p:cNvPr>
+          <p:cNvSpPr>
+            <a:spLocks noGrp="1"/>
+          </p:cNvSpPr>
+          <p:nvPr>
+            <p:ph idx="1"/>
+          </p:nvPr>
+        </p:nvSpPr>
+        <p:spPr/>
+        <p:txBody>
+          <a:bodyPr/>
+          <a:lstStyle/>
+          <a:p>
+            <a:endParaRPr lang="en-US" dirty="0">
+              <a:latin typeface="Garamond" panose="02020404030301010803" pitchFamily="18" charset="0"/>
+            </a:endParaRPr>
+          </a:p>
+        </p:txBody>
+      </p:sp>
+    </p:spTree>
+    <p:extLst>
+      <p:ext uri="{BB962C8B-B14F-4D97-AF65-F5344CB8AC3E}">
+        <p14:creationId xmlns:p14="http://schemas.microsoft.com/office/powerpoint/2010/main" val="4176570281"/>
+      </p:ext>
+    </p:extLst>
+  </p:cSld>
+  <p:clrMapOvr>
+    <a:masterClrMapping/>
+  </p:clrMapOvr>
+</p:sld>
+</file>
+
+<file path=ppt/slides/slide14.xml><?xml version="1.0" encoding="utf-8"?>
+<p:sld xmlns:a="http://schemas.openxmlformats.org/drawingml/2006/main" xmlns:r="http://schemas.openxmlformats.org/officeDocument/2006/relationships" xmlns:p="http://schemas.openxmlformats.org/presentationml/2006/main">
+  <p:cSld>
+    <p:spTree>
+      <p:nvGrpSpPr>
+        <p:cNvPr id="1" name=""/>
+        <p:cNvGrpSpPr/>
+        <p:nvPr/>
+      </p:nvGrpSpPr>
+      <p:grpSpPr>
+        <a:xfrm>
+          <a:off x="0" y="0"/>
+          <a:ext cx="0" cy="0"/>
+          <a:chOff x="0" y="0"/>
+          <a:chExt cx="0" cy="0"/>
+        </a:xfrm>
+      </p:grpSpPr>
+      <p:sp>
+        <p:nvSpPr>
+          <p:cNvPr id="2" name="Title 1">
+            <a:extLst>
+              <a:ext uri="{FF2B5EF4-FFF2-40B4-BE49-F238E27FC236}">
+                <a16:creationId xmlns:a16="http://schemas.microsoft.com/office/drawing/2014/main" id="{5B6E373C-A14C-4341-BE1D-1568CFDA71A0}"/>
+              </a:ext>
+            </a:extLst>
+          </p:cNvPr>
+          <p:cNvSpPr>
+            <a:spLocks noGrp="1"/>
+          </p:cNvSpPr>
+          <p:nvPr>
+            <p:ph type="title"/>
+          </p:nvPr>
+        </p:nvSpPr>
+        <p:spPr>
+          <a:xfrm>
+            <a:off x="838199" y="365125"/>
+            <a:ext cx="11010499" cy="1325563"/>
+          </a:xfrm>
+        </p:spPr>
+        <p:txBody>
+          <a:bodyPr/>
+          <a:lstStyle/>
+          <a:p>
+            <a:r>
+              <a:rPr lang="en-US" dirty="0">
+                <a:latin typeface="Garamond" panose="02020404030301010803" pitchFamily="18" charset="0"/>
+              </a:rPr>
+              <a:t>Specific Aims</a:t>
+            </a:r>
+          </a:p>
+        </p:txBody>
+      </p:sp>
+      <p:sp>
+        <p:nvSpPr>
+          <p:cNvPr id="3" name="Content Placeholder 2">
+            <a:extLst>
+              <a:ext uri="{FF2B5EF4-FFF2-40B4-BE49-F238E27FC236}">
+                <a16:creationId xmlns:a16="http://schemas.microsoft.com/office/drawing/2014/main" id="{464A2D37-3E87-584A-A0D4-8B6E512E9D7E}"/>
+              </a:ext>
+            </a:extLst>
+          </p:cNvPr>
+          <p:cNvSpPr>
+            <a:spLocks noGrp="1"/>
+          </p:cNvSpPr>
+          <p:nvPr>
+            <p:ph idx="1"/>
+          </p:nvPr>
+        </p:nvSpPr>
+        <p:spPr/>
+        <p:txBody>
+          <a:bodyPr/>
+          <a:lstStyle/>
+          <a:p>
+            <a:r>
+              <a:rPr lang="en-US" dirty="0">
+                <a:latin typeface="Garamond" panose="02020404030301010803" pitchFamily="18" charset="0"/>
+              </a:rPr>
+              <a:t>Aim 1 – Apply a reference agnostic machine learning approach to find genes and gene interactions that are enriched in different species.</a:t>
+            </a:r>
+          </a:p>
+          <a:p>
+            <a:r>
+              <a:rPr lang="en-US" dirty="0">
+                <a:latin typeface="Garamond" panose="02020404030301010803" pitchFamily="18" charset="0"/>
+              </a:rPr>
+              <a:t>Aim 2 - Development of a </a:t>
+            </a:r>
+            <a:r>
+              <a:rPr lang="en-US" i="1" dirty="0">
+                <a:latin typeface="Garamond" panose="02020404030301010803" pitchFamily="18" charset="0"/>
+              </a:rPr>
+              <a:t>M. </a:t>
+            </a:r>
+            <a:r>
+              <a:rPr lang="en-US" i="1" dirty="0" err="1">
+                <a:latin typeface="Garamond" panose="02020404030301010803" pitchFamily="18" charset="0"/>
+              </a:rPr>
+              <a:t>bovis</a:t>
+            </a:r>
+            <a:r>
+              <a:rPr lang="en-US" dirty="0">
+                <a:latin typeface="Garamond" panose="02020404030301010803" pitchFamily="18" charset="0"/>
+              </a:rPr>
+              <a:t> WGS genotyping pipeline for continual pathogen surveillance.</a:t>
+            </a:r>
+          </a:p>
+          <a:p>
+            <a:r>
+              <a:rPr lang="en-US" dirty="0">
+                <a:latin typeface="Garamond" panose="02020404030301010803" pitchFamily="18" charset="0"/>
+              </a:rPr>
+              <a:t>Chapter 3 – Utilize a Bayesian framework to analyze a </a:t>
+            </a:r>
+            <a:r>
+              <a:rPr lang="en-US" i="1" dirty="0">
+                <a:latin typeface="Garamond" panose="02020404030301010803" pitchFamily="18" charset="0"/>
+              </a:rPr>
+              <a:t>M. </a:t>
+            </a:r>
+            <a:r>
+              <a:rPr lang="en-US" i="1" dirty="0" err="1">
+                <a:latin typeface="Garamond" panose="02020404030301010803" pitchFamily="18" charset="0"/>
+              </a:rPr>
+              <a:t>bovis</a:t>
+            </a:r>
+            <a:r>
+              <a:rPr lang="en-US" i="1" dirty="0">
+                <a:latin typeface="Garamond" panose="02020404030301010803" pitchFamily="18" charset="0"/>
+              </a:rPr>
+              <a:t> </a:t>
+            </a:r>
+            <a:r>
+              <a:rPr lang="en-US" dirty="0">
+                <a:latin typeface="Garamond" panose="02020404030301010803" pitchFamily="18" charset="0"/>
+              </a:rPr>
+              <a:t>time-tree for understanding anthropogenic and ecological factors that impact transmission. </a:t>
+            </a:r>
+          </a:p>
+        </p:txBody>
+      </p:sp>
+    </p:spTree>
+    <p:extLst>
+      <p:ext uri="{BB962C8B-B14F-4D97-AF65-F5344CB8AC3E}">
+        <p14:creationId xmlns:p14="http://schemas.microsoft.com/office/powerpoint/2010/main" val="3344595690"/>
+      </p:ext>
+    </p:extLst>
+  </p:cSld>
+  <p:clrMapOvr>
+    <a:masterClrMapping/>
+  </p:clrMapOvr>
+</p:sld>
+</file>
+
+<file path=ppt/slides/slide15.xml><?xml version="1.0" encoding="utf-8"?>
+<p:sld xmlns:a="http://schemas.openxmlformats.org/drawingml/2006/main" xmlns:r="http://schemas.openxmlformats.org/officeDocument/2006/relationships" xmlns:p="http://schemas.openxmlformats.org/presentationml/2006/main">
+  <p:cSld>
+    <p:spTree>
+      <p:nvGrpSpPr>
+        <p:cNvPr id="1" name=""/>
+        <p:cNvGrpSpPr/>
+        <p:nvPr/>
+      </p:nvGrpSpPr>
+      <p:grpSpPr>
+        <a:xfrm>
+          <a:off x="0" y="0"/>
+          <a:ext cx="0" cy="0"/>
+          <a:chOff x="0" y="0"/>
+          <a:chExt cx="0" cy="0"/>
+        </a:xfrm>
+      </p:grpSpPr>
+      <p:sp>
+        <p:nvSpPr>
+          <p:cNvPr id="2" name="Title 1">
+            <a:extLst>
+              <a:ext uri="{FF2B5EF4-FFF2-40B4-BE49-F238E27FC236}">
+                <a16:creationId xmlns:a16="http://schemas.microsoft.com/office/drawing/2014/main" id="{5B6E373C-A14C-4341-BE1D-1568CFDA71A0}"/>
+              </a:ext>
+            </a:extLst>
+          </p:cNvPr>
+          <p:cNvSpPr>
+            <a:spLocks noGrp="1"/>
+          </p:cNvSpPr>
+          <p:nvPr>
+            <p:ph type="title"/>
+          </p:nvPr>
+        </p:nvSpPr>
+        <p:spPr>
+          <a:xfrm>
+            <a:off x="838199" y="365125"/>
+            <a:ext cx="11010499" cy="1325563"/>
+          </a:xfrm>
+        </p:spPr>
+        <p:txBody>
+          <a:bodyPr/>
+          <a:lstStyle/>
+          <a:p>
+            <a:endParaRPr lang="en-US" dirty="0">
+              <a:latin typeface="Garamond" panose="02020404030301010803" pitchFamily="18" charset="0"/>
+            </a:endParaRPr>
+          </a:p>
+        </p:txBody>
+      </p:sp>
+      <p:sp>
+        <p:nvSpPr>
+          <p:cNvPr id="3" name="Content Placeholder 2">
+            <a:extLst>
+              <a:ext uri="{FF2B5EF4-FFF2-40B4-BE49-F238E27FC236}">
+                <a16:creationId xmlns:a16="http://schemas.microsoft.com/office/drawing/2014/main" id="{464A2D37-3E87-584A-A0D4-8B6E512E9D7E}"/>
+              </a:ext>
+            </a:extLst>
+          </p:cNvPr>
+          <p:cNvSpPr>
+            <a:spLocks noGrp="1"/>
+          </p:cNvSpPr>
+          <p:nvPr>
+            <p:ph idx="1"/>
+          </p:nvPr>
+        </p:nvSpPr>
+        <p:spPr/>
+        <p:txBody>
+          <a:bodyPr/>
+          <a:lstStyle/>
+          <a:p>
+            <a:endParaRPr lang="en-US" dirty="0">
+              <a:latin typeface="Garamond" panose="02020404030301010803" pitchFamily="18" charset="0"/>
+            </a:endParaRPr>
+          </a:p>
+        </p:txBody>
+      </p:sp>
+    </p:spTree>
+    <p:extLst>
+      <p:ext uri="{BB962C8B-B14F-4D97-AF65-F5344CB8AC3E}">
+        <p14:creationId xmlns:p14="http://schemas.microsoft.com/office/powerpoint/2010/main" val="3573537596"/>
+      </p:ext>
+    </p:extLst>
+  </p:cSld>
+  <p:clrMapOvr>
+    <a:masterClrMapping/>
+  </p:clrMapOvr>
+</p:sld>
+</file>
+
+<file path=ppt/slides/slide16.xml><?xml version="1.0" encoding="utf-8"?>
+<p:sld xmlns:a="http://schemas.openxmlformats.org/drawingml/2006/main" xmlns:r="http://schemas.openxmlformats.org/officeDocument/2006/relationships" xmlns:p="http://schemas.openxmlformats.org/presentationml/2006/main">
+  <p:cSld>
+    <p:spTree>
+      <p:nvGrpSpPr>
+        <p:cNvPr id="1" name=""/>
+        <p:cNvGrpSpPr/>
+        <p:nvPr/>
+      </p:nvGrpSpPr>
+      <p:grpSpPr>
+        <a:xfrm>
+          <a:off x="0" y="0"/>
+          <a:ext cx="0" cy="0"/>
+          <a:chOff x="0" y="0"/>
+          <a:chExt cx="0" cy="0"/>
+        </a:xfrm>
+      </p:grpSpPr>
+      <p:sp>
+        <p:nvSpPr>
+          <p:cNvPr id="2" name="Title 1">
+            <a:extLst>
+              <a:ext uri="{FF2B5EF4-FFF2-40B4-BE49-F238E27FC236}">
+                <a16:creationId xmlns:a16="http://schemas.microsoft.com/office/drawing/2014/main" id="{5B6E373C-A14C-4341-BE1D-1568CFDA71A0}"/>
+              </a:ext>
+            </a:extLst>
+          </p:cNvPr>
+          <p:cNvSpPr>
+            <a:spLocks noGrp="1"/>
+          </p:cNvSpPr>
+          <p:nvPr>
+            <p:ph type="title"/>
+          </p:nvPr>
+        </p:nvSpPr>
+        <p:spPr>
+          <a:xfrm>
+            <a:off x="838199" y="365125"/>
+            <a:ext cx="11010499" cy="1325563"/>
+          </a:xfrm>
+        </p:spPr>
+        <p:txBody>
+          <a:bodyPr/>
+          <a:lstStyle/>
+          <a:p>
+            <a:endParaRPr lang="en-US" dirty="0">
+              <a:latin typeface="Garamond" panose="02020404030301010803" pitchFamily="18" charset="0"/>
+            </a:endParaRPr>
+          </a:p>
+        </p:txBody>
+      </p:sp>
+      <p:sp>
+        <p:nvSpPr>
+          <p:cNvPr id="3" name="Content Placeholder 2">
+            <a:extLst>
+              <a:ext uri="{FF2B5EF4-FFF2-40B4-BE49-F238E27FC236}">
+                <a16:creationId xmlns:a16="http://schemas.microsoft.com/office/drawing/2014/main" id="{464A2D37-3E87-584A-A0D4-8B6E512E9D7E}"/>
+              </a:ext>
+            </a:extLst>
+          </p:cNvPr>
+          <p:cNvSpPr>
+            <a:spLocks noGrp="1"/>
+          </p:cNvSpPr>
+          <p:nvPr>
+            <p:ph idx="1"/>
+          </p:nvPr>
+        </p:nvSpPr>
+        <p:spPr/>
+        <p:txBody>
+          <a:bodyPr/>
+          <a:lstStyle/>
+          <a:p>
+            <a:endParaRPr lang="en-US" dirty="0">
+              <a:latin typeface="Garamond" panose="02020404030301010803" pitchFamily="18" charset="0"/>
+            </a:endParaRPr>
+          </a:p>
+        </p:txBody>
+      </p:sp>
+    </p:spTree>
+    <p:extLst>
+      <p:ext uri="{BB962C8B-B14F-4D97-AF65-F5344CB8AC3E}">
+        <p14:creationId xmlns:p14="http://schemas.microsoft.com/office/powerpoint/2010/main" val="2152640410"/>
+      </p:ext>
+    </p:extLst>
+  </p:cSld>
+  <p:clrMapOvr>
+    <a:masterClrMapping/>
+  </p:clrMapOvr>
+</p:sld>
+</file>
+
+<file path=ppt/slides/slide17.xml><?xml version="1.0" encoding="utf-8"?>
+<p:sld xmlns:a="http://schemas.openxmlformats.org/drawingml/2006/main" xmlns:r="http://schemas.openxmlformats.org/officeDocument/2006/relationships" xmlns:p="http://schemas.openxmlformats.org/presentationml/2006/main">
+  <p:cSld>
+    <p:spTree>
+      <p:nvGrpSpPr>
+        <p:cNvPr id="1" name=""/>
+        <p:cNvGrpSpPr/>
+        <p:nvPr/>
+      </p:nvGrpSpPr>
+      <p:grpSpPr>
+        <a:xfrm>
+          <a:off x="0" y="0"/>
+          <a:ext cx="0" cy="0"/>
+          <a:chOff x="0" y="0"/>
+          <a:chExt cx="0" cy="0"/>
+        </a:xfrm>
+      </p:grpSpPr>
+      <p:sp>
+        <p:nvSpPr>
+          <p:cNvPr id="2" name="Title 1">
+            <a:extLst>
+              <a:ext uri="{FF2B5EF4-FFF2-40B4-BE49-F238E27FC236}">
+                <a16:creationId xmlns:a16="http://schemas.microsoft.com/office/drawing/2014/main" id="{5B6E373C-A14C-4341-BE1D-1568CFDA71A0}"/>
+              </a:ext>
+            </a:extLst>
+          </p:cNvPr>
+          <p:cNvSpPr>
+            <a:spLocks noGrp="1"/>
+          </p:cNvSpPr>
+          <p:nvPr>
+            <p:ph type="title"/>
+          </p:nvPr>
+        </p:nvSpPr>
+        <p:spPr>
+          <a:xfrm>
+            <a:off x="838199" y="365125"/>
+            <a:ext cx="11010499" cy="1325563"/>
+          </a:xfrm>
+        </p:spPr>
+        <p:txBody>
+          <a:bodyPr/>
+          <a:lstStyle/>
+          <a:p>
+            <a:endParaRPr lang="en-US" dirty="0">
+              <a:latin typeface="Garamond" panose="02020404030301010803" pitchFamily="18" charset="0"/>
+            </a:endParaRPr>
+          </a:p>
+        </p:txBody>
+      </p:sp>
+      <p:sp>
+        <p:nvSpPr>
+          <p:cNvPr id="3" name="Content Placeholder 2">
+            <a:extLst>
+              <a:ext uri="{FF2B5EF4-FFF2-40B4-BE49-F238E27FC236}">
+                <a16:creationId xmlns:a16="http://schemas.microsoft.com/office/drawing/2014/main" id="{464A2D37-3E87-584A-A0D4-8B6E512E9D7E}"/>
+              </a:ext>
+            </a:extLst>
+          </p:cNvPr>
+          <p:cNvSpPr>
+            <a:spLocks noGrp="1"/>
+          </p:cNvSpPr>
+          <p:nvPr>
+            <p:ph idx="1"/>
+          </p:nvPr>
+        </p:nvSpPr>
+        <p:spPr/>
+        <p:txBody>
+          <a:bodyPr/>
+          <a:lstStyle/>
+          <a:p>
+            <a:endParaRPr lang="en-US" dirty="0">
+              <a:latin typeface="Garamond" panose="02020404030301010803" pitchFamily="18" charset="0"/>
+            </a:endParaRPr>
+          </a:p>
+        </p:txBody>
+      </p:sp>
+    </p:spTree>
+    <p:extLst>
+      <p:ext uri="{BB962C8B-B14F-4D97-AF65-F5344CB8AC3E}">
+        <p14:creationId xmlns:p14="http://schemas.microsoft.com/office/powerpoint/2010/main" val="3391769610"/>
+      </p:ext>
+    </p:extLst>
+  </p:cSld>
+  <p:clrMapOvr>
+    <a:masterClrMapping/>
+  </p:clrMapOvr>
+</p:sld>
+</file>
+
+<file path=ppt/slides/slide18.xml><?xml version="1.0" encoding="utf-8"?>
+<p:sld xmlns:a="http://schemas.openxmlformats.org/drawingml/2006/main" xmlns:r="http://schemas.openxmlformats.org/officeDocument/2006/relationships" xmlns:p="http://schemas.openxmlformats.org/presentationml/2006/main">
+  <p:cSld>
+    <p:spTree>
+      <p:nvGrpSpPr>
+        <p:cNvPr id="1" name=""/>
+        <p:cNvGrpSpPr/>
+        <p:nvPr/>
+      </p:nvGrpSpPr>
+      <p:grpSpPr>
+        <a:xfrm>
+          <a:off x="0" y="0"/>
+          <a:ext cx="0" cy="0"/>
+          <a:chOff x="0" y="0"/>
+          <a:chExt cx="0" cy="0"/>
+        </a:xfrm>
+      </p:grpSpPr>
+      <p:sp>
+        <p:nvSpPr>
+          <p:cNvPr id="2" name="Title 1">
+            <a:extLst>
+              <a:ext uri="{FF2B5EF4-FFF2-40B4-BE49-F238E27FC236}">
+                <a16:creationId xmlns:a16="http://schemas.microsoft.com/office/drawing/2014/main" id="{5B6E373C-A14C-4341-BE1D-1568CFDA71A0}"/>
+              </a:ext>
+            </a:extLst>
+          </p:cNvPr>
+          <p:cNvSpPr>
+            <a:spLocks noGrp="1"/>
+          </p:cNvSpPr>
+          <p:nvPr>
+            <p:ph type="title"/>
+          </p:nvPr>
+        </p:nvSpPr>
+        <p:spPr>
+          <a:xfrm>
+            <a:off x="838199" y="365125"/>
+            <a:ext cx="11010499" cy="1325563"/>
+          </a:xfrm>
+        </p:spPr>
+        <p:txBody>
+          <a:bodyPr/>
+          <a:lstStyle/>
+          <a:p>
+            <a:endParaRPr lang="en-US" dirty="0">
+              <a:latin typeface="Garamond" panose="02020404030301010803" pitchFamily="18" charset="0"/>
+            </a:endParaRPr>
+          </a:p>
+        </p:txBody>
+      </p:sp>
+      <p:sp>
+        <p:nvSpPr>
+          <p:cNvPr id="3" name="Content Placeholder 2">
+            <a:extLst>
+              <a:ext uri="{FF2B5EF4-FFF2-40B4-BE49-F238E27FC236}">
+                <a16:creationId xmlns:a16="http://schemas.microsoft.com/office/drawing/2014/main" id="{464A2D37-3E87-584A-A0D4-8B6E512E9D7E}"/>
+              </a:ext>
+            </a:extLst>
+          </p:cNvPr>
+          <p:cNvSpPr>
+            <a:spLocks noGrp="1"/>
+          </p:cNvSpPr>
+          <p:nvPr>
+            <p:ph idx="1"/>
+          </p:nvPr>
+        </p:nvSpPr>
+        <p:spPr/>
+        <p:txBody>
+          <a:bodyPr/>
+          <a:lstStyle/>
+          <a:p>
+            <a:endParaRPr lang="en-US" dirty="0">
+              <a:latin typeface="Garamond" panose="02020404030301010803" pitchFamily="18" charset="0"/>
+            </a:endParaRPr>
+          </a:p>
+        </p:txBody>
+      </p:sp>
+    </p:spTree>
+    <p:extLst>
+      <p:ext uri="{BB962C8B-B14F-4D97-AF65-F5344CB8AC3E}">
+        <p14:creationId xmlns:p14="http://schemas.microsoft.com/office/powerpoint/2010/main" val="3555400520"/>
+      </p:ext>
+    </p:extLst>
+  </p:cSld>
+  <p:clrMapOvr>
+    <a:masterClrMapping/>
+  </p:clrMapOvr>
+</p:sld>
+</file>
+
+<file path=ppt/slides/slide19.xml><?xml version="1.0" encoding="utf-8"?>
+<p:sld xmlns:a="http://schemas.openxmlformats.org/drawingml/2006/main" xmlns:r="http://schemas.openxmlformats.org/officeDocument/2006/relationships" xmlns:p="http://schemas.openxmlformats.org/presentationml/2006/main">
+  <p:cSld>
+    <p:spTree>
+      <p:nvGrpSpPr>
+        <p:cNvPr id="1" name=""/>
+        <p:cNvGrpSpPr/>
+        <p:nvPr/>
+      </p:nvGrpSpPr>
+      <p:grpSpPr>
+        <a:xfrm>
+          <a:off x="0" y="0"/>
+          <a:ext cx="0" cy="0"/>
+          <a:chOff x="0" y="0"/>
+          <a:chExt cx="0" cy="0"/>
+        </a:xfrm>
+      </p:grpSpPr>
+      <p:sp>
+        <p:nvSpPr>
+          <p:cNvPr id="2" name="Title 1">
+            <a:extLst>
+              <a:ext uri="{FF2B5EF4-FFF2-40B4-BE49-F238E27FC236}">
+                <a16:creationId xmlns:a16="http://schemas.microsoft.com/office/drawing/2014/main" id="{5B6E373C-A14C-4341-BE1D-1568CFDA71A0}"/>
+              </a:ext>
+            </a:extLst>
+          </p:cNvPr>
+          <p:cNvSpPr>
+            <a:spLocks noGrp="1"/>
+          </p:cNvSpPr>
+          <p:nvPr>
+            <p:ph type="title"/>
+          </p:nvPr>
+        </p:nvSpPr>
+        <p:spPr>
+          <a:xfrm>
+            <a:off x="838199" y="365125"/>
+            <a:ext cx="11010499" cy="1325563"/>
+          </a:xfrm>
+        </p:spPr>
+        <p:txBody>
+          <a:bodyPr/>
+          <a:lstStyle/>
+          <a:p>
+            <a:endParaRPr lang="en-US" dirty="0">
+              <a:latin typeface="Garamond" panose="02020404030301010803" pitchFamily="18" charset="0"/>
+            </a:endParaRPr>
+          </a:p>
+        </p:txBody>
+      </p:sp>
+      <p:sp>
+        <p:nvSpPr>
+          <p:cNvPr id="3" name="Content Placeholder 2">
+            <a:extLst>
+              <a:ext uri="{FF2B5EF4-FFF2-40B4-BE49-F238E27FC236}">
+                <a16:creationId xmlns:a16="http://schemas.microsoft.com/office/drawing/2014/main" id="{464A2D37-3E87-584A-A0D4-8B6E512E9D7E}"/>
+              </a:ext>
+            </a:extLst>
+          </p:cNvPr>
+          <p:cNvSpPr>
+            <a:spLocks noGrp="1"/>
+          </p:cNvSpPr>
+          <p:nvPr>
+            <p:ph idx="1"/>
+          </p:nvPr>
+        </p:nvSpPr>
+        <p:spPr/>
+        <p:txBody>
+          <a:bodyPr/>
+          <a:lstStyle/>
+          <a:p>
+            <a:endParaRPr lang="en-US" dirty="0">
+              <a:latin typeface="Garamond" panose="02020404030301010803" pitchFamily="18" charset="0"/>
+            </a:endParaRPr>
+          </a:p>
+        </p:txBody>
+      </p:sp>
+    </p:spTree>
+    <p:extLst>
+      <p:ext uri="{BB962C8B-B14F-4D97-AF65-F5344CB8AC3E}">
+        <p14:creationId xmlns:p14="http://schemas.microsoft.com/office/powerpoint/2010/main" val="2278938997"/>
       </p:ext>
     </p:extLst>
   </p:cSld>
@@ -3587,9 +4580,36 @@
           <a:bodyPr/>
           <a:lstStyle/>
           <a:p>
-            <a:endParaRPr lang="en-US" dirty="0">
-              <a:latin typeface="Garamond" panose="02020404030301010803" pitchFamily="18" charset="0"/>
-            </a:endParaRPr>
+            <a:r>
+              <a:rPr lang="en-US" dirty="0">
+                <a:latin typeface="Garamond" panose="02020404030301010803" pitchFamily="18" charset="0"/>
+              </a:rPr>
+              <a:t>Introduction </a:t>
+            </a:r>
+          </a:p>
+          <a:p>
+            <a:r>
+              <a:rPr lang="en-US" dirty="0">
+                <a:latin typeface="Garamond" panose="02020404030301010803" pitchFamily="18" charset="0"/>
+              </a:rPr>
+              <a:t>Research Question</a:t>
+            </a:r>
+          </a:p>
+          <a:p>
+            <a:r>
+              <a:rPr lang="en-US" dirty="0">
+                <a:latin typeface="Garamond" panose="02020404030301010803" pitchFamily="18" charset="0"/>
+              </a:rPr>
+              <a:t>Preliminary Results</a:t>
+            </a:r>
+          </a:p>
+          <a:p>
+            <a:r>
+              <a:rPr lang="en-US" dirty="0">
+                <a:latin typeface="Garamond" panose="02020404030301010803" pitchFamily="18" charset="0"/>
+              </a:rPr>
+              <a:t>Specific Aims</a:t>
+            </a:r>
           </a:p>
         </p:txBody>
       </p:sp>
@@ -3597,6 +4617,1275 @@
     <p:extLst>
       <p:ext uri="{BB962C8B-B14F-4D97-AF65-F5344CB8AC3E}">
         <p14:creationId xmlns:p14="http://schemas.microsoft.com/office/powerpoint/2010/main" val="3815720697"/>
+      </p:ext>
+    </p:extLst>
+  </p:cSld>
+  <p:clrMapOvr>
+    <a:masterClrMapping/>
+  </p:clrMapOvr>
+</p:sld>
+</file>
+
+<file path=ppt/slides/slide20.xml><?xml version="1.0" encoding="utf-8"?>
+<p:sld xmlns:a="http://schemas.openxmlformats.org/drawingml/2006/main" xmlns:r="http://schemas.openxmlformats.org/officeDocument/2006/relationships" xmlns:p="http://schemas.openxmlformats.org/presentationml/2006/main">
+  <p:cSld>
+    <p:spTree>
+      <p:nvGrpSpPr>
+        <p:cNvPr id="1" name=""/>
+        <p:cNvGrpSpPr/>
+        <p:nvPr/>
+      </p:nvGrpSpPr>
+      <p:grpSpPr>
+        <a:xfrm>
+          <a:off x="0" y="0"/>
+          <a:ext cx="0" cy="0"/>
+          <a:chOff x="0" y="0"/>
+          <a:chExt cx="0" cy="0"/>
+        </a:xfrm>
+      </p:grpSpPr>
+      <p:sp>
+        <p:nvSpPr>
+          <p:cNvPr id="2" name="Title 1">
+            <a:extLst>
+              <a:ext uri="{FF2B5EF4-FFF2-40B4-BE49-F238E27FC236}">
+                <a16:creationId xmlns:a16="http://schemas.microsoft.com/office/drawing/2014/main" id="{5B6E373C-A14C-4341-BE1D-1568CFDA71A0}"/>
+              </a:ext>
+            </a:extLst>
+          </p:cNvPr>
+          <p:cNvSpPr>
+            <a:spLocks noGrp="1"/>
+          </p:cNvSpPr>
+          <p:nvPr>
+            <p:ph type="title"/>
+          </p:nvPr>
+        </p:nvSpPr>
+        <p:spPr>
+          <a:xfrm>
+            <a:off x="838199" y="365125"/>
+            <a:ext cx="11010499" cy="1325563"/>
+          </a:xfrm>
+        </p:spPr>
+        <p:txBody>
+          <a:bodyPr/>
+          <a:lstStyle/>
+          <a:p>
+            <a:endParaRPr lang="en-US" dirty="0">
+              <a:latin typeface="Garamond" panose="02020404030301010803" pitchFamily="18" charset="0"/>
+            </a:endParaRPr>
+          </a:p>
+        </p:txBody>
+      </p:sp>
+      <p:sp>
+        <p:nvSpPr>
+          <p:cNvPr id="3" name="Content Placeholder 2">
+            <a:extLst>
+              <a:ext uri="{FF2B5EF4-FFF2-40B4-BE49-F238E27FC236}">
+                <a16:creationId xmlns:a16="http://schemas.microsoft.com/office/drawing/2014/main" id="{464A2D37-3E87-584A-A0D4-8B6E512E9D7E}"/>
+              </a:ext>
+            </a:extLst>
+          </p:cNvPr>
+          <p:cNvSpPr>
+            <a:spLocks noGrp="1"/>
+          </p:cNvSpPr>
+          <p:nvPr>
+            <p:ph idx="1"/>
+          </p:nvPr>
+        </p:nvSpPr>
+        <p:spPr/>
+        <p:txBody>
+          <a:bodyPr/>
+          <a:lstStyle/>
+          <a:p>
+            <a:endParaRPr lang="en-US" dirty="0">
+              <a:latin typeface="Garamond" panose="02020404030301010803" pitchFamily="18" charset="0"/>
+            </a:endParaRPr>
+          </a:p>
+        </p:txBody>
+      </p:sp>
+    </p:spTree>
+    <p:extLst>
+      <p:ext uri="{BB962C8B-B14F-4D97-AF65-F5344CB8AC3E}">
+        <p14:creationId xmlns:p14="http://schemas.microsoft.com/office/powerpoint/2010/main" val="3710752045"/>
+      </p:ext>
+    </p:extLst>
+  </p:cSld>
+  <p:clrMapOvr>
+    <a:masterClrMapping/>
+  </p:clrMapOvr>
+</p:sld>
+</file>
+
+<file path=ppt/slides/slide3.xml><?xml version="1.0" encoding="utf-8"?>
+<p:sld xmlns:a="http://schemas.openxmlformats.org/drawingml/2006/main" xmlns:r="http://schemas.openxmlformats.org/officeDocument/2006/relationships" xmlns:p="http://schemas.openxmlformats.org/presentationml/2006/main">
+  <p:cSld>
+    <p:spTree>
+      <p:nvGrpSpPr>
+        <p:cNvPr id="1" name=""/>
+        <p:cNvGrpSpPr/>
+        <p:nvPr/>
+      </p:nvGrpSpPr>
+      <p:grpSpPr>
+        <a:xfrm>
+          <a:off x="0" y="0"/>
+          <a:ext cx="0" cy="0"/>
+          <a:chOff x="0" y="0"/>
+          <a:chExt cx="0" cy="0"/>
+        </a:xfrm>
+      </p:grpSpPr>
+      <p:sp>
+        <p:nvSpPr>
+          <p:cNvPr id="2" name="Title 1">
+            <a:extLst>
+              <a:ext uri="{FF2B5EF4-FFF2-40B4-BE49-F238E27FC236}">
+                <a16:creationId xmlns:a16="http://schemas.microsoft.com/office/drawing/2014/main" id="{5B6E373C-A14C-4341-BE1D-1568CFDA71A0}"/>
+              </a:ext>
+            </a:extLst>
+          </p:cNvPr>
+          <p:cNvSpPr>
+            <a:spLocks noGrp="1"/>
+          </p:cNvSpPr>
+          <p:nvPr>
+            <p:ph type="title"/>
+          </p:nvPr>
+        </p:nvSpPr>
+        <p:spPr>
+          <a:xfrm>
+            <a:off x="838199" y="365125"/>
+            <a:ext cx="11164503" cy="1325563"/>
+          </a:xfrm>
+        </p:spPr>
+        <p:txBody>
+          <a:bodyPr/>
+          <a:lstStyle/>
+          <a:p>
+            <a:r>
+              <a:rPr lang="en-US" i="1" dirty="0">
+                <a:latin typeface="Garamond" panose="02020404030301010803" pitchFamily="18" charset="0"/>
+              </a:rPr>
+              <a:t>Mycobacterium </a:t>
+            </a:r>
+            <a:r>
+              <a:rPr lang="en-US" i="1" dirty="0" err="1">
+                <a:latin typeface="Garamond" panose="02020404030301010803" pitchFamily="18" charset="0"/>
+              </a:rPr>
+              <a:t>bovis</a:t>
+            </a:r>
+            <a:r>
+              <a:rPr lang="en-US" i="1" dirty="0">
+                <a:latin typeface="Garamond" panose="02020404030301010803" pitchFamily="18" charset="0"/>
+              </a:rPr>
+              <a:t> – </a:t>
+            </a:r>
+            <a:r>
+              <a:rPr lang="en-US" dirty="0">
+                <a:latin typeface="Garamond" panose="02020404030301010803" pitchFamily="18" charset="0"/>
+              </a:rPr>
+              <a:t>Quick Facts</a:t>
+            </a:r>
+            <a:endParaRPr lang="en-US" i="1" dirty="0">
+              <a:latin typeface="Garamond" panose="02020404030301010803" pitchFamily="18" charset="0"/>
+            </a:endParaRPr>
+          </a:p>
+        </p:txBody>
+      </p:sp>
+      <p:sp>
+        <p:nvSpPr>
+          <p:cNvPr id="3" name="Content Placeholder 2">
+            <a:extLst>
+              <a:ext uri="{FF2B5EF4-FFF2-40B4-BE49-F238E27FC236}">
+                <a16:creationId xmlns:a16="http://schemas.microsoft.com/office/drawing/2014/main" id="{464A2D37-3E87-584A-A0D4-8B6E512E9D7E}"/>
+              </a:ext>
+            </a:extLst>
+          </p:cNvPr>
+          <p:cNvSpPr>
+            <a:spLocks noGrp="1"/>
+          </p:cNvSpPr>
+          <p:nvPr>
+            <p:ph idx="1"/>
+          </p:nvPr>
+        </p:nvSpPr>
+        <p:spPr/>
+        <p:txBody>
+          <a:bodyPr/>
+          <a:lstStyle/>
+          <a:p>
+            <a:r>
+              <a:rPr lang="en-US" i="1" dirty="0">
+                <a:latin typeface="Garamond" panose="02020404030301010803" pitchFamily="18" charset="0"/>
+              </a:rPr>
+              <a:t>Mycobacterium </a:t>
+            </a:r>
+            <a:r>
+              <a:rPr lang="en-US" i="1" dirty="0" err="1">
+                <a:latin typeface="Garamond" panose="02020404030301010803" pitchFamily="18" charset="0"/>
+              </a:rPr>
+              <a:t>bovis</a:t>
+            </a:r>
+            <a:r>
+              <a:rPr lang="en-US" dirty="0">
+                <a:latin typeface="Garamond" panose="02020404030301010803" pitchFamily="18" charset="0"/>
+              </a:rPr>
+              <a:t> is the bacterial pathogen that causes bovine tuberculosis (</a:t>
+            </a:r>
+            <a:r>
+              <a:rPr lang="en-US" dirty="0" err="1">
+                <a:latin typeface="Garamond" panose="02020404030301010803" pitchFamily="18" charset="0"/>
+              </a:rPr>
+              <a:t>bTB</a:t>
+            </a:r>
+            <a:r>
+              <a:rPr lang="en-US" dirty="0">
+                <a:latin typeface="Garamond" panose="02020404030301010803" pitchFamily="18" charset="0"/>
+              </a:rPr>
+              <a:t>)</a:t>
+            </a:r>
+          </a:p>
+          <a:p>
+            <a:pPr lvl="1"/>
+            <a:r>
+              <a:rPr lang="en-US" dirty="0">
+                <a:latin typeface="Garamond" panose="02020404030301010803" pitchFamily="18" charset="0"/>
+              </a:rPr>
+              <a:t>Chronic respiratory complications, weight loss, and lymphatic and lung lesions</a:t>
+            </a:r>
+          </a:p>
+          <a:p>
+            <a:pPr lvl="1"/>
+            <a:r>
+              <a:rPr lang="en-US" dirty="0">
+                <a:latin typeface="Garamond" panose="02020404030301010803" pitchFamily="18" charset="0"/>
+              </a:rPr>
+              <a:t>Contracted through multiple avenues, mainly inhalation of aerosols</a:t>
+            </a:r>
+          </a:p>
+          <a:p>
+            <a:pPr lvl="1"/>
+            <a:r>
+              <a:rPr lang="en-US" dirty="0">
+                <a:latin typeface="Garamond" panose="02020404030301010803" pitchFamily="18" charset="0"/>
+              </a:rPr>
+              <a:t>Animal adapted, limited human – human transmission</a:t>
+            </a:r>
+          </a:p>
+          <a:p>
+            <a:pPr lvl="1"/>
+            <a:r>
+              <a:rPr lang="en-US" dirty="0">
+                <a:latin typeface="Garamond" panose="02020404030301010803" pitchFamily="18" charset="0"/>
+              </a:rPr>
+              <a:t>Highly related to </a:t>
+            </a:r>
+            <a:r>
+              <a:rPr lang="en-US" i="1" dirty="0">
+                <a:latin typeface="Garamond" panose="02020404030301010803" pitchFamily="18" charset="0"/>
+              </a:rPr>
+              <a:t>Mycobacterium tuberculosis </a:t>
+            </a:r>
+            <a:r>
+              <a:rPr lang="en-US" dirty="0">
+                <a:latin typeface="Garamond" panose="02020404030301010803" pitchFamily="18" charset="0"/>
+              </a:rPr>
+              <a:t>complex (MTBC) species</a:t>
+            </a:r>
+          </a:p>
+          <a:p>
+            <a:pPr marL="457200" lvl="1" indent="0">
+              <a:buNone/>
+            </a:pPr>
+            <a:endParaRPr lang="en-US" dirty="0">
+              <a:latin typeface="Garamond" panose="02020404030301010803" pitchFamily="18" charset="0"/>
+            </a:endParaRPr>
+          </a:p>
+        </p:txBody>
+      </p:sp>
+    </p:spTree>
+    <p:extLst>
+      <p:ext uri="{BB962C8B-B14F-4D97-AF65-F5344CB8AC3E}">
+        <p14:creationId xmlns:p14="http://schemas.microsoft.com/office/powerpoint/2010/main" val="2717509443"/>
+      </p:ext>
+    </p:extLst>
+  </p:cSld>
+  <p:clrMapOvr>
+    <a:masterClrMapping/>
+  </p:clrMapOvr>
+</p:sld>
+</file>
+
+<file path=ppt/slides/slide4.xml><?xml version="1.0" encoding="utf-8"?>
+<p:sld xmlns:a="http://schemas.openxmlformats.org/drawingml/2006/main" xmlns:r="http://schemas.openxmlformats.org/officeDocument/2006/relationships" xmlns:p="http://schemas.openxmlformats.org/presentationml/2006/main">
+  <p:cSld>
+    <p:spTree>
+      <p:nvGrpSpPr>
+        <p:cNvPr id="1" name=""/>
+        <p:cNvGrpSpPr/>
+        <p:nvPr/>
+      </p:nvGrpSpPr>
+      <p:grpSpPr>
+        <a:xfrm>
+          <a:off x="0" y="0"/>
+          <a:ext cx="0" cy="0"/>
+          <a:chOff x="0" y="0"/>
+          <a:chExt cx="0" cy="0"/>
+        </a:xfrm>
+      </p:grpSpPr>
+      <p:sp>
+        <p:nvSpPr>
+          <p:cNvPr id="2" name="Title 1">
+            <a:extLst>
+              <a:ext uri="{FF2B5EF4-FFF2-40B4-BE49-F238E27FC236}">
+                <a16:creationId xmlns:a16="http://schemas.microsoft.com/office/drawing/2014/main" id="{5B6E373C-A14C-4341-BE1D-1568CFDA71A0}"/>
+              </a:ext>
+            </a:extLst>
+          </p:cNvPr>
+          <p:cNvSpPr>
+            <a:spLocks noGrp="1"/>
+          </p:cNvSpPr>
+          <p:nvPr>
+            <p:ph type="title"/>
+          </p:nvPr>
+        </p:nvSpPr>
+        <p:spPr>
+          <a:xfrm>
+            <a:off x="838199" y="365125"/>
+            <a:ext cx="11010499" cy="1325563"/>
+          </a:xfrm>
+        </p:spPr>
+        <p:txBody>
+          <a:bodyPr/>
+          <a:lstStyle/>
+          <a:p>
+            <a:r>
+              <a:rPr lang="en-US" i="1" dirty="0">
+                <a:latin typeface="Garamond" panose="02020404030301010803" pitchFamily="18" charset="0"/>
+              </a:rPr>
+              <a:t>M. </a:t>
+            </a:r>
+            <a:r>
+              <a:rPr lang="en-US" i="1" dirty="0" err="1">
+                <a:latin typeface="Garamond" panose="02020404030301010803" pitchFamily="18" charset="0"/>
+              </a:rPr>
+              <a:t>bovis</a:t>
+            </a:r>
+            <a:r>
+              <a:rPr lang="en-US" i="1" dirty="0">
+                <a:latin typeface="Garamond" panose="02020404030301010803" pitchFamily="18" charset="0"/>
+              </a:rPr>
+              <a:t> s</a:t>
+            </a:r>
+            <a:r>
+              <a:rPr lang="en-US" dirty="0">
+                <a:latin typeface="Garamond" panose="02020404030301010803" pitchFamily="18" charset="0"/>
+              </a:rPr>
+              <a:t>pillback leads to economic burden</a:t>
+            </a:r>
+            <a:endParaRPr lang="en-US" i="1" dirty="0">
+              <a:latin typeface="Garamond" panose="02020404030301010803" pitchFamily="18" charset="0"/>
+            </a:endParaRPr>
+          </a:p>
+        </p:txBody>
+      </p:sp>
+      <p:sp>
+        <p:nvSpPr>
+          <p:cNvPr id="3" name="Content Placeholder 2">
+            <a:extLst>
+              <a:ext uri="{FF2B5EF4-FFF2-40B4-BE49-F238E27FC236}">
+                <a16:creationId xmlns:a16="http://schemas.microsoft.com/office/drawing/2014/main" id="{464A2D37-3E87-584A-A0D4-8B6E512E9D7E}"/>
+              </a:ext>
+            </a:extLst>
+          </p:cNvPr>
+          <p:cNvSpPr>
+            <a:spLocks noGrp="1"/>
+          </p:cNvSpPr>
+          <p:nvPr>
+            <p:ph idx="1"/>
+          </p:nvPr>
+        </p:nvSpPr>
+        <p:spPr/>
+        <p:txBody>
+          <a:bodyPr>
+            <a:normAutofit fontScale="92500"/>
+          </a:bodyPr>
+          <a:lstStyle/>
+          <a:p>
+            <a:r>
+              <a:rPr lang="en-US" dirty="0">
+                <a:latin typeface="Garamond" panose="02020404030301010803" pitchFamily="18" charset="0"/>
+              </a:rPr>
+              <a:t>Implicated as a bacterial pathogen that exists on the </a:t>
+            </a:r>
+            <a:r>
+              <a:rPr lang="en-US" b="1" dirty="0">
+                <a:latin typeface="Garamond" panose="02020404030301010803" pitchFamily="18" charset="0"/>
+              </a:rPr>
+              <a:t>wildlife-livestock interface.</a:t>
+            </a:r>
+          </a:p>
+          <a:p>
+            <a:pPr marL="914400" lvl="1" indent="-457200">
+              <a:buFont typeface="+mj-lt"/>
+              <a:buAutoNum type="arabicPeriod"/>
+            </a:pPr>
+            <a:r>
+              <a:rPr lang="en-US" dirty="0">
+                <a:latin typeface="Garamond" panose="02020404030301010803" pitchFamily="18" charset="0"/>
+              </a:rPr>
+              <a:t>Spillover into wildlife population from infected cattle.</a:t>
+            </a:r>
+          </a:p>
+          <a:p>
+            <a:pPr marL="914400" lvl="1" indent="-457200">
+              <a:buFont typeface="+mj-lt"/>
+              <a:buAutoNum type="arabicPeriod"/>
+            </a:pPr>
+            <a:r>
+              <a:rPr lang="en-US" dirty="0">
+                <a:latin typeface="Garamond" panose="02020404030301010803" pitchFamily="18" charset="0"/>
+              </a:rPr>
+              <a:t>Creation of maintenance population in the wildlife.</a:t>
+            </a:r>
+          </a:p>
+          <a:p>
+            <a:pPr marL="914400" lvl="1" indent="-457200">
+              <a:buFont typeface="+mj-lt"/>
+              <a:buAutoNum type="arabicPeriod"/>
+            </a:pPr>
+            <a:r>
+              <a:rPr lang="en-US" dirty="0">
+                <a:latin typeface="Garamond" panose="02020404030301010803" pitchFamily="18" charset="0"/>
+              </a:rPr>
+              <a:t>Finally, spillback into the economically valuable livestock population.</a:t>
+            </a:r>
+          </a:p>
+          <a:p>
+            <a:r>
+              <a:rPr lang="en-US" dirty="0">
+                <a:latin typeface="Garamond" panose="02020404030301010803" pitchFamily="18" charset="0"/>
+              </a:rPr>
+              <a:t>Spillover can lead to formation of two opposite outcomes:</a:t>
+            </a:r>
+          </a:p>
+          <a:p>
+            <a:pPr marL="914400" lvl="1" indent="-457200">
+              <a:buFont typeface="+mj-lt"/>
+              <a:buAutoNum type="arabicPeriod"/>
+            </a:pPr>
+            <a:r>
+              <a:rPr lang="en-US" dirty="0">
+                <a:latin typeface="Garamond" panose="02020404030301010803" pitchFamily="18" charset="0"/>
+              </a:rPr>
+              <a:t>Maintenance populations: transmission within the species population can be sustained</a:t>
+            </a:r>
+          </a:p>
+          <a:p>
+            <a:pPr marL="914400" lvl="1" indent="-457200">
+              <a:buFont typeface="+mj-lt"/>
+              <a:buAutoNum type="arabicPeriod"/>
+            </a:pPr>
+            <a:r>
+              <a:rPr lang="en-US" dirty="0">
+                <a:latin typeface="Garamond" panose="02020404030301010803" pitchFamily="18" charset="0"/>
+              </a:rPr>
+              <a:t>Dead-End hosts: transmission of disease occurs rarely within a species population</a:t>
+            </a:r>
+          </a:p>
+          <a:p>
+            <a:r>
+              <a:rPr lang="en-US" dirty="0">
+                <a:latin typeface="Garamond" panose="02020404030301010803" pitchFamily="18" charset="0"/>
+              </a:rPr>
+              <a:t>Maintenance populations that contribute to constant spillback are the focus of disease control programs.</a:t>
+            </a:r>
+          </a:p>
+          <a:p>
+            <a:pPr lvl="2"/>
+            <a:endParaRPr lang="en-US" dirty="0">
+              <a:latin typeface="Garamond" panose="02020404030301010803" pitchFamily="18" charset="0"/>
+            </a:endParaRPr>
+          </a:p>
+        </p:txBody>
+      </p:sp>
+    </p:spTree>
+    <p:extLst>
+      <p:ext uri="{BB962C8B-B14F-4D97-AF65-F5344CB8AC3E}">
+        <p14:creationId xmlns:p14="http://schemas.microsoft.com/office/powerpoint/2010/main" val="3360728479"/>
+      </p:ext>
+    </p:extLst>
+  </p:cSld>
+  <p:clrMapOvr>
+    <a:masterClrMapping/>
+  </p:clrMapOvr>
+</p:sld>
+</file>
+
+<file path=ppt/slides/slide5.xml><?xml version="1.0" encoding="utf-8"?>
+<p:sld xmlns:a="http://schemas.openxmlformats.org/drawingml/2006/main" xmlns:r="http://schemas.openxmlformats.org/officeDocument/2006/relationships" xmlns:p="http://schemas.openxmlformats.org/presentationml/2006/main">
+  <p:cSld>
+    <p:spTree>
+      <p:nvGrpSpPr>
+        <p:cNvPr id="1" name=""/>
+        <p:cNvGrpSpPr/>
+        <p:nvPr/>
+      </p:nvGrpSpPr>
+      <p:grpSpPr>
+        <a:xfrm>
+          <a:off x="0" y="0"/>
+          <a:ext cx="0" cy="0"/>
+          <a:chOff x="0" y="0"/>
+          <a:chExt cx="0" cy="0"/>
+        </a:xfrm>
+      </p:grpSpPr>
+      <p:sp>
+        <p:nvSpPr>
+          <p:cNvPr id="2" name="Title 1">
+            <a:extLst>
+              <a:ext uri="{FF2B5EF4-FFF2-40B4-BE49-F238E27FC236}">
+                <a16:creationId xmlns:a16="http://schemas.microsoft.com/office/drawing/2014/main" id="{5B6E373C-A14C-4341-BE1D-1568CFDA71A0}"/>
+              </a:ext>
+            </a:extLst>
+          </p:cNvPr>
+          <p:cNvSpPr>
+            <a:spLocks noGrp="1"/>
+          </p:cNvSpPr>
+          <p:nvPr>
+            <p:ph type="title"/>
+          </p:nvPr>
+        </p:nvSpPr>
+        <p:spPr>
+          <a:xfrm>
+            <a:off x="838199" y="365125"/>
+            <a:ext cx="11010499" cy="1325563"/>
+          </a:xfrm>
+        </p:spPr>
+        <p:txBody>
+          <a:bodyPr/>
+          <a:lstStyle/>
+          <a:p>
+            <a:r>
+              <a:rPr lang="en-US" dirty="0">
+                <a:latin typeface="Garamond" panose="02020404030301010803" pitchFamily="18" charset="0"/>
+              </a:rPr>
+              <a:t>Whole Genome Sequencing for </a:t>
+            </a:r>
+            <a:r>
+              <a:rPr lang="en-US" dirty="0" err="1">
+                <a:latin typeface="Garamond" panose="02020404030301010803" pitchFamily="18" charset="0"/>
+              </a:rPr>
+              <a:t>bTB</a:t>
+            </a:r>
+            <a:r>
+              <a:rPr lang="en-US" dirty="0">
+                <a:latin typeface="Garamond" panose="02020404030301010803" pitchFamily="18" charset="0"/>
+              </a:rPr>
+              <a:t> surveillance</a:t>
+            </a:r>
+          </a:p>
+        </p:txBody>
+      </p:sp>
+      <p:sp>
+        <p:nvSpPr>
+          <p:cNvPr id="3" name="Content Placeholder 2">
+            <a:extLst>
+              <a:ext uri="{FF2B5EF4-FFF2-40B4-BE49-F238E27FC236}">
+                <a16:creationId xmlns:a16="http://schemas.microsoft.com/office/drawing/2014/main" id="{464A2D37-3E87-584A-A0D4-8B6E512E9D7E}"/>
+              </a:ext>
+            </a:extLst>
+          </p:cNvPr>
+          <p:cNvSpPr>
+            <a:spLocks noGrp="1"/>
+          </p:cNvSpPr>
+          <p:nvPr>
+            <p:ph idx="1"/>
+          </p:nvPr>
+        </p:nvSpPr>
+        <p:spPr/>
+        <p:txBody>
+          <a:bodyPr/>
+          <a:lstStyle/>
+          <a:p>
+            <a:r>
+              <a:rPr lang="en-US" dirty="0">
+                <a:latin typeface="Garamond" panose="02020404030301010803" pitchFamily="18" charset="0"/>
+              </a:rPr>
+              <a:t>Whole Genome Sequencing (WGS) is utilized to track changes in individual nucleotides.</a:t>
+            </a:r>
+          </a:p>
+          <a:p>
+            <a:pPr lvl="1"/>
+            <a:r>
+              <a:rPr lang="en-US" dirty="0">
+                <a:latin typeface="Garamond" panose="02020404030301010803" pitchFamily="18" charset="0"/>
+              </a:rPr>
+              <a:t>Compare to an established reference genome.</a:t>
+            </a:r>
+          </a:p>
+          <a:p>
+            <a:r>
+              <a:rPr lang="en-US" dirty="0">
+                <a:latin typeface="Garamond" panose="02020404030301010803" pitchFamily="18" charset="0"/>
+              </a:rPr>
+              <a:t>Mutations in the </a:t>
+            </a:r>
+            <a:r>
+              <a:rPr lang="en-US" i="1" dirty="0">
+                <a:latin typeface="Garamond" panose="02020404030301010803" pitchFamily="18" charset="0"/>
+              </a:rPr>
+              <a:t>M. </a:t>
+            </a:r>
+            <a:r>
+              <a:rPr lang="en-US" i="1" dirty="0" err="1">
+                <a:latin typeface="Garamond" panose="02020404030301010803" pitchFamily="18" charset="0"/>
+              </a:rPr>
+              <a:t>bovis</a:t>
+            </a:r>
+            <a:r>
+              <a:rPr lang="en-US" i="1" dirty="0">
+                <a:latin typeface="Garamond" panose="02020404030301010803" pitchFamily="18" charset="0"/>
+              </a:rPr>
+              <a:t> </a:t>
+            </a:r>
+            <a:r>
+              <a:rPr lang="en-US" dirty="0">
+                <a:latin typeface="Garamond" panose="02020404030301010803" pitchFamily="18" charset="0"/>
+              </a:rPr>
+              <a:t>genome can accumulate in a time frame that can be observable over a few years.</a:t>
+            </a:r>
+          </a:p>
+          <a:p>
+            <a:pPr lvl="1"/>
+            <a:r>
+              <a:rPr lang="en-US" i="1" dirty="0">
+                <a:latin typeface="Garamond" panose="02020404030301010803" pitchFamily="18" charset="0"/>
+              </a:rPr>
+              <a:t>M. </a:t>
+            </a:r>
+            <a:r>
+              <a:rPr lang="en-US" i="1" dirty="0" err="1">
+                <a:latin typeface="Garamond" panose="02020404030301010803" pitchFamily="18" charset="0"/>
+              </a:rPr>
+              <a:t>bovis</a:t>
+            </a:r>
+            <a:r>
+              <a:rPr lang="en-US" i="1" dirty="0">
+                <a:latin typeface="Garamond" panose="02020404030301010803" pitchFamily="18" charset="0"/>
+              </a:rPr>
+              <a:t> </a:t>
+            </a:r>
+            <a:r>
+              <a:rPr lang="en-US" dirty="0">
+                <a:latin typeface="Garamond" panose="02020404030301010803" pitchFamily="18" charset="0"/>
+              </a:rPr>
+              <a:t>Genetic similarity ~ Transmission dynamics</a:t>
+            </a:r>
+          </a:p>
+          <a:p>
+            <a:r>
+              <a:rPr lang="en-US" dirty="0">
+                <a:latin typeface="Garamond" panose="02020404030301010803" pitchFamily="18" charset="0"/>
+              </a:rPr>
+              <a:t>The combination of genomic, temporal, spatial, and host metadata for a single </a:t>
+            </a:r>
+            <a:r>
+              <a:rPr lang="en-US" i="1" dirty="0">
+                <a:latin typeface="Garamond" panose="02020404030301010803" pitchFamily="18" charset="0"/>
+              </a:rPr>
+              <a:t>M. </a:t>
+            </a:r>
+            <a:r>
+              <a:rPr lang="en-US" i="1" dirty="0" err="1">
+                <a:latin typeface="Garamond" panose="02020404030301010803" pitchFamily="18" charset="0"/>
+              </a:rPr>
+              <a:t>bovis</a:t>
+            </a:r>
+            <a:r>
+              <a:rPr lang="en-US" i="1" dirty="0">
+                <a:latin typeface="Garamond" panose="02020404030301010803" pitchFamily="18" charset="0"/>
+              </a:rPr>
+              <a:t> </a:t>
+            </a:r>
+            <a:r>
+              <a:rPr lang="en-US" dirty="0">
+                <a:latin typeface="Garamond" panose="02020404030301010803" pitchFamily="18" charset="0"/>
+              </a:rPr>
+              <a:t>isolate help to define these dynamics.</a:t>
+            </a:r>
+          </a:p>
+          <a:p>
+            <a:endParaRPr lang="en-US" dirty="0">
+              <a:latin typeface="Garamond" panose="02020404030301010803" pitchFamily="18" charset="0"/>
+            </a:endParaRPr>
+          </a:p>
+        </p:txBody>
+      </p:sp>
+    </p:spTree>
+    <p:extLst>
+      <p:ext uri="{BB962C8B-B14F-4D97-AF65-F5344CB8AC3E}">
+        <p14:creationId xmlns:p14="http://schemas.microsoft.com/office/powerpoint/2010/main" val="3774134821"/>
+      </p:ext>
+    </p:extLst>
+  </p:cSld>
+  <p:clrMapOvr>
+    <a:masterClrMapping/>
+  </p:clrMapOvr>
+</p:sld>
+</file>
+
+<file path=ppt/slides/slide6.xml><?xml version="1.0" encoding="utf-8"?>
+<p:sld xmlns:a="http://schemas.openxmlformats.org/drawingml/2006/main" xmlns:r="http://schemas.openxmlformats.org/officeDocument/2006/relationships" xmlns:p="http://schemas.openxmlformats.org/presentationml/2006/main">
+  <p:cSld>
+    <p:spTree>
+      <p:nvGrpSpPr>
+        <p:cNvPr id="1" name=""/>
+        <p:cNvGrpSpPr/>
+        <p:nvPr/>
+      </p:nvGrpSpPr>
+      <p:grpSpPr>
+        <a:xfrm>
+          <a:off x="0" y="0"/>
+          <a:ext cx="0" cy="0"/>
+          <a:chOff x="0" y="0"/>
+          <a:chExt cx="0" cy="0"/>
+        </a:xfrm>
+      </p:grpSpPr>
+      <p:sp>
+        <p:nvSpPr>
+          <p:cNvPr id="2" name="Title 1">
+            <a:extLst>
+              <a:ext uri="{FF2B5EF4-FFF2-40B4-BE49-F238E27FC236}">
+                <a16:creationId xmlns:a16="http://schemas.microsoft.com/office/drawing/2014/main" id="{5B6E373C-A14C-4341-BE1D-1568CFDA71A0}"/>
+              </a:ext>
+            </a:extLst>
+          </p:cNvPr>
+          <p:cNvSpPr>
+            <a:spLocks noGrp="1"/>
+          </p:cNvSpPr>
+          <p:nvPr>
+            <p:ph type="title"/>
+          </p:nvPr>
+        </p:nvSpPr>
+        <p:spPr>
+          <a:xfrm>
+            <a:off x="838199" y="365125"/>
+            <a:ext cx="11010499" cy="1325563"/>
+          </a:xfrm>
+        </p:spPr>
+        <p:txBody>
+          <a:bodyPr/>
+          <a:lstStyle/>
+          <a:p>
+            <a:r>
+              <a:rPr lang="en-US" dirty="0">
+                <a:latin typeface="Garamond" panose="02020404030301010803" pitchFamily="18" charset="0"/>
+              </a:rPr>
+              <a:t>Research Question</a:t>
+            </a:r>
+          </a:p>
+        </p:txBody>
+      </p:sp>
+      <p:sp>
+        <p:nvSpPr>
+          <p:cNvPr id="3" name="Content Placeholder 2">
+            <a:extLst>
+              <a:ext uri="{FF2B5EF4-FFF2-40B4-BE49-F238E27FC236}">
+                <a16:creationId xmlns:a16="http://schemas.microsoft.com/office/drawing/2014/main" id="{464A2D37-3E87-584A-A0D4-8B6E512E9D7E}"/>
+              </a:ext>
+            </a:extLst>
+          </p:cNvPr>
+          <p:cNvSpPr>
+            <a:spLocks noGrp="1"/>
+          </p:cNvSpPr>
+          <p:nvPr>
+            <p:ph idx="1"/>
+          </p:nvPr>
+        </p:nvSpPr>
+        <p:spPr/>
+        <p:txBody>
+          <a:bodyPr/>
+          <a:lstStyle/>
+          <a:p>
+            <a:r>
+              <a:rPr lang="en-US" dirty="0">
+                <a:latin typeface="Garamond" panose="02020404030301010803" pitchFamily="18" charset="0"/>
+              </a:rPr>
+              <a:t>The transmission dynamics between maintenance hosts and dead-end hosts are fluid and fundamentally different. This suggests:</a:t>
+            </a:r>
+          </a:p>
+          <a:p>
+            <a:pPr lvl="1"/>
+            <a:r>
+              <a:rPr lang="en-US" dirty="0">
+                <a:latin typeface="Garamond" panose="02020404030301010803" pitchFamily="18" charset="0"/>
+              </a:rPr>
+              <a:t>Genomic changes on the population level within a maintenance host population should accumulate. </a:t>
+            </a:r>
+          </a:p>
+          <a:p>
+            <a:pPr lvl="1"/>
+            <a:r>
+              <a:rPr lang="en-US" dirty="0">
+                <a:latin typeface="Garamond" panose="02020404030301010803" pitchFamily="18" charset="0"/>
+              </a:rPr>
+              <a:t>Anthropogenic, agricultural, and ecological factors might influence transmission dynamics.</a:t>
+            </a:r>
+          </a:p>
+          <a:p>
+            <a:r>
+              <a:rPr lang="en-US" b="1" dirty="0">
+                <a:latin typeface="Garamond" panose="02020404030301010803" pitchFamily="18" charset="0"/>
+              </a:rPr>
+              <a:t>Can analysis of the genomic variability of </a:t>
+            </a:r>
+            <a:r>
+              <a:rPr lang="en-US" b="1" i="1" dirty="0">
+                <a:latin typeface="Garamond" panose="02020404030301010803" pitchFamily="18" charset="0"/>
+              </a:rPr>
+              <a:t>M. </a:t>
+            </a:r>
+            <a:r>
+              <a:rPr lang="en-US" b="1" i="1" dirty="0" err="1">
+                <a:latin typeface="Garamond" panose="02020404030301010803" pitchFamily="18" charset="0"/>
+              </a:rPr>
+              <a:t>bovis</a:t>
+            </a:r>
+            <a:r>
+              <a:rPr lang="en-US" b="1" i="1" dirty="0">
+                <a:latin typeface="Garamond" panose="02020404030301010803" pitchFamily="18" charset="0"/>
+              </a:rPr>
+              <a:t> </a:t>
+            </a:r>
+            <a:r>
+              <a:rPr lang="en-US" b="1" dirty="0">
+                <a:latin typeface="Garamond" panose="02020404030301010803" pitchFamily="18" charset="0"/>
+              </a:rPr>
+              <a:t>isolates elucidate what factors across the molecular, population, and community scale lead to efficient transmission of spillover hosts?</a:t>
+            </a:r>
+          </a:p>
+          <a:p>
+            <a:endParaRPr lang="en-US" dirty="0">
+              <a:latin typeface="Garamond" panose="02020404030301010803" pitchFamily="18" charset="0"/>
+            </a:endParaRPr>
+          </a:p>
+        </p:txBody>
+      </p:sp>
+    </p:spTree>
+    <p:extLst>
+      <p:ext uri="{BB962C8B-B14F-4D97-AF65-F5344CB8AC3E}">
+        <p14:creationId xmlns:p14="http://schemas.microsoft.com/office/powerpoint/2010/main" val="423298319"/>
+      </p:ext>
+    </p:extLst>
+  </p:cSld>
+  <p:clrMapOvr>
+    <a:masterClrMapping/>
+  </p:clrMapOvr>
+</p:sld>
+</file>
+
+<file path=ppt/slides/slide7.xml><?xml version="1.0" encoding="utf-8"?>
+<p:sld xmlns:a="http://schemas.openxmlformats.org/drawingml/2006/main" xmlns:r="http://schemas.openxmlformats.org/officeDocument/2006/relationships" xmlns:p="http://schemas.openxmlformats.org/presentationml/2006/main">
+  <p:cSld>
+    <p:spTree>
+      <p:nvGrpSpPr>
+        <p:cNvPr id="1" name=""/>
+        <p:cNvGrpSpPr/>
+        <p:nvPr/>
+      </p:nvGrpSpPr>
+      <p:grpSpPr>
+        <a:xfrm>
+          <a:off x="0" y="0"/>
+          <a:ext cx="0" cy="0"/>
+          <a:chOff x="0" y="0"/>
+          <a:chExt cx="0" cy="0"/>
+        </a:xfrm>
+      </p:grpSpPr>
+      <p:sp>
+        <p:nvSpPr>
+          <p:cNvPr id="2" name="Title 1">
+            <a:extLst>
+              <a:ext uri="{FF2B5EF4-FFF2-40B4-BE49-F238E27FC236}">
+                <a16:creationId xmlns:a16="http://schemas.microsoft.com/office/drawing/2014/main" id="{5B6E373C-A14C-4341-BE1D-1568CFDA71A0}"/>
+              </a:ext>
+            </a:extLst>
+          </p:cNvPr>
+          <p:cNvSpPr>
+            <a:spLocks noGrp="1"/>
+          </p:cNvSpPr>
+          <p:nvPr>
+            <p:ph type="title"/>
+          </p:nvPr>
+        </p:nvSpPr>
+        <p:spPr>
+          <a:xfrm>
+            <a:off x="838199" y="365125"/>
+            <a:ext cx="11010499" cy="1325563"/>
+          </a:xfrm>
+        </p:spPr>
+        <p:txBody>
+          <a:bodyPr/>
+          <a:lstStyle/>
+          <a:p>
+            <a:r>
+              <a:rPr lang="en-US" dirty="0">
+                <a:latin typeface="Garamond" panose="02020404030301010803" pitchFamily="18" charset="0"/>
+              </a:rPr>
+              <a:t>Preliminary Analysis Data</a:t>
+            </a:r>
+          </a:p>
+        </p:txBody>
+      </p:sp>
+      <p:sp>
+        <p:nvSpPr>
+          <p:cNvPr id="3" name="Content Placeholder 2">
+            <a:extLst>
+              <a:ext uri="{FF2B5EF4-FFF2-40B4-BE49-F238E27FC236}">
+                <a16:creationId xmlns:a16="http://schemas.microsoft.com/office/drawing/2014/main" id="{464A2D37-3E87-584A-A0D4-8B6E512E9D7E}"/>
+              </a:ext>
+            </a:extLst>
+          </p:cNvPr>
+          <p:cNvSpPr>
+            <a:spLocks noGrp="1"/>
+          </p:cNvSpPr>
+          <p:nvPr>
+            <p:ph idx="1"/>
+          </p:nvPr>
+        </p:nvSpPr>
+        <p:spPr/>
+        <p:txBody>
+          <a:bodyPr/>
+          <a:lstStyle/>
+          <a:p>
+            <a:r>
+              <a:rPr lang="en-US" dirty="0">
+                <a:latin typeface="Garamond" panose="02020404030301010803" pitchFamily="18" charset="0"/>
+              </a:rPr>
+              <a:t>To understand if there was any relationship between genomic variability and host status, I pulled sequence data from three nations that have distinct maintenance hosts for </a:t>
+            </a:r>
+            <a:r>
+              <a:rPr lang="en-US" i="1" dirty="0">
+                <a:latin typeface="Garamond" panose="02020404030301010803" pitchFamily="18" charset="0"/>
+              </a:rPr>
+              <a:t>M. </a:t>
+            </a:r>
+            <a:r>
+              <a:rPr lang="en-US" i="1" dirty="0" err="1">
+                <a:latin typeface="Garamond" panose="02020404030301010803" pitchFamily="18" charset="0"/>
+              </a:rPr>
+              <a:t>bovis</a:t>
+            </a:r>
+            <a:r>
+              <a:rPr lang="en-US" i="1" dirty="0">
+                <a:latin typeface="Garamond" panose="02020404030301010803" pitchFamily="18" charset="0"/>
+              </a:rPr>
+              <a:t>:</a:t>
+            </a:r>
+          </a:p>
+          <a:p>
+            <a:pPr lvl="1"/>
+            <a:r>
+              <a:rPr lang="en-US" dirty="0">
+                <a:latin typeface="Garamond" panose="02020404030301010803" pitchFamily="18" charset="0"/>
+              </a:rPr>
+              <a:t>USA: white-tailed deer</a:t>
+            </a:r>
+          </a:p>
+          <a:p>
+            <a:pPr lvl="1"/>
+            <a:r>
+              <a:rPr lang="en-US" dirty="0">
+                <a:latin typeface="Garamond" panose="02020404030301010803" pitchFamily="18" charset="0"/>
+              </a:rPr>
+              <a:t>UK: badger</a:t>
+            </a:r>
+          </a:p>
+          <a:p>
+            <a:pPr lvl="1"/>
+            <a:r>
+              <a:rPr lang="en-US" dirty="0">
+                <a:latin typeface="Garamond" panose="02020404030301010803" pitchFamily="18" charset="0"/>
+              </a:rPr>
+              <a:t>NZ: </a:t>
+            </a:r>
+            <a:r>
+              <a:rPr lang="en-US" dirty="0" err="1">
+                <a:latin typeface="Garamond" panose="02020404030301010803" pitchFamily="18" charset="0"/>
+              </a:rPr>
+              <a:t>bushtail</a:t>
+            </a:r>
+            <a:r>
+              <a:rPr lang="en-US" dirty="0">
+                <a:latin typeface="Garamond" panose="02020404030301010803" pitchFamily="18" charset="0"/>
+              </a:rPr>
+              <a:t> possum</a:t>
+            </a:r>
+          </a:p>
+        </p:txBody>
+      </p:sp>
+    </p:spTree>
+    <p:extLst>
+      <p:ext uri="{BB962C8B-B14F-4D97-AF65-F5344CB8AC3E}">
+        <p14:creationId xmlns:p14="http://schemas.microsoft.com/office/powerpoint/2010/main" val="94774762"/>
+      </p:ext>
+    </p:extLst>
+  </p:cSld>
+  <p:clrMapOvr>
+    <a:masterClrMapping/>
+  </p:clrMapOvr>
+</p:sld>
+</file>
+
+<file path=ppt/slides/slide8.xml><?xml version="1.0" encoding="utf-8"?>
+<p:sld xmlns:a="http://schemas.openxmlformats.org/drawingml/2006/main" xmlns:r="http://schemas.openxmlformats.org/officeDocument/2006/relationships" xmlns:p="http://schemas.openxmlformats.org/presentationml/2006/main">
+  <p:cSld>
+    <p:spTree>
+      <p:nvGrpSpPr>
+        <p:cNvPr id="1" name=""/>
+        <p:cNvGrpSpPr/>
+        <p:nvPr/>
+      </p:nvGrpSpPr>
+      <p:grpSpPr>
+        <a:xfrm>
+          <a:off x="0" y="0"/>
+          <a:ext cx="0" cy="0"/>
+          <a:chOff x="0" y="0"/>
+          <a:chExt cx="0" cy="0"/>
+        </a:xfrm>
+      </p:grpSpPr>
+      <p:sp>
+        <p:nvSpPr>
+          <p:cNvPr id="2" name="Title 1">
+            <a:extLst>
+              <a:ext uri="{FF2B5EF4-FFF2-40B4-BE49-F238E27FC236}">
+                <a16:creationId xmlns:a16="http://schemas.microsoft.com/office/drawing/2014/main" id="{5B6E373C-A14C-4341-BE1D-1568CFDA71A0}"/>
+              </a:ext>
+            </a:extLst>
+          </p:cNvPr>
+          <p:cNvSpPr>
+            <a:spLocks noGrp="1"/>
+          </p:cNvSpPr>
+          <p:nvPr>
+            <p:ph type="title"/>
+          </p:nvPr>
+        </p:nvSpPr>
+        <p:spPr>
+          <a:xfrm>
+            <a:off x="838199" y="365125"/>
+            <a:ext cx="11010499" cy="1325563"/>
+          </a:xfrm>
+        </p:spPr>
+        <p:txBody>
+          <a:bodyPr/>
+          <a:lstStyle/>
+          <a:p>
+            <a:r>
+              <a:rPr lang="en-US" i="1" dirty="0">
+                <a:latin typeface="Garamond" panose="02020404030301010803" pitchFamily="18" charset="0"/>
+              </a:rPr>
+              <a:t>M. </a:t>
+            </a:r>
+            <a:r>
+              <a:rPr lang="en-US" i="1" dirty="0" err="1">
+                <a:latin typeface="Garamond" panose="02020404030301010803" pitchFamily="18" charset="0"/>
+              </a:rPr>
+              <a:t>bovis</a:t>
+            </a:r>
+            <a:r>
+              <a:rPr lang="en-US" i="1" dirty="0">
+                <a:latin typeface="Garamond" panose="02020404030301010803" pitchFamily="18" charset="0"/>
+              </a:rPr>
+              <a:t> </a:t>
+            </a:r>
+            <a:r>
+              <a:rPr lang="en-US" dirty="0" err="1">
+                <a:latin typeface="Garamond" panose="02020404030301010803" pitchFamily="18" charset="0"/>
+              </a:rPr>
+              <a:t>Pangenomic</a:t>
+            </a:r>
+            <a:r>
+              <a:rPr lang="en-US" dirty="0">
+                <a:latin typeface="Garamond" panose="02020404030301010803" pitchFamily="18" charset="0"/>
+              </a:rPr>
+              <a:t> Framework</a:t>
+            </a:r>
+            <a:endParaRPr lang="en-US" i="1" dirty="0">
+              <a:latin typeface="Garamond" panose="02020404030301010803" pitchFamily="18" charset="0"/>
+            </a:endParaRPr>
+          </a:p>
+        </p:txBody>
+      </p:sp>
+      <p:sp>
+        <p:nvSpPr>
+          <p:cNvPr id="3" name="Content Placeholder 2">
+            <a:extLst>
+              <a:ext uri="{FF2B5EF4-FFF2-40B4-BE49-F238E27FC236}">
+                <a16:creationId xmlns:a16="http://schemas.microsoft.com/office/drawing/2014/main" id="{464A2D37-3E87-584A-A0D4-8B6E512E9D7E}"/>
+              </a:ext>
+            </a:extLst>
+          </p:cNvPr>
+          <p:cNvSpPr>
+            <a:spLocks noGrp="1"/>
+          </p:cNvSpPr>
+          <p:nvPr>
+            <p:ph idx="1"/>
+          </p:nvPr>
+        </p:nvSpPr>
+        <p:spPr/>
+        <p:txBody>
+          <a:bodyPr/>
+          <a:lstStyle/>
+          <a:p>
+            <a:r>
+              <a:rPr lang="en-US" dirty="0">
+                <a:latin typeface="Garamond" panose="02020404030301010803" pitchFamily="18" charset="0"/>
+              </a:rPr>
+              <a:t>Once the data was collected, inferring the pangenome was the next step to investigate genomic attributes.</a:t>
+            </a:r>
+          </a:p>
+          <a:p>
+            <a:pPr lvl="1"/>
+            <a:r>
+              <a:rPr lang="en-US" dirty="0">
+                <a:latin typeface="Garamond" panose="02020404030301010803" pitchFamily="18" charset="0"/>
+              </a:rPr>
+              <a:t>Core Genome</a:t>
+            </a:r>
+          </a:p>
+          <a:p>
+            <a:pPr lvl="2"/>
+            <a:r>
+              <a:rPr lang="en-US" dirty="0">
+                <a:latin typeface="Garamond" panose="02020404030301010803" pitchFamily="18" charset="0"/>
+              </a:rPr>
+              <a:t>Areas of Selection + Homologous Recombination</a:t>
+            </a:r>
+          </a:p>
+          <a:p>
+            <a:pPr lvl="2"/>
+            <a:r>
+              <a:rPr lang="en-US" dirty="0">
+                <a:latin typeface="Garamond" panose="02020404030301010803" pitchFamily="18" charset="0"/>
+              </a:rPr>
+              <a:t>Maximum Likelihood Phylogenetic Tree</a:t>
+            </a:r>
+          </a:p>
+          <a:p>
+            <a:pPr lvl="1"/>
+            <a:r>
+              <a:rPr lang="en-US" dirty="0">
+                <a:latin typeface="Garamond" panose="02020404030301010803" pitchFamily="18" charset="0"/>
+              </a:rPr>
+              <a:t>Accessory Genome</a:t>
+            </a:r>
+          </a:p>
+          <a:p>
+            <a:pPr lvl="2"/>
+            <a:r>
+              <a:rPr lang="en-US" dirty="0">
+                <a:latin typeface="Garamond" panose="02020404030301010803" pitchFamily="18" charset="0"/>
+              </a:rPr>
+              <a:t>Principal Component Analysis (PCA) clustering</a:t>
+            </a:r>
+          </a:p>
+          <a:p>
+            <a:endParaRPr lang="en-US" dirty="0">
+              <a:latin typeface="Garamond" panose="02020404030301010803" pitchFamily="18" charset="0"/>
+            </a:endParaRPr>
+          </a:p>
+        </p:txBody>
+      </p:sp>
+    </p:spTree>
+    <p:extLst>
+      <p:ext uri="{BB962C8B-B14F-4D97-AF65-F5344CB8AC3E}">
+        <p14:creationId xmlns:p14="http://schemas.microsoft.com/office/powerpoint/2010/main" val="3346882959"/>
+      </p:ext>
+    </p:extLst>
+  </p:cSld>
+  <p:clrMapOvr>
+    <a:masterClrMapping/>
+  </p:clrMapOvr>
+</p:sld>
+</file>
+
+<file path=ppt/slides/slide9.xml><?xml version="1.0" encoding="utf-8"?>
+<p:sld xmlns:a="http://schemas.openxmlformats.org/drawingml/2006/main" xmlns:r="http://schemas.openxmlformats.org/officeDocument/2006/relationships" xmlns:p="http://schemas.openxmlformats.org/presentationml/2006/main">
+  <p:cSld>
+    <p:spTree>
+      <p:nvGrpSpPr>
+        <p:cNvPr id="1" name=""/>
+        <p:cNvGrpSpPr/>
+        <p:nvPr/>
+      </p:nvGrpSpPr>
+      <p:grpSpPr>
+        <a:xfrm>
+          <a:off x="0" y="0"/>
+          <a:ext cx="0" cy="0"/>
+          <a:chOff x="0" y="0"/>
+          <a:chExt cx="0" cy="0"/>
+        </a:xfrm>
+      </p:grpSpPr>
+      <p:sp>
+        <p:nvSpPr>
+          <p:cNvPr id="2" name="Title 1">
+            <a:extLst>
+              <a:ext uri="{FF2B5EF4-FFF2-40B4-BE49-F238E27FC236}">
+                <a16:creationId xmlns:a16="http://schemas.microsoft.com/office/drawing/2014/main" id="{5B6E373C-A14C-4341-BE1D-1568CFDA71A0}"/>
+              </a:ext>
+            </a:extLst>
+          </p:cNvPr>
+          <p:cNvSpPr>
+            <a:spLocks noGrp="1"/>
+          </p:cNvSpPr>
+          <p:nvPr>
+            <p:ph type="title"/>
+          </p:nvPr>
+        </p:nvSpPr>
+        <p:spPr>
+          <a:xfrm>
+            <a:off x="838199" y="365125"/>
+            <a:ext cx="11010499" cy="1325563"/>
+          </a:xfrm>
+        </p:spPr>
+        <p:txBody>
+          <a:bodyPr/>
+          <a:lstStyle/>
+          <a:p>
+            <a:r>
+              <a:rPr lang="en-US" dirty="0">
+                <a:latin typeface="Garamond" panose="02020404030301010803" pitchFamily="18" charset="0"/>
+              </a:rPr>
+              <a:t>PCA result</a:t>
+            </a:r>
+          </a:p>
+        </p:txBody>
+      </p:sp>
+      <p:sp>
+        <p:nvSpPr>
+          <p:cNvPr id="3" name="Content Placeholder 2">
+            <a:extLst>
+              <a:ext uri="{FF2B5EF4-FFF2-40B4-BE49-F238E27FC236}">
+                <a16:creationId xmlns:a16="http://schemas.microsoft.com/office/drawing/2014/main" id="{464A2D37-3E87-584A-A0D4-8B6E512E9D7E}"/>
+              </a:ext>
+            </a:extLst>
+          </p:cNvPr>
+          <p:cNvSpPr>
+            <a:spLocks noGrp="1"/>
+          </p:cNvSpPr>
+          <p:nvPr>
+            <p:ph idx="1"/>
+          </p:nvPr>
+        </p:nvSpPr>
+        <p:spPr/>
+        <p:txBody>
+          <a:bodyPr/>
+          <a:lstStyle/>
+          <a:p>
+            <a:endParaRPr lang="en-US" dirty="0">
+              <a:latin typeface="Garamond" panose="02020404030301010803" pitchFamily="18" charset="0"/>
+            </a:endParaRPr>
+          </a:p>
+        </p:txBody>
+      </p:sp>
+    </p:spTree>
+    <p:extLst>
+      <p:ext uri="{BB962C8B-B14F-4D97-AF65-F5344CB8AC3E}">
+        <p14:creationId xmlns:p14="http://schemas.microsoft.com/office/powerpoint/2010/main" val="3421620348"/>
       </p:ext>
     </p:extLst>
   </p:cSld>

--- a/Resources/2021_committeemeeting.pptx
+++ b/Resources/2021_committeemeeting.pptx
@@ -9001,7 +9001,7 @@
             <a:extLst>
               <a:ext uri="{BEBA8EAE-BF5A-486C-A8C5-ECC9F3942E4B}">
                 <a14:imgProps xmlns:a14="http://schemas.microsoft.com/office/drawing/2010/main">
-                  <a14:imgLayer r:embed="rId4">
+                  <a14:imgLayer r:embed="rId7">
                     <a14:imgEffect>
                       <a14:backgroundRemoval t="25714" b="68214" l="20385" r="79615">
                         <a14:foregroundMark x1="20385" y1="37500" x2="20385" y2="38929"/>
@@ -9061,7 +9061,7 @@
             <a:extLst>
               <a:ext uri="{BEBA8EAE-BF5A-486C-A8C5-ECC9F3942E4B}">
                 <a14:imgProps xmlns:a14="http://schemas.microsoft.com/office/drawing/2010/main">
-                  <a14:imgLayer r:embed="rId4">
+                  <a14:imgLayer r:embed="rId3">
                     <a14:imgEffect>
                       <a14:backgroundRemoval t="25714" b="68214" l="20385" r="79615">
                         <a14:foregroundMark x1="20385" y1="37500" x2="20385" y2="38929"/>
@@ -9312,7 +9312,7 @@
             <a:extLst>
               <a:ext uri="{BEBA8EAE-BF5A-486C-A8C5-ECC9F3942E4B}">
                 <a14:imgProps xmlns:a14="http://schemas.microsoft.com/office/drawing/2010/main">
-                  <a14:imgLayer r:embed="rId4">
+                  <a14:imgLayer r:embed="rId8">
                     <a14:imgEffect>
                       <a14:backgroundRemoval t="25714" b="68214" l="20385" r="79615">
                         <a14:foregroundMark x1="20385" y1="37500" x2="20385" y2="38929"/>

--- a/Resources/2021_committeemeeting.pptx
+++ b/Resources/2021_committeemeeting.pptx
@@ -5,7 +5,7 @@
     <p:sldMasterId id="2147483648" r:id="rId1"/>
   </p:sldMasterIdLst>
   <p:notesMasterIdLst>
-    <p:notesMasterId r:id="rId25"/>
+    <p:notesMasterId r:id="rId27"/>
   </p:notesMasterIdLst>
   <p:sldIdLst>
     <p:sldId id="256" r:id="rId2"/>
@@ -22,15 +22,17 @@
     <p:sldId id="265" r:id="rId13"/>
     <p:sldId id="266" r:id="rId14"/>
     <p:sldId id="269" r:id="rId15"/>
-    <p:sldId id="267" r:id="rId16"/>
-    <p:sldId id="268" r:id="rId17"/>
-    <p:sldId id="270" r:id="rId18"/>
-    <p:sldId id="271" r:id="rId19"/>
-    <p:sldId id="272" r:id="rId20"/>
-    <p:sldId id="273" r:id="rId21"/>
-    <p:sldId id="274" r:id="rId22"/>
-    <p:sldId id="275" r:id="rId23"/>
-    <p:sldId id="277" r:id="rId24"/>
+    <p:sldId id="282" r:id="rId16"/>
+    <p:sldId id="283" r:id="rId17"/>
+    <p:sldId id="267" r:id="rId18"/>
+    <p:sldId id="268" r:id="rId19"/>
+    <p:sldId id="270" r:id="rId20"/>
+    <p:sldId id="271" r:id="rId21"/>
+    <p:sldId id="272" r:id="rId22"/>
+    <p:sldId id="273" r:id="rId23"/>
+    <p:sldId id="274" r:id="rId24"/>
+    <p:sldId id="275" r:id="rId25"/>
+    <p:sldId id="277" r:id="rId26"/>
   </p:sldIdLst>
   <p:sldSz cx="12192000" cy="6858000"/>
   <p:notesSz cx="6858000" cy="9144000"/>
@@ -219,7 +221,7 @@
           <a:p>
             <a:fld id="{8CBD3A63-AA65-C143-8B41-4ADD89165017}" type="datetimeFigureOut">
               <a:rPr lang="en-US" smtClean="0"/>
-              <a:t>1/6/21</a:t>
+              <a:t>1/6/2021</a:t>
             </a:fld>
             <a:endParaRPr lang="en-US"/>
           </a:p>
@@ -808,9 +810,9 @@
           <a:bodyPr/>
           <a:lstStyle/>
           <a:p>
-            <a:fld id="{2A2D5597-7C15-6845-B20A-A9BC6CA7E298}" type="datetimeFigureOut">
+            <a:fld id="{07B8A61B-3D51-4338-8E00-E49C908BCD08}" type="datetime1">
               <a:rPr lang="en-US" smtClean="0"/>
-              <a:t>1/6/21</a:t>
+              <a:t>1/6/2021</a:t>
             </a:fld>
             <a:endParaRPr lang="en-US"/>
           </a:p>
@@ -1006,9 +1008,9 @@
           <a:bodyPr/>
           <a:lstStyle/>
           <a:p>
-            <a:fld id="{2A2D5597-7C15-6845-B20A-A9BC6CA7E298}" type="datetimeFigureOut">
+            <a:fld id="{5F3FC9B6-1F3A-4752-8EFE-579BA15F2445}" type="datetime1">
               <a:rPr lang="en-US" smtClean="0"/>
-              <a:t>1/6/21</a:t>
+              <a:t>1/6/2021</a:t>
             </a:fld>
             <a:endParaRPr lang="en-US"/>
           </a:p>
@@ -1214,9 +1216,9 @@
           <a:bodyPr/>
           <a:lstStyle/>
           <a:p>
-            <a:fld id="{2A2D5597-7C15-6845-B20A-A9BC6CA7E298}" type="datetimeFigureOut">
+            <a:fld id="{CAB641B0-772B-4D9A-8C46-172ED38B52E0}" type="datetime1">
               <a:rPr lang="en-US" smtClean="0"/>
-              <a:t>1/6/21</a:t>
+              <a:t>1/6/2021</a:t>
             </a:fld>
             <a:endParaRPr lang="en-US"/>
           </a:p>
@@ -1412,9 +1414,9 @@
           <a:bodyPr/>
           <a:lstStyle/>
           <a:p>
-            <a:fld id="{2A2D5597-7C15-6845-B20A-A9BC6CA7E298}" type="datetimeFigureOut">
+            <a:fld id="{094E3D1E-99BE-492B-A764-BADC2ABF3A95}" type="datetime1">
               <a:rPr lang="en-US" smtClean="0"/>
-              <a:t>1/6/21</a:t>
+              <a:t>1/6/2021</a:t>
             </a:fld>
             <a:endParaRPr lang="en-US"/>
           </a:p>
@@ -1687,9 +1689,9 @@
           <a:bodyPr/>
           <a:lstStyle/>
           <a:p>
-            <a:fld id="{2A2D5597-7C15-6845-B20A-A9BC6CA7E298}" type="datetimeFigureOut">
+            <a:fld id="{D1263042-22F1-4077-A8C9-7246C13FB894}" type="datetime1">
               <a:rPr lang="en-US" smtClean="0"/>
-              <a:t>1/6/21</a:t>
+              <a:t>1/6/2021</a:t>
             </a:fld>
             <a:endParaRPr lang="en-US"/>
           </a:p>
@@ -1952,9 +1954,9 @@
           <a:bodyPr/>
           <a:lstStyle/>
           <a:p>
-            <a:fld id="{2A2D5597-7C15-6845-B20A-A9BC6CA7E298}" type="datetimeFigureOut">
+            <a:fld id="{927BC7D3-3C98-4DFB-A7EC-C609D3DE9380}" type="datetime1">
               <a:rPr lang="en-US" smtClean="0"/>
-              <a:t>1/6/21</a:t>
+              <a:t>1/6/2021</a:t>
             </a:fld>
             <a:endParaRPr lang="en-US"/>
           </a:p>
@@ -2364,9 +2366,9 @@
           <a:bodyPr/>
           <a:lstStyle/>
           <a:p>
-            <a:fld id="{2A2D5597-7C15-6845-B20A-A9BC6CA7E298}" type="datetimeFigureOut">
+            <a:fld id="{B1417B92-E3FF-4C26-82FD-451EC2CA5FE6}" type="datetime1">
               <a:rPr lang="en-US" smtClean="0"/>
-              <a:t>1/6/21</a:t>
+              <a:t>1/6/2021</a:t>
             </a:fld>
             <a:endParaRPr lang="en-US"/>
           </a:p>
@@ -2505,9 +2507,9 @@
           <a:bodyPr/>
           <a:lstStyle/>
           <a:p>
-            <a:fld id="{2A2D5597-7C15-6845-B20A-A9BC6CA7E298}" type="datetimeFigureOut">
+            <a:fld id="{2B3B2FE1-6C49-44AE-AB1B-F054D11ADFE9}" type="datetime1">
               <a:rPr lang="en-US" smtClean="0"/>
-              <a:t>1/6/21</a:t>
+              <a:t>1/6/2021</a:t>
             </a:fld>
             <a:endParaRPr lang="en-US"/>
           </a:p>
@@ -2618,9 +2620,9 @@
           <a:bodyPr/>
           <a:lstStyle/>
           <a:p>
-            <a:fld id="{2A2D5597-7C15-6845-B20A-A9BC6CA7E298}" type="datetimeFigureOut">
+            <a:fld id="{6F372BAE-2FFD-4020-A4D2-27428B2E3E80}" type="datetime1">
               <a:rPr lang="en-US" smtClean="0"/>
-              <a:t>1/6/21</a:t>
+              <a:t>1/6/2021</a:t>
             </a:fld>
             <a:endParaRPr lang="en-US"/>
           </a:p>
@@ -2929,9 +2931,9 @@
           <a:bodyPr/>
           <a:lstStyle/>
           <a:p>
-            <a:fld id="{2A2D5597-7C15-6845-B20A-A9BC6CA7E298}" type="datetimeFigureOut">
+            <a:fld id="{7FB83B28-8BD1-4B66-9BB6-9D84071F5DE8}" type="datetime1">
               <a:rPr lang="en-US" smtClean="0"/>
-              <a:t>1/6/21</a:t>
+              <a:t>1/6/2021</a:t>
             </a:fld>
             <a:endParaRPr lang="en-US"/>
           </a:p>
@@ -3217,9 +3219,9 @@
           <a:bodyPr/>
           <a:lstStyle/>
           <a:p>
-            <a:fld id="{2A2D5597-7C15-6845-B20A-A9BC6CA7E298}" type="datetimeFigureOut">
+            <a:fld id="{CD5A1BDA-66F1-42B6-8403-9F76C06EEE84}" type="datetime1">
               <a:rPr lang="en-US" smtClean="0"/>
-              <a:t>1/6/21</a:t>
+              <a:t>1/6/2021</a:t>
             </a:fld>
             <a:endParaRPr lang="en-US"/>
           </a:p>
@@ -3458,9 +3460,9 @@
             </a:lvl1pPr>
           </a:lstStyle>
           <a:p>
-            <a:fld id="{2A2D5597-7C15-6845-B20A-A9BC6CA7E298}" type="datetimeFigureOut">
+            <a:fld id="{4AAB3292-F474-40F1-9EAB-EA24A13C41FC}" type="datetime1">
               <a:rPr lang="en-US" smtClean="0"/>
-              <a:t>1/6/21</a:t>
+              <a:t>1/6/2021</a:t>
             </a:fld>
             <a:endParaRPr lang="en-US"/>
           </a:p>
@@ -3577,6 +3579,7 @@
     <p:sldLayoutId id="2147483658" r:id="rId10"/>
     <p:sldLayoutId id="2147483659" r:id="rId11"/>
   </p:sldLayoutIdLst>
+  <p:hf hdr="0" ftr="0" dt="0"/>
   <p:txStyles>
     <p:titleStyle>
       <a:lvl1pPr algn="l" defTabSz="914400" rtl="0" eaLnBrk="1" latinLnBrk="0" hangingPunct="1">
@@ -4065,6 +4068,35 @@
           </a:p>
         </p:txBody>
       </p:sp>
+      <p:sp>
+        <p:nvSpPr>
+          <p:cNvPr id="5" name="Slide Number Placeholder 4">
+            <a:extLst>
+              <a:ext uri="{FF2B5EF4-FFF2-40B4-BE49-F238E27FC236}">
+                <a16:creationId xmlns:a16="http://schemas.microsoft.com/office/drawing/2014/main" id="{BE8AF2B9-B071-44A9-ACD6-A07008B2B9CE}"/>
+              </a:ext>
+            </a:extLst>
+          </p:cNvPr>
+          <p:cNvSpPr>
+            <a:spLocks noGrp="1"/>
+          </p:cNvSpPr>
+          <p:nvPr>
+            <p:ph type="sldNum" sz="quarter" idx="12"/>
+          </p:nvPr>
+        </p:nvSpPr>
+        <p:spPr/>
+        <p:txBody>
+          <a:bodyPr/>
+          <a:lstStyle/>
+          <a:p>
+            <a:fld id="{366AF93E-BC9A-914B-B8AC-D14A91A40CBB}" type="slidenum">
+              <a:rPr lang="en-US" smtClean="0"/>
+              <a:t>1</a:t>
+            </a:fld>
+            <a:endParaRPr lang="en-US"/>
+          </a:p>
+        </p:txBody>
+      </p:sp>
     </p:spTree>
     <p:extLst>
       <p:ext uri="{BB962C8B-B14F-4D97-AF65-F5344CB8AC3E}">
@@ -4227,7 +4259,7 @@
               <a:rPr lang="en-US" b="1" dirty="0">
                 <a:latin typeface="Garamond" panose="02020404030301010803" pitchFamily="18" charset="0"/>
               </a:rPr>
-              <a:t> isolates elucidate what factors across the molecular, population, and community scale affect spillover transmission?</a:t>
+              <a:t> isolates elucidate what factors across the molecular, population, and global scale affect spillover transmission?</a:t>
             </a:r>
           </a:p>
           <a:p>
@@ -4296,6 +4328,35 @@
               </a:rPr>
               <a:t>Research Questions</a:t>
             </a:r>
+          </a:p>
+        </p:txBody>
+      </p:sp>
+      <p:sp>
+        <p:nvSpPr>
+          <p:cNvPr id="4" name="Slide Number Placeholder 3">
+            <a:extLst>
+              <a:ext uri="{FF2B5EF4-FFF2-40B4-BE49-F238E27FC236}">
+                <a16:creationId xmlns:a16="http://schemas.microsoft.com/office/drawing/2014/main" id="{0C324E0E-961C-45D3-AA32-F39106A78114}"/>
+              </a:ext>
+            </a:extLst>
+          </p:cNvPr>
+          <p:cNvSpPr>
+            <a:spLocks noGrp="1"/>
+          </p:cNvSpPr>
+          <p:nvPr>
+            <p:ph type="sldNum" sz="quarter" idx="12"/>
+          </p:nvPr>
+        </p:nvSpPr>
+        <p:spPr/>
+        <p:txBody>
+          <a:bodyPr/>
+          <a:lstStyle/>
+          <a:p>
+            <a:fld id="{366AF93E-BC9A-914B-B8AC-D14A91A40CBB}" type="slidenum">
+              <a:rPr lang="en-US" smtClean="0"/>
+              <a:t>10</a:t>
+            </a:fld>
+            <a:endParaRPr lang="en-US"/>
           </a:p>
         </p:txBody>
       </p:sp>
@@ -4515,6 +4576,35 @@
           </a:p>
         </p:txBody>
       </p:sp>
+      <p:sp>
+        <p:nvSpPr>
+          <p:cNvPr id="5" name="Slide Number Placeholder 4">
+            <a:extLst>
+              <a:ext uri="{FF2B5EF4-FFF2-40B4-BE49-F238E27FC236}">
+                <a16:creationId xmlns:a16="http://schemas.microsoft.com/office/drawing/2014/main" id="{67B9DF89-2CBF-4D0D-9BA7-C3861FB4F2B8}"/>
+              </a:ext>
+            </a:extLst>
+          </p:cNvPr>
+          <p:cNvSpPr>
+            <a:spLocks noGrp="1"/>
+          </p:cNvSpPr>
+          <p:nvPr>
+            <p:ph type="sldNum" sz="quarter" idx="12"/>
+          </p:nvPr>
+        </p:nvSpPr>
+        <p:spPr/>
+        <p:txBody>
+          <a:bodyPr/>
+          <a:lstStyle/>
+          <a:p>
+            <a:fld id="{366AF93E-BC9A-914B-B8AC-D14A91A40CBB}" type="slidenum">
+              <a:rPr lang="en-US" smtClean="0"/>
+              <a:t>11</a:t>
+            </a:fld>
+            <a:endParaRPr lang="en-US"/>
+          </a:p>
+        </p:txBody>
+      </p:sp>
     </p:spTree>
     <p:extLst>
       <p:ext uri="{BB962C8B-B14F-4D97-AF65-F5344CB8AC3E}">
@@ -4751,6 +4841,35 @@
           </a:p>
         </p:txBody>
       </p:sp>
+      <p:sp>
+        <p:nvSpPr>
+          <p:cNvPr id="5" name="Slide Number Placeholder 4">
+            <a:extLst>
+              <a:ext uri="{FF2B5EF4-FFF2-40B4-BE49-F238E27FC236}">
+                <a16:creationId xmlns:a16="http://schemas.microsoft.com/office/drawing/2014/main" id="{C4420A67-87DF-41D3-AA98-405B9D1370B8}"/>
+              </a:ext>
+            </a:extLst>
+          </p:cNvPr>
+          <p:cNvSpPr>
+            <a:spLocks noGrp="1"/>
+          </p:cNvSpPr>
+          <p:nvPr>
+            <p:ph type="sldNum" sz="quarter" idx="12"/>
+          </p:nvPr>
+        </p:nvSpPr>
+        <p:spPr/>
+        <p:txBody>
+          <a:bodyPr/>
+          <a:lstStyle/>
+          <a:p>
+            <a:fld id="{366AF93E-BC9A-914B-B8AC-D14A91A40CBB}" type="slidenum">
+              <a:rPr lang="en-US" smtClean="0"/>
+              <a:t>12</a:t>
+            </a:fld>
+            <a:endParaRPr lang="en-US"/>
+          </a:p>
+        </p:txBody>
+      </p:sp>
     </p:spTree>
     <p:extLst>
       <p:ext uri="{BB962C8B-B14F-4D97-AF65-F5344CB8AC3E}">
@@ -4811,35 +4930,8 @@
               <a:rPr lang="en-US" dirty="0">
                 <a:latin typeface="Garamond" panose="02020404030301010803" pitchFamily="18" charset="0"/>
               </a:rPr>
-              <a:t>PCA result</a:t>
-            </a:r>
-          </a:p>
-        </p:txBody>
-      </p:sp>
-      <p:sp>
-        <p:nvSpPr>
-          <p:cNvPr id="3" name="Content Placeholder 2">
-            <a:extLst>
-              <a:ext uri="{FF2B5EF4-FFF2-40B4-BE49-F238E27FC236}">
-                <a16:creationId xmlns:a16="http://schemas.microsoft.com/office/drawing/2014/main" id="{464A2D37-3E87-584A-A0D4-8B6E512E9D7E}"/>
-              </a:ext>
-            </a:extLst>
-          </p:cNvPr>
-          <p:cNvSpPr>
-            <a:spLocks noGrp="1"/>
-          </p:cNvSpPr>
-          <p:nvPr>
-            <p:ph idx="1"/>
-          </p:nvPr>
-        </p:nvSpPr>
-        <p:spPr/>
-        <p:txBody>
-          <a:bodyPr/>
-          <a:lstStyle/>
-          <a:p>
-            <a:endParaRPr lang="en-US" dirty="0">
-              <a:latin typeface="Garamond" panose="02020404030301010803" pitchFamily="18" charset="0"/>
-            </a:endParaRPr>
+              <a:t>Regional clustering of accessory genome</a:t>
+            </a:r>
           </a:p>
         </p:txBody>
       </p:sp>
@@ -4904,6 +4996,82 @@
               </a:rPr>
               <a:t>Preliminary Research</a:t>
             </a:r>
+          </a:p>
+        </p:txBody>
+      </p:sp>
+      <p:pic>
+        <p:nvPicPr>
+          <p:cNvPr id="1026" name="Picture 2">
+            <a:extLst>
+              <a:ext uri="{FF2B5EF4-FFF2-40B4-BE49-F238E27FC236}">
+                <a16:creationId xmlns:a16="http://schemas.microsoft.com/office/drawing/2014/main" id="{0213A8D5-E440-4116-9CC9-10AB6BFC2EDB}"/>
+              </a:ext>
+            </a:extLst>
+          </p:cNvPr>
+          <p:cNvPicPr>
+            <a:picLocks noChangeAspect="1" noChangeArrowheads="1"/>
+          </p:cNvPicPr>
+          <p:nvPr/>
+        </p:nvPicPr>
+        <p:blipFill>
+          <a:blip r:embed="rId2">
+            <a:extLst>
+              <a:ext uri="{28A0092B-C50C-407E-A947-70E740481C1C}">
+                <a14:useLocalDpi xmlns:a14="http://schemas.microsoft.com/office/drawing/2010/main" val="0"/>
+              </a:ext>
+            </a:extLst>
+          </a:blip>
+          <a:srcRect/>
+          <a:stretch>
+            <a:fillRect/>
+          </a:stretch>
+        </p:blipFill>
+        <p:spPr bwMode="auto">
+          <a:xfrm>
+            <a:off x="2031700" y="1476367"/>
+            <a:ext cx="8128600" cy="5016508"/>
+          </a:xfrm>
+          <a:prstGeom prst="rect">
+            <a:avLst/>
+          </a:prstGeom>
+          <a:noFill/>
+          <a:extLst>
+            <a:ext uri="{909E8E84-426E-40DD-AFC4-6F175D3DCCD1}">
+              <a14:hiddenFill xmlns:a14="http://schemas.microsoft.com/office/drawing/2010/main">
+                <a:solidFill>
+                  <a:srgbClr val="FFFFFF"/>
+                </a:solidFill>
+              </a14:hiddenFill>
+            </a:ext>
+          </a:extLst>
+        </p:spPr>
+      </p:pic>
+      <p:sp>
+        <p:nvSpPr>
+          <p:cNvPr id="8" name="Slide Number Placeholder 7">
+            <a:extLst>
+              <a:ext uri="{FF2B5EF4-FFF2-40B4-BE49-F238E27FC236}">
+                <a16:creationId xmlns:a16="http://schemas.microsoft.com/office/drawing/2014/main" id="{7BC59977-572B-4732-8E55-7162442911E4}"/>
+              </a:ext>
+            </a:extLst>
+          </p:cNvPr>
+          <p:cNvSpPr>
+            <a:spLocks noGrp="1"/>
+          </p:cNvSpPr>
+          <p:nvPr>
+            <p:ph type="sldNum" sz="quarter" idx="12"/>
+          </p:nvPr>
+        </p:nvSpPr>
+        <p:spPr/>
+        <p:txBody>
+          <a:bodyPr/>
+          <a:lstStyle/>
+          <a:p>
+            <a:fld id="{366AF93E-BC9A-914B-B8AC-D14A91A40CBB}" type="slidenum">
+              <a:rPr lang="en-US" smtClean="0"/>
+              <a:t>13</a:t>
+            </a:fld>
+            <a:endParaRPr lang="en-US"/>
           </a:p>
         </p:txBody>
       </p:sp>
@@ -4960,14 +5128,16 @@
           </a:xfrm>
         </p:spPr>
         <p:txBody>
-          <a:bodyPr/>
-          <a:lstStyle/>
-          <a:p>
-            <a:r>
-              <a:rPr lang="en-US" dirty="0">
-                <a:latin typeface="Garamond" panose="02020404030301010803" pitchFamily="18" charset="0"/>
-              </a:rPr>
-              <a:t>Phylogenetic Tree Result</a:t>
+          <a:bodyPr>
+            <a:normAutofit/>
+          </a:bodyPr>
+          <a:lstStyle/>
+          <a:p>
+            <a:r>
+              <a:rPr lang="en-US" sz="4000" dirty="0">
+                <a:latin typeface="Garamond" panose="02020404030301010803" pitchFamily="18" charset="0"/>
+              </a:rPr>
+              <a:t>Regional clustering of core genomes</a:t>
             </a:r>
           </a:p>
         </p:txBody>
@@ -5060,6 +5230,65 @@
               </a:rPr>
               <a:t>Preliminary Research</a:t>
             </a:r>
+          </a:p>
+        </p:txBody>
+      </p:sp>
+      <p:pic>
+        <p:nvPicPr>
+          <p:cNvPr id="8" name="Picture 7">
+            <a:extLst>
+              <a:ext uri="{FF2B5EF4-FFF2-40B4-BE49-F238E27FC236}">
+                <a16:creationId xmlns:a16="http://schemas.microsoft.com/office/drawing/2014/main" id="{B2C5E0CA-9B10-4A0C-8B56-81A01683D0E2}"/>
+              </a:ext>
+            </a:extLst>
+          </p:cNvPr>
+          <p:cNvPicPr>
+            <a:picLocks noChangeAspect="1"/>
+          </p:cNvPicPr>
+          <p:nvPr/>
+        </p:nvPicPr>
+        <p:blipFill>
+          <a:blip r:embed="rId2"/>
+          <a:stretch>
+            <a:fillRect/>
+          </a:stretch>
+        </p:blipFill>
+        <p:spPr>
+          <a:xfrm>
+            <a:off x="1610340" y="1307931"/>
+            <a:ext cx="8838143" cy="5454396"/>
+          </a:xfrm>
+          <a:prstGeom prst="rect">
+            <a:avLst/>
+          </a:prstGeom>
+        </p:spPr>
+      </p:pic>
+      <p:sp>
+        <p:nvSpPr>
+          <p:cNvPr id="10" name="Slide Number Placeholder 9">
+            <a:extLst>
+              <a:ext uri="{FF2B5EF4-FFF2-40B4-BE49-F238E27FC236}">
+                <a16:creationId xmlns:a16="http://schemas.microsoft.com/office/drawing/2014/main" id="{66946AF8-4FF9-4106-A6E8-78A5BDC8567C}"/>
+              </a:ext>
+            </a:extLst>
+          </p:cNvPr>
+          <p:cNvSpPr>
+            <a:spLocks noGrp="1"/>
+          </p:cNvSpPr>
+          <p:nvPr>
+            <p:ph type="sldNum" sz="quarter" idx="12"/>
+          </p:nvPr>
+        </p:nvSpPr>
+        <p:spPr/>
+        <p:txBody>
+          <a:bodyPr/>
+          <a:lstStyle/>
+          <a:p>
+            <a:fld id="{366AF93E-BC9A-914B-B8AC-D14A91A40CBB}" type="slidenum">
+              <a:rPr lang="en-US" smtClean="0"/>
+              <a:t>14</a:t>
+            </a:fld>
+            <a:endParaRPr lang="en-US"/>
           </a:p>
         </p:txBody>
       </p:sp>
@@ -5123,35 +5352,8 @@
               <a:rPr lang="en-US" dirty="0">
                 <a:latin typeface="Garamond" panose="02020404030301010803" pitchFamily="18" charset="0"/>
               </a:rPr>
-              <a:t>Homologous Recombination Result</a:t>
-            </a:r>
-          </a:p>
-        </p:txBody>
-      </p:sp>
-      <p:sp>
-        <p:nvSpPr>
-          <p:cNvPr id="3" name="Content Placeholder 2">
-            <a:extLst>
-              <a:ext uri="{FF2B5EF4-FFF2-40B4-BE49-F238E27FC236}">
-                <a16:creationId xmlns:a16="http://schemas.microsoft.com/office/drawing/2014/main" id="{464A2D37-3E87-584A-A0D4-8B6E512E9D7E}"/>
-              </a:ext>
-            </a:extLst>
-          </p:cNvPr>
-          <p:cNvSpPr>
-            <a:spLocks noGrp="1"/>
-          </p:cNvSpPr>
-          <p:nvPr>
-            <p:ph idx="1"/>
-          </p:nvPr>
-        </p:nvSpPr>
-        <p:spPr/>
-        <p:txBody>
-          <a:bodyPr/>
-          <a:lstStyle/>
-          <a:p>
-            <a:endParaRPr lang="en-US" dirty="0">
-              <a:latin typeface="Garamond" panose="02020404030301010803" pitchFamily="18" charset="0"/>
-            </a:endParaRPr>
+              <a:t>Multi-host clustering of accessory genome</a:t>
+            </a:r>
           </a:p>
         </p:txBody>
       </p:sp>
@@ -5160,7 +5362,7 @@
           <p:cNvPr id="4" name="Rectangle 3">
             <a:extLst>
               <a:ext uri="{FF2B5EF4-FFF2-40B4-BE49-F238E27FC236}">
-                <a16:creationId xmlns:a16="http://schemas.microsoft.com/office/drawing/2014/main" id="{7D846846-E368-4C4E-B9FC-2B9FF8CCF182}"/>
+                <a16:creationId xmlns:a16="http://schemas.microsoft.com/office/drawing/2014/main" id="{8D8051A5-96A0-9042-950D-C73C13D11976}"/>
               </a:ext>
             </a:extLst>
           </p:cNvPr>
@@ -5219,10 +5421,86 @@
           </a:p>
         </p:txBody>
       </p:sp>
+      <p:pic>
+        <p:nvPicPr>
+          <p:cNvPr id="2050" name="Picture 2">
+            <a:extLst>
+              <a:ext uri="{FF2B5EF4-FFF2-40B4-BE49-F238E27FC236}">
+                <a16:creationId xmlns:a16="http://schemas.microsoft.com/office/drawing/2014/main" id="{21A5F6B5-D2FD-4408-9446-B976DB055825}"/>
+              </a:ext>
+            </a:extLst>
+          </p:cNvPr>
+          <p:cNvPicPr>
+            <a:picLocks noChangeAspect="1" noChangeArrowheads="1"/>
+          </p:cNvPicPr>
+          <p:nvPr/>
+        </p:nvPicPr>
+        <p:blipFill>
+          <a:blip r:embed="rId2">
+            <a:extLst>
+              <a:ext uri="{28A0092B-C50C-407E-A947-70E740481C1C}">
+                <a14:useLocalDpi xmlns:a14="http://schemas.microsoft.com/office/drawing/2010/main" val="0"/>
+              </a:ext>
+            </a:extLst>
+          </a:blip>
+          <a:srcRect/>
+          <a:stretch>
+            <a:fillRect/>
+          </a:stretch>
+        </p:blipFill>
+        <p:spPr bwMode="auto">
+          <a:xfrm>
+            <a:off x="1751457" y="1349289"/>
+            <a:ext cx="8689086" cy="5362407"/>
+          </a:xfrm>
+          <a:prstGeom prst="rect">
+            <a:avLst/>
+          </a:prstGeom>
+          <a:noFill/>
+          <a:extLst>
+            <a:ext uri="{909E8E84-426E-40DD-AFC4-6F175D3DCCD1}">
+              <a14:hiddenFill xmlns:a14="http://schemas.microsoft.com/office/drawing/2010/main">
+                <a:solidFill>
+                  <a:srgbClr val="FFFFFF"/>
+                </a:solidFill>
+              </a14:hiddenFill>
+            </a:ext>
+          </a:extLst>
+        </p:spPr>
+      </p:pic>
+      <p:sp>
+        <p:nvSpPr>
+          <p:cNvPr id="3" name="Slide Number Placeholder 2">
+            <a:extLst>
+              <a:ext uri="{FF2B5EF4-FFF2-40B4-BE49-F238E27FC236}">
+                <a16:creationId xmlns:a16="http://schemas.microsoft.com/office/drawing/2014/main" id="{752EC7CE-902E-4A80-8FFA-A536909A7FA3}"/>
+              </a:ext>
+            </a:extLst>
+          </p:cNvPr>
+          <p:cNvSpPr>
+            <a:spLocks noGrp="1"/>
+          </p:cNvSpPr>
+          <p:nvPr>
+            <p:ph type="sldNum" sz="quarter" idx="12"/>
+          </p:nvPr>
+        </p:nvSpPr>
+        <p:spPr/>
+        <p:txBody>
+          <a:bodyPr/>
+          <a:lstStyle/>
+          <a:p>
+            <a:fld id="{366AF93E-BC9A-914B-B8AC-D14A91A40CBB}" type="slidenum">
+              <a:rPr lang="en-US" smtClean="0"/>
+              <a:t>15</a:t>
+            </a:fld>
+            <a:endParaRPr lang="en-US"/>
+          </a:p>
+        </p:txBody>
+      </p:sp>
     </p:spTree>
     <p:extLst>
       <p:ext uri="{BB962C8B-B14F-4D97-AF65-F5344CB8AC3E}">
-        <p14:creationId xmlns:p14="http://schemas.microsoft.com/office/powerpoint/2010/main" val="2760501175"/>
+        <p14:creationId xmlns:p14="http://schemas.microsoft.com/office/powerpoint/2010/main" val="1270091584"/>
       </p:ext>
     </p:extLst>
   </p:cSld>
@@ -5279,7 +5557,7 @@
               <a:rPr lang="en-US" dirty="0">
                 <a:latin typeface="Garamond" panose="02020404030301010803" pitchFamily="18" charset="0"/>
               </a:rPr>
-              <a:t>Selection Result</a:t>
+              <a:t>Multi-host clustering of core genomes</a:t>
             </a:r>
           </a:p>
         </p:txBody>
@@ -5316,7 +5594,7 @@
           <p:cNvPr id="4" name="Rectangle 3">
             <a:extLst>
               <a:ext uri="{FF2B5EF4-FFF2-40B4-BE49-F238E27FC236}">
-                <a16:creationId xmlns:a16="http://schemas.microsoft.com/office/drawing/2014/main" id="{7C2C1902-F55F-0842-96A2-A598BE1467FE}"/>
+                <a16:creationId xmlns:a16="http://schemas.microsoft.com/office/drawing/2014/main" id="{9B08B2D1-31B3-4B49-8DA6-95EECEEB8143}"/>
               </a:ext>
             </a:extLst>
           </p:cNvPr>
@@ -5375,10 +5653,69 @@
           </a:p>
         </p:txBody>
       </p:sp>
+      <p:pic>
+        <p:nvPicPr>
+          <p:cNvPr id="6" name="Picture 5">
+            <a:extLst>
+              <a:ext uri="{FF2B5EF4-FFF2-40B4-BE49-F238E27FC236}">
+                <a16:creationId xmlns:a16="http://schemas.microsoft.com/office/drawing/2014/main" id="{B7AFB04E-37B1-4719-B628-D48E47BFEFB3}"/>
+              </a:ext>
+            </a:extLst>
+          </p:cNvPr>
+          <p:cNvPicPr>
+            <a:picLocks noChangeAspect="1"/>
+          </p:cNvPicPr>
+          <p:nvPr/>
+        </p:nvPicPr>
+        <p:blipFill>
+          <a:blip r:embed="rId2"/>
+          <a:stretch>
+            <a:fillRect/>
+          </a:stretch>
+        </p:blipFill>
+        <p:spPr>
+          <a:xfrm>
+            <a:off x="1651555" y="1372286"/>
+            <a:ext cx="8888889" cy="5485714"/>
+          </a:xfrm>
+          <a:prstGeom prst="rect">
+            <a:avLst/>
+          </a:prstGeom>
+        </p:spPr>
+      </p:pic>
+      <p:sp>
+        <p:nvSpPr>
+          <p:cNvPr id="7" name="Slide Number Placeholder 6">
+            <a:extLst>
+              <a:ext uri="{FF2B5EF4-FFF2-40B4-BE49-F238E27FC236}">
+                <a16:creationId xmlns:a16="http://schemas.microsoft.com/office/drawing/2014/main" id="{E33E629F-CB2A-4ECC-BF2A-F0C579AC1A95}"/>
+              </a:ext>
+            </a:extLst>
+          </p:cNvPr>
+          <p:cNvSpPr>
+            <a:spLocks noGrp="1"/>
+          </p:cNvSpPr>
+          <p:nvPr>
+            <p:ph type="sldNum" sz="quarter" idx="12"/>
+          </p:nvPr>
+        </p:nvSpPr>
+        <p:spPr/>
+        <p:txBody>
+          <a:bodyPr/>
+          <a:lstStyle/>
+          <a:p>
+            <a:fld id="{366AF93E-BC9A-914B-B8AC-D14A91A40CBB}" type="slidenum">
+              <a:rPr lang="en-US" smtClean="0"/>
+              <a:t>16</a:t>
+            </a:fld>
+            <a:endParaRPr lang="en-US"/>
+          </a:p>
+        </p:txBody>
+      </p:sp>
     </p:spTree>
     <p:extLst>
       <p:ext uri="{BB962C8B-B14F-4D97-AF65-F5344CB8AC3E}">
-        <p14:creationId xmlns:p14="http://schemas.microsoft.com/office/powerpoint/2010/main" val="624088724"/>
+        <p14:creationId xmlns:p14="http://schemas.microsoft.com/office/powerpoint/2010/main" val="211509745"/>
       </p:ext>
     </p:extLst>
   </p:cSld>
@@ -5435,7 +5772,7 @@
               <a:rPr lang="en-US" dirty="0">
                 <a:latin typeface="Garamond" panose="02020404030301010803" pitchFamily="18" charset="0"/>
               </a:rPr>
-              <a:t>Preliminary Result discussion</a:t>
+              <a:t>Limited regions of homologous recombination</a:t>
             </a:r>
           </a:p>
         </p:txBody>
@@ -5472,7 +5809,7 @@
           <p:cNvPr id="4" name="Rectangle 3">
             <a:extLst>
               <a:ext uri="{FF2B5EF4-FFF2-40B4-BE49-F238E27FC236}">
-                <a16:creationId xmlns:a16="http://schemas.microsoft.com/office/drawing/2014/main" id="{F51E0389-FC9F-3548-AB2C-3B40BA3D8AEA}"/>
+                <a16:creationId xmlns:a16="http://schemas.microsoft.com/office/drawing/2014/main" id="{7D846846-E368-4C4E-B9FC-2B9FF8CCF182}"/>
               </a:ext>
             </a:extLst>
           </p:cNvPr>
@@ -5531,10 +5868,84 @@
           </a:p>
         </p:txBody>
       </p:sp>
+      <p:pic>
+        <p:nvPicPr>
+          <p:cNvPr id="4098" name="Picture 2">
+            <a:extLst>
+              <a:ext uri="{FF2B5EF4-FFF2-40B4-BE49-F238E27FC236}">
+                <a16:creationId xmlns:a16="http://schemas.microsoft.com/office/drawing/2014/main" id="{75522BA0-B068-4E74-81E1-1A86740D8713}"/>
+              </a:ext>
+            </a:extLst>
+          </p:cNvPr>
+          <p:cNvPicPr>
+            <a:picLocks noChangeAspect="1" noChangeArrowheads="1"/>
+          </p:cNvPicPr>
+          <p:nvPr/>
+        </p:nvPicPr>
+        <p:blipFill rotWithShape="1">
+          <a:blip r:embed="rId2">
+            <a:extLst>
+              <a:ext uri="{28A0092B-C50C-407E-A947-70E740481C1C}">
+                <a14:useLocalDpi xmlns:a14="http://schemas.microsoft.com/office/drawing/2010/main" val="0"/>
+              </a:ext>
+            </a:extLst>
+          </a:blip>
+          <a:srcRect l="13373" r="17703"/>
+          <a:stretch/>
+        </p:blipFill>
+        <p:spPr bwMode="auto">
+          <a:xfrm>
+            <a:off x="3278909" y="1690688"/>
+            <a:ext cx="4950691" cy="5101933"/>
+          </a:xfrm>
+          <a:prstGeom prst="rect">
+            <a:avLst/>
+          </a:prstGeom>
+          <a:noFill/>
+          <a:extLst>
+            <a:ext uri="{909E8E84-426E-40DD-AFC4-6F175D3DCCD1}">
+              <a14:hiddenFill xmlns:a14="http://schemas.microsoft.com/office/drawing/2010/main">
+                <a:solidFill>
+                  <a:srgbClr val="FFFFFF"/>
+                </a:solidFill>
+              </a14:hiddenFill>
+            </a:ext>
+          </a:extLst>
+        </p:spPr>
+      </p:pic>
+      <p:sp>
+        <p:nvSpPr>
+          <p:cNvPr id="5" name="Slide Number Placeholder 4">
+            <a:extLst>
+              <a:ext uri="{FF2B5EF4-FFF2-40B4-BE49-F238E27FC236}">
+                <a16:creationId xmlns:a16="http://schemas.microsoft.com/office/drawing/2014/main" id="{81A2DA9F-9231-4DB8-A38D-AF1FA0CDFF8C}"/>
+              </a:ext>
+            </a:extLst>
+          </p:cNvPr>
+          <p:cNvSpPr>
+            <a:spLocks noGrp="1"/>
+          </p:cNvSpPr>
+          <p:nvPr>
+            <p:ph type="sldNum" sz="quarter" idx="12"/>
+          </p:nvPr>
+        </p:nvSpPr>
+        <p:spPr/>
+        <p:txBody>
+          <a:bodyPr/>
+          <a:lstStyle/>
+          <a:p>
+            <a:fld id="{366AF93E-BC9A-914B-B8AC-D14A91A40CBB}" type="slidenum">
+              <a:rPr lang="en-US" smtClean="0"/>
+              <a:t>17</a:t>
+            </a:fld>
+            <a:endParaRPr lang="en-US"/>
+          </a:p>
+        </p:txBody>
+      </p:sp>
     </p:spTree>
     <p:extLst>
       <p:ext uri="{BB962C8B-B14F-4D97-AF65-F5344CB8AC3E}">
-        <p14:creationId xmlns:p14="http://schemas.microsoft.com/office/powerpoint/2010/main" val="4176570281"/>
+        <p14:creationId xmlns:p14="http://schemas.microsoft.com/office/powerpoint/2010/main" val="2760501175"/>
       </p:ext>
     </p:extLst>
   </p:cSld>
@@ -5579,7 +5990,7 @@
         </p:nvSpPr>
         <p:spPr>
           <a:xfrm>
-            <a:off x="838200" y="148994"/>
+            <a:off x="838199" y="365125"/>
             <a:ext cx="11010499" cy="1325563"/>
           </a:xfrm>
         </p:spPr>
@@ -5591,7 +6002,7 @@
               <a:rPr lang="en-US" dirty="0">
                 <a:latin typeface="Garamond" panose="02020404030301010803" pitchFamily="18" charset="0"/>
               </a:rPr>
-              <a:t>Specific Aims</a:t>
+              <a:t>Conflicting signal from United Kingdom isolates</a:t>
             </a:r>
           </a:p>
         </p:txBody>
@@ -5617,70 +6028,9 @@
           <a:bodyPr/>
           <a:lstStyle/>
           <a:p>
-            <a:r>
-              <a:rPr lang="en-US" dirty="0">
-                <a:latin typeface="Garamond" panose="02020404030301010803" pitchFamily="18" charset="0"/>
-              </a:rPr>
-              <a:t>Aim 1 - Apply a reference agnostic machine learning approach to find genes that are enriched for different species and regions.</a:t>
-            </a:r>
-          </a:p>
-          <a:p>
-            <a:r>
-              <a:rPr lang="en-US" dirty="0">
-                <a:latin typeface="Garamond" panose="02020404030301010803" pitchFamily="18" charset="0"/>
-              </a:rPr>
-              <a:t>Aim 2 - Develop a </a:t>
-            </a:r>
-            <a:r>
-              <a:rPr lang="en-US" i="1" dirty="0">
-                <a:latin typeface="Garamond" panose="02020404030301010803" pitchFamily="18" charset="0"/>
-              </a:rPr>
-              <a:t>M. </a:t>
-            </a:r>
-            <a:r>
-              <a:rPr lang="en-US" i="1" dirty="0" err="1">
-                <a:latin typeface="Garamond" panose="02020404030301010803" pitchFamily="18" charset="0"/>
-              </a:rPr>
-              <a:t>bovis</a:t>
-            </a:r>
-            <a:r>
-              <a:rPr lang="en-US" dirty="0">
-                <a:latin typeface="Garamond" panose="02020404030301010803" pitchFamily="18" charset="0"/>
-              </a:rPr>
-              <a:t> WGS genotyping pipeline for continual pathogen surveillance.</a:t>
-            </a:r>
-          </a:p>
-          <a:p>
-            <a:r>
-              <a:rPr lang="en-US" dirty="0">
-                <a:latin typeface="Garamond" panose="02020404030301010803" pitchFamily="18" charset="0"/>
-              </a:rPr>
-              <a:t>Aim 3 - Utilize a Bayesian framework to analyze a </a:t>
-            </a:r>
-            <a:r>
-              <a:rPr lang="en-US" i="1" dirty="0">
-                <a:latin typeface="Garamond" panose="02020404030301010803" pitchFamily="18" charset="0"/>
-              </a:rPr>
-              <a:t>M. </a:t>
-            </a:r>
-            <a:r>
-              <a:rPr lang="en-US" i="1" dirty="0" err="1">
-                <a:latin typeface="Garamond" panose="02020404030301010803" pitchFamily="18" charset="0"/>
-              </a:rPr>
-              <a:t>bovis</a:t>
-            </a:r>
-            <a:r>
-              <a:rPr lang="en-US" i="1" dirty="0">
-                <a:latin typeface="Garamond" panose="02020404030301010803" pitchFamily="18" charset="0"/>
-              </a:rPr>
-              <a:t> </a:t>
-            </a:r>
-            <a:r>
-              <a:rPr lang="en-US" dirty="0">
-                <a:latin typeface="Garamond" panose="02020404030301010803" pitchFamily="18" charset="0"/>
-              </a:rPr>
-              <a:t>time-tree for understanding anthropogenic and ecological factors that impact transmission. </a:t>
-            </a:r>
+            <a:endParaRPr lang="en-US" dirty="0">
+              <a:latin typeface="Garamond" panose="02020404030301010803" pitchFamily="18" charset="0"/>
+            </a:endParaRPr>
           </a:p>
         </p:txBody>
       </p:sp>
@@ -5689,7 +6039,7 @@
           <p:cNvPr id="4" name="Rectangle 3">
             <a:extLst>
               <a:ext uri="{FF2B5EF4-FFF2-40B4-BE49-F238E27FC236}">
-                <a16:creationId xmlns:a16="http://schemas.microsoft.com/office/drawing/2014/main" id="{A3633F5D-1B5D-C44E-8A86-0F014136467C}"/>
+                <a16:creationId xmlns:a16="http://schemas.microsoft.com/office/drawing/2014/main" id="{7C2C1902-F55F-0842-96A2-A598BE1467FE}"/>
               </a:ext>
             </a:extLst>
           </p:cNvPr>
@@ -5706,15 +6056,15 @@
           </a:prstGeom>
           <a:solidFill>
             <a:schemeClr val="accent1">
-              <a:lumMod val="40000"/>
-              <a:lumOff val="60000"/>
+              <a:lumMod val="60000"/>
+              <a:lumOff val="40000"/>
             </a:schemeClr>
           </a:solidFill>
           <a:ln>
             <a:solidFill>
               <a:schemeClr val="accent1">
-                <a:lumMod val="40000"/>
-                <a:lumOff val="60000"/>
+                <a:lumMod val="60000"/>
+                <a:lumOff val="40000"/>
               </a:schemeClr>
             </a:solidFill>
           </a:ln>
@@ -5743,15 +6093,91 @@
               <a:rPr lang="en-US" dirty="0">
                 <a:latin typeface="Garamond" panose="02020404030301010803" pitchFamily="18" charset="0"/>
               </a:rPr>
-              <a:t>Specific Aims</a:t>
-            </a:r>
+              <a:t>Preliminary Research</a:t>
+            </a:r>
+          </a:p>
+        </p:txBody>
+      </p:sp>
+      <p:pic>
+        <p:nvPicPr>
+          <p:cNvPr id="5122" name="Picture 2">
+            <a:extLst>
+              <a:ext uri="{FF2B5EF4-FFF2-40B4-BE49-F238E27FC236}">
+                <a16:creationId xmlns:a16="http://schemas.microsoft.com/office/drawing/2014/main" id="{82E09C0B-DE39-4BED-8360-B935F9A7ECED}"/>
+              </a:ext>
+            </a:extLst>
+          </p:cNvPr>
+          <p:cNvPicPr>
+            <a:picLocks noChangeAspect="1" noChangeArrowheads="1"/>
+          </p:cNvPicPr>
+          <p:nvPr/>
+        </p:nvPicPr>
+        <p:blipFill>
+          <a:blip r:embed="rId2">
+            <a:extLst>
+              <a:ext uri="{28A0092B-C50C-407E-A947-70E740481C1C}">
+                <a14:useLocalDpi xmlns:a14="http://schemas.microsoft.com/office/drawing/2010/main" val="0"/>
+              </a:ext>
+            </a:extLst>
+          </a:blip>
+          <a:srcRect/>
+          <a:stretch>
+            <a:fillRect/>
+          </a:stretch>
+        </p:blipFill>
+        <p:spPr bwMode="auto">
+          <a:xfrm>
+            <a:off x="1826854" y="1371599"/>
+            <a:ext cx="8538291" cy="5269345"/>
+          </a:xfrm>
+          <a:prstGeom prst="rect">
+            <a:avLst/>
+          </a:prstGeom>
+          <a:noFill/>
+          <a:extLst>
+            <a:ext uri="{909E8E84-426E-40DD-AFC4-6F175D3DCCD1}">
+              <a14:hiddenFill xmlns:a14="http://schemas.microsoft.com/office/drawing/2010/main">
+                <a:solidFill>
+                  <a:srgbClr val="FFFFFF"/>
+                </a:solidFill>
+              </a14:hiddenFill>
+            </a:ext>
+          </a:extLst>
+        </p:spPr>
+      </p:pic>
+      <p:sp>
+        <p:nvSpPr>
+          <p:cNvPr id="5" name="Slide Number Placeholder 4">
+            <a:extLst>
+              <a:ext uri="{FF2B5EF4-FFF2-40B4-BE49-F238E27FC236}">
+                <a16:creationId xmlns:a16="http://schemas.microsoft.com/office/drawing/2014/main" id="{B8E53C14-1D1B-4B6A-B72B-400D98EE4C66}"/>
+              </a:ext>
+            </a:extLst>
+          </p:cNvPr>
+          <p:cNvSpPr>
+            <a:spLocks noGrp="1"/>
+          </p:cNvSpPr>
+          <p:nvPr>
+            <p:ph type="sldNum" sz="quarter" idx="12"/>
+          </p:nvPr>
+        </p:nvSpPr>
+        <p:spPr/>
+        <p:txBody>
+          <a:bodyPr/>
+          <a:lstStyle/>
+          <a:p>
+            <a:fld id="{366AF93E-BC9A-914B-B8AC-D14A91A40CBB}" type="slidenum">
+              <a:rPr lang="en-US" smtClean="0"/>
+              <a:t>18</a:t>
+            </a:fld>
+            <a:endParaRPr lang="en-US"/>
           </a:p>
         </p:txBody>
       </p:sp>
     </p:spTree>
     <p:extLst>
       <p:ext uri="{BB962C8B-B14F-4D97-AF65-F5344CB8AC3E}">
-        <p14:creationId xmlns:p14="http://schemas.microsoft.com/office/powerpoint/2010/main" val="3344595690"/>
+        <p14:creationId xmlns:p14="http://schemas.microsoft.com/office/powerpoint/2010/main" val="624088724"/>
       </p:ext>
     </p:extLst>
   </p:cSld>
@@ -5808,7 +6234,7 @@
               <a:rPr lang="en-US" dirty="0">
                 <a:latin typeface="Garamond" panose="02020404030301010803" pitchFamily="18" charset="0"/>
               </a:rPr>
-              <a:t>Aim 1 - </a:t>
+              <a:t>Preliminary Result discussion</a:t>
             </a:r>
           </a:p>
         </p:txBody>
@@ -5831,132 +6257,12 @@
         </p:nvSpPr>
         <p:spPr/>
         <p:txBody>
-          <a:bodyPr>
-            <a:normAutofit fontScale="92500" lnSpcReduction="20000"/>
-          </a:bodyPr>
-          <a:lstStyle/>
-          <a:p>
-            <a:r>
-              <a:rPr lang="en-US" dirty="0">
-                <a:latin typeface="Garamond" panose="02020404030301010803" pitchFamily="18" charset="0"/>
-              </a:rPr>
-              <a:t>Growing amount of literature that develop methods for analyzing pangenome data and using statistics to relate to host status</a:t>
-            </a:r>
-          </a:p>
-          <a:p>
-            <a:pPr lvl="1"/>
-            <a:r>
-              <a:rPr lang="en-US" dirty="0">
-                <a:latin typeface="Garamond" panose="02020404030301010803" pitchFamily="18" charset="0"/>
-              </a:rPr>
-              <a:t>Anti-microbial Resistance</a:t>
-            </a:r>
-          </a:p>
-          <a:p>
-            <a:pPr lvl="1"/>
-            <a:r>
-              <a:rPr lang="en-US" dirty="0">
-                <a:latin typeface="Garamond" panose="02020404030301010803" pitchFamily="18" charset="0"/>
-              </a:rPr>
-              <a:t>Host Range</a:t>
-            </a:r>
-          </a:p>
-          <a:p>
-            <a:r>
-              <a:rPr lang="en-US" dirty="0">
-                <a:latin typeface="Garamond" panose="02020404030301010803" pitchFamily="18" charset="0"/>
-              </a:rPr>
-              <a:t>My preliminary results suggest the accessory genome of </a:t>
-            </a:r>
-            <a:r>
-              <a:rPr lang="en-US" i="1" dirty="0">
-                <a:latin typeface="Garamond" panose="02020404030301010803" pitchFamily="18" charset="0"/>
-              </a:rPr>
-              <a:t>M. </a:t>
-            </a:r>
-            <a:r>
-              <a:rPr lang="en-US" i="1" dirty="0" err="1">
-                <a:latin typeface="Garamond" panose="02020404030301010803" pitchFamily="18" charset="0"/>
-              </a:rPr>
-              <a:t>bovis</a:t>
-            </a:r>
-            <a:r>
-              <a:rPr lang="en-US" i="1" dirty="0">
-                <a:latin typeface="Garamond" panose="02020404030301010803" pitchFamily="18" charset="0"/>
-              </a:rPr>
-              <a:t>, </a:t>
-            </a:r>
-            <a:r>
-              <a:rPr lang="en-US" dirty="0">
-                <a:latin typeface="Garamond" panose="02020404030301010803" pitchFamily="18" charset="0"/>
-              </a:rPr>
-              <a:t>in terms of gene presence &amp; absence,</a:t>
-            </a:r>
-            <a:r>
-              <a:rPr lang="en-US" i="1" dirty="0">
-                <a:latin typeface="Garamond" panose="02020404030301010803" pitchFamily="18" charset="0"/>
-              </a:rPr>
-              <a:t> </a:t>
-            </a:r>
-            <a:r>
-              <a:rPr lang="en-US" dirty="0">
-                <a:latin typeface="Garamond" panose="02020404030301010803" pitchFamily="18" charset="0"/>
-              </a:rPr>
-              <a:t>is distinct based on geographic region and perhaps species (UK badgers &amp; cattle).</a:t>
-            </a:r>
-          </a:p>
-          <a:p>
-            <a:r>
-              <a:rPr lang="en-US" dirty="0">
-                <a:latin typeface="Garamond" panose="02020404030301010803" pitchFamily="18" charset="0"/>
-              </a:rPr>
-              <a:t>Assess gene frequencies for key maintenance host/ geographic region genes</a:t>
-            </a:r>
-          </a:p>
-          <a:p>
-            <a:pPr lvl="1"/>
-            <a:r>
-              <a:rPr lang="en-US" dirty="0">
-                <a:latin typeface="Garamond" panose="02020404030301010803" pitchFamily="18" charset="0"/>
-              </a:rPr>
-              <a:t>Mutual Information test</a:t>
-            </a:r>
-          </a:p>
-          <a:p>
-            <a:pPr lvl="1"/>
-            <a:r>
-              <a:rPr lang="en-US" dirty="0">
-                <a:latin typeface="Garamond" panose="02020404030301010803" pitchFamily="18" charset="0"/>
-              </a:rPr>
-              <a:t>Bonferroni corrected Chi-squared test</a:t>
-            </a:r>
-          </a:p>
-          <a:p>
-            <a:pPr lvl="1"/>
-            <a:r>
-              <a:rPr lang="en-US" dirty="0">
-                <a:latin typeface="Garamond" panose="02020404030301010803" pitchFamily="18" charset="0"/>
-              </a:rPr>
-              <a:t>Bonferroni corrected ANOVA F-test</a:t>
-            </a:r>
-          </a:p>
-          <a:p>
-            <a:pPr lvl="1"/>
-            <a:r>
-              <a:rPr lang="en-US" dirty="0">
-                <a:latin typeface="Garamond" panose="02020404030301010803" pitchFamily="18" charset="0"/>
-              </a:rPr>
-              <a:t>Support Vector Machine Classification</a:t>
-            </a:r>
-          </a:p>
-          <a:p>
-            <a:pPr lvl="1"/>
-            <a:r>
-              <a:rPr lang="en-US" dirty="0">
-                <a:latin typeface="Garamond" panose="02020404030301010803" pitchFamily="18" charset="0"/>
-              </a:rPr>
-              <a:t>Random Forest Classification</a:t>
-            </a:r>
+          <a:bodyPr/>
+          <a:lstStyle/>
+          <a:p>
+            <a:endParaRPr lang="en-US" dirty="0">
+              <a:latin typeface="Garamond" panose="02020404030301010803" pitchFamily="18" charset="0"/>
+            </a:endParaRPr>
           </a:p>
         </p:txBody>
       </p:sp>
@@ -5965,7 +6271,7 @@
           <p:cNvPr id="4" name="Rectangle 3">
             <a:extLst>
               <a:ext uri="{FF2B5EF4-FFF2-40B4-BE49-F238E27FC236}">
-                <a16:creationId xmlns:a16="http://schemas.microsoft.com/office/drawing/2014/main" id="{73556B22-67F6-FA49-947B-D70BE9DC47DF}"/>
+                <a16:creationId xmlns:a16="http://schemas.microsoft.com/office/drawing/2014/main" id="{F51E0389-FC9F-3548-AB2C-3B40BA3D8AEA}"/>
               </a:ext>
             </a:extLst>
           </p:cNvPr>
@@ -5982,15 +6288,15 @@
           </a:prstGeom>
           <a:solidFill>
             <a:schemeClr val="accent1">
-              <a:lumMod val="40000"/>
-              <a:lumOff val="60000"/>
+              <a:lumMod val="60000"/>
+              <a:lumOff val="40000"/>
             </a:schemeClr>
           </a:solidFill>
           <a:ln>
             <a:solidFill>
               <a:schemeClr val="accent1">
-                <a:lumMod val="40000"/>
-                <a:lumOff val="60000"/>
+                <a:lumMod val="60000"/>
+                <a:lumOff val="40000"/>
               </a:schemeClr>
             </a:solidFill>
           </a:ln>
@@ -6019,77 +6325,44 @@
               <a:rPr lang="en-US" dirty="0">
                 <a:latin typeface="Garamond" panose="02020404030301010803" pitchFamily="18" charset="0"/>
               </a:rPr>
-              <a:t>Specific Aims</a:t>
-            </a:r>
-          </a:p>
-        </p:txBody>
-      </p:sp>
-      <p:sp>
-        <p:nvSpPr>
-          <p:cNvPr id="5" name="Rectangle 4">
-            <a:extLst>
-              <a:ext uri="{FF2B5EF4-FFF2-40B4-BE49-F238E27FC236}">
-                <a16:creationId xmlns:a16="http://schemas.microsoft.com/office/drawing/2014/main" id="{97C55FED-E27E-DA46-BDD2-FDCD3C2F435E}"/>
-              </a:ext>
-            </a:extLst>
-          </p:cNvPr>
-          <p:cNvSpPr/>
-          <p:nvPr/>
-        </p:nvSpPr>
-        <p:spPr>
-          <a:xfrm>
-            <a:off x="2768138" y="0"/>
-            <a:ext cx="9423862" cy="365125"/>
-          </a:xfrm>
-          <a:prstGeom prst="rect">
-            <a:avLst/>
-          </a:prstGeom>
-          <a:solidFill>
-            <a:schemeClr val="bg2">
-              <a:lumMod val="75000"/>
-            </a:schemeClr>
-          </a:solidFill>
-          <a:ln>
-            <a:solidFill>
-              <a:schemeClr val="bg2">
-                <a:lumMod val="75000"/>
-              </a:schemeClr>
-            </a:solidFill>
-          </a:ln>
-        </p:spPr>
-        <p:style>
-          <a:lnRef idx="2">
-            <a:schemeClr val="accent1">
-              <a:shade val="50000"/>
-            </a:schemeClr>
-          </a:lnRef>
-          <a:fillRef idx="1">
-            <a:schemeClr val="accent1"/>
-          </a:fillRef>
-          <a:effectRef idx="0">
-            <a:schemeClr val="accent1"/>
-          </a:effectRef>
-          <a:fontRef idx="minor">
-            <a:schemeClr val="lt1"/>
-          </a:fontRef>
-        </p:style>
-        <p:txBody>
-          <a:bodyPr rtlCol="0" anchor="ctr"/>
-          <a:lstStyle/>
-          <a:p>
-            <a:r>
-              <a:rPr lang="en-US" sz="1400" dirty="0">
-                <a:latin typeface="Garamond" panose="02020404030301010803" pitchFamily="18" charset="0"/>
-              </a:rPr>
-              <a:t>Aim 1 - Apply a reference agnostic machine learning approach to find genes that are enriched for different species and regions.</a:t>
-            </a:r>
+              <a:t>Preliminary Research</a:t>
+            </a:r>
+          </a:p>
+        </p:txBody>
+      </p:sp>
+      <p:sp>
+        <p:nvSpPr>
+          <p:cNvPr id="5" name="Slide Number Placeholder 4">
+            <a:extLst>
+              <a:ext uri="{FF2B5EF4-FFF2-40B4-BE49-F238E27FC236}">
+                <a16:creationId xmlns:a16="http://schemas.microsoft.com/office/drawing/2014/main" id="{F1278852-128A-4E06-8BF7-DF89D1BE0CA2}"/>
+              </a:ext>
+            </a:extLst>
+          </p:cNvPr>
+          <p:cNvSpPr>
+            <a:spLocks noGrp="1"/>
+          </p:cNvSpPr>
+          <p:nvPr>
+            <p:ph type="sldNum" sz="quarter" idx="12"/>
+          </p:nvPr>
+        </p:nvSpPr>
+        <p:spPr/>
+        <p:txBody>
+          <a:bodyPr/>
+          <a:lstStyle/>
+          <a:p>
+            <a:fld id="{366AF93E-BC9A-914B-B8AC-D14A91A40CBB}" type="slidenum">
+              <a:rPr lang="en-US" smtClean="0"/>
+              <a:t>19</a:t>
+            </a:fld>
+            <a:endParaRPr lang="en-US"/>
           </a:p>
         </p:txBody>
       </p:sp>
     </p:spTree>
     <p:extLst>
       <p:ext uri="{BB962C8B-B14F-4D97-AF65-F5344CB8AC3E}">
-        <p14:creationId xmlns:p14="http://schemas.microsoft.com/office/powerpoint/2010/main" val="3573537596"/>
+        <p14:creationId xmlns:p14="http://schemas.microsoft.com/office/powerpoint/2010/main" val="4176570281"/>
       </p:ext>
     </p:extLst>
   </p:cSld>
@@ -6336,6 +6609,35 @@
               </a:solidFill>
               <a:latin typeface="Garamond" panose="02020404030301010803" pitchFamily="18" charset="0"/>
             </a:endParaRPr>
+          </a:p>
+        </p:txBody>
+      </p:sp>
+      <p:sp>
+        <p:nvSpPr>
+          <p:cNvPr id="4" name="Slide Number Placeholder 3">
+            <a:extLst>
+              <a:ext uri="{FF2B5EF4-FFF2-40B4-BE49-F238E27FC236}">
+                <a16:creationId xmlns:a16="http://schemas.microsoft.com/office/drawing/2014/main" id="{55129731-9F48-4776-804A-E0C60B1761D1}"/>
+              </a:ext>
+            </a:extLst>
+          </p:cNvPr>
+          <p:cNvSpPr>
+            <a:spLocks noGrp="1"/>
+          </p:cNvSpPr>
+          <p:nvPr>
+            <p:ph type="sldNum" sz="quarter" idx="12"/>
+          </p:nvPr>
+        </p:nvSpPr>
+        <p:spPr/>
+        <p:txBody>
+          <a:bodyPr/>
+          <a:lstStyle/>
+          <a:p>
+            <a:fld id="{366AF93E-BC9A-914B-B8AC-D14A91A40CBB}" type="slidenum">
+              <a:rPr lang="en-US" smtClean="0"/>
+              <a:t>2</a:t>
+            </a:fld>
+            <a:endParaRPr lang="en-US"/>
           </a:p>
         </p:txBody>
       </p:sp>
@@ -6387,7 +6689,7 @@
         </p:nvSpPr>
         <p:spPr>
           <a:xfrm>
-            <a:off x="838199" y="365125"/>
+            <a:off x="838200" y="148994"/>
             <a:ext cx="11010499" cy="1325563"/>
           </a:xfrm>
         </p:spPr>
@@ -6399,7 +6701,7 @@
               <a:rPr lang="en-US" dirty="0">
                 <a:latin typeface="Garamond" panose="02020404030301010803" pitchFamily="18" charset="0"/>
               </a:rPr>
-              <a:t>Aim 2</a:t>
+              <a:t>Specific Aims</a:t>
             </a:r>
           </a:p>
         </p:txBody>
@@ -6429,7 +6731,15 @@
               <a:rPr lang="en-US" dirty="0">
                 <a:latin typeface="Garamond" panose="02020404030301010803" pitchFamily="18" charset="0"/>
               </a:rPr>
-              <a:t>WGS of </a:t>
+              <a:t>Aim 1 - Apply a reference agnostic machine learning approach to find genes that are enriched for different species and regions.</a:t>
+            </a:r>
+          </a:p>
+          <a:p>
+            <a:r>
+              <a:rPr lang="en-US" dirty="0">
+                <a:latin typeface="Garamond" panose="02020404030301010803" pitchFamily="18" charset="0"/>
+              </a:rPr>
+              <a:t>Aim 2 - Develop a </a:t>
             </a:r>
             <a:r>
               <a:rPr lang="en-US" i="1" dirty="0">
@@ -6444,136 +6754,43 @@
               <a:t>bovis</a:t>
             </a:r>
             <a:r>
+              <a:rPr lang="en-US" dirty="0">
+                <a:latin typeface="Garamond" panose="02020404030301010803" pitchFamily="18" charset="0"/>
+              </a:rPr>
+              <a:t> WGS genotyping pipeline for continual pathogen surveillance.</a:t>
+            </a:r>
+          </a:p>
+          <a:p>
+            <a:r>
+              <a:rPr lang="en-US" dirty="0">
+                <a:latin typeface="Garamond" panose="02020404030301010803" pitchFamily="18" charset="0"/>
+              </a:rPr>
+              <a:t>Aim 3 - Utilize a Bayesian framework to analyze a </a:t>
+            </a:r>
+            <a:r>
               <a:rPr lang="en-US" i="1" dirty="0">
                 <a:latin typeface="Garamond" panose="02020404030301010803" pitchFamily="18" charset="0"/>
               </a:rPr>
+              <a:t>M. </a:t>
+            </a:r>
+            <a:r>
+              <a:rPr lang="en-US" i="1" dirty="0" err="1">
+                <a:latin typeface="Garamond" panose="02020404030301010803" pitchFamily="18" charset="0"/>
+              </a:rPr>
+              <a:t>bovis</a:t>
+            </a:r>
+            <a:r>
+              <a:rPr lang="en-US" i="1" dirty="0">
+                <a:latin typeface="Garamond" panose="02020404030301010803" pitchFamily="18" charset="0"/>
+              </a:rPr>
               <a:t> </a:t>
             </a:r>
             <a:r>
               <a:rPr lang="en-US" dirty="0">
                 <a:latin typeface="Garamond" panose="02020404030301010803" pitchFamily="18" charset="0"/>
               </a:rPr>
-              <a:t>isolates will soon be a preferred way of characterizing isolates and surveilling transmission</a:t>
-            </a:r>
-          </a:p>
-          <a:p>
-            <a:pPr lvl="1"/>
-            <a:r>
-              <a:rPr lang="en-US" dirty="0">
-                <a:latin typeface="Garamond" panose="02020404030301010803" pitchFamily="18" charset="0"/>
-              </a:rPr>
-              <a:t>USDA </a:t>
-            </a:r>
-            <a:r>
-              <a:rPr lang="en-US" dirty="0" err="1">
-                <a:latin typeface="Garamond" panose="02020404030301010803" pitchFamily="18" charset="0"/>
-              </a:rPr>
-              <a:t>vSNP</a:t>
-            </a:r>
-            <a:r>
-              <a:rPr lang="en-US" dirty="0">
-                <a:latin typeface="Garamond" panose="02020404030301010803" pitchFamily="18" charset="0"/>
-              </a:rPr>
-              <a:t> pipeline</a:t>
-            </a:r>
-          </a:p>
-          <a:p>
-            <a:pPr lvl="1"/>
-            <a:r>
-              <a:rPr lang="en-US" dirty="0">
-                <a:latin typeface="Garamond" panose="02020404030301010803" pitchFamily="18" charset="0"/>
-              </a:rPr>
-              <a:t>Opportunity to improve</a:t>
-            </a:r>
-          </a:p>
-          <a:p>
-            <a:pPr lvl="2"/>
-            <a:r>
-              <a:rPr lang="en-US" dirty="0">
-                <a:latin typeface="Garamond" panose="02020404030301010803" pitchFamily="18" charset="0"/>
-              </a:rPr>
-              <a:t>software benchmarking</a:t>
-            </a:r>
-          </a:p>
-          <a:p>
-            <a:pPr lvl="2"/>
-            <a:r>
-              <a:rPr lang="en-US" dirty="0">
-                <a:latin typeface="Garamond" panose="02020404030301010803" pitchFamily="18" charset="0"/>
-              </a:rPr>
-              <a:t>Hidden Markov Model Alignment support (quicker reference based alignment)</a:t>
-            </a:r>
-          </a:p>
-          <a:p>
-            <a:pPr lvl="2"/>
-            <a:r>
-              <a:rPr lang="en-US" dirty="0">
-                <a:latin typeface="Garamond" panose="02020404030301010803" pitchFamily="18" charset="0"/>
-              </a:rPr>
-              <a:t>pipeline management software</a:t>
-            </a:r>
-          </a:p>
-          <a:p>
-            <a:pPr lvl="2"/>
-            <a:r>
-              <a:rPr lang="en-US" dirty="0">
-                <a:latin typeface="Garamond" panose="02020404030301010803" pitchFamily="18" charset="0"/>
-              </a:rPr>
-              <a:t>Automatic integration w/ </a:t>
-            </a:r>
-            <a:r>
-              <a:rPr lang="en-US" dirty="0" err="1">
-                <a:latin typeface="Garamond" panose="02020404030301010803" pitchFamily="18" charset="0"/>
-              </a:rPr>
-              <a:t>NextStrain</a:t>
-            </a:r>
-            <a:r>
-              <a:rPr lang="en-US" dirty="0">
-                <a:latin typeface="Garamond" panose="02020404030301010803" pitchFamily="18" charset="0"/>
-              </a:rPr>
-              <a:t> open source website</a:t>
-            </a:r>
-          </a:p>
-          <a:p>
-            <a:pPr lvl="1"/>
-            <a:r>
-              <a:rPr lang="en-US" dirty="0">
-                <a:latin typeface="Garamond" panose="02020404030301010803" pitchFamily="18" charset="0"/>
-              </a:rPr>
-              <a:t>Develop this pipeline and make it available to </a:t>
-            </a:r>
-            <a:r>
-              <a:rPr lang="en-US" i="1" dirty="0">
-                <a:latin typeface="Garamond" panose="02020404030301010803" pitchFamily="18" charset="0"/>
-              </a:rPr>
-              <a:t>M. </a:t>
-            </a:r>
-            <a:r>
-              <a:rPr lang="en-US" i="1" dirty="0" err="1">
-                <a:latin typeface="Garamond" panose="02020404030301010803" pitchFamily="18" charset="0"/>
-              </a:rPr>
-              <a:t>bovis</a:t>
-            </a:r>
-            <a:r>
-              <a:rPr lang="en-US" i="1" dirty="0">
-                <a:latin typeface="Garamond" panose="02020404030301010803" pitchFamily="18" charset="0"/>
-              </a:rPr>
-              <a:t> </a:t>
-            </a:r>
-            <a:r>
-              <a:rPr lang="en-US" dirty="0">
-                <a:latin typeface="Garamond" panose="02020404030301010803" pitchFamily="18" charset="0"/>
-              </a:rPr>
-              <a:t>research community</a:t>
-            </a:r>
-          </a:p>
-          <a:p>
-            <a:pPr marL="457200" lvl="1" indent="0">
-              <a:buNone/>
-            </a:pPr>
-            <a:endParaRPr lang="en-US" dirty="0">
-              <a:latin typeface="Garamond" panose="02020404030301010803" pitchFamily="18" charset="0"/>
-            </a:endParaRPr>
+              <a:t>time-tree for understanding anthropogenic and ecological factors that impact transmission. </a:t>
+            </a:r>
           </a:p>
         </p:txBody>
       </p:sp>
@@ -6582,7 +6799,7 @@
           <p:cNvPr id="4" name="Rectangle 3">
             <a:extLst>
               <a:ext uri="{FF2B5EF4-FFF2-40B4-BE49-F238E27FC236}">
-                <a16:creationId xmlns:a16="http://schemas.microsoft.com/office/drawing/2014/main" id="{D83F403F-2A50-1342-92B9-79151067BC75}"/>
+                <a16:creationId xmlns:a16="http://schemas.microsoft.com/office/drawing/2014/main" id="{A3633F5D-1B5D-C44E-8A86-0F014136467C}"/>
               </a:ext>
             </a:extLst>
           </p:cNvPr>
@@ -6643,88 +6860,37 @@
       </p:sp>
       <p:sp>
         <p:nvSpPr>
-          <p:cNvPr id="5" name="Rectangle 4">
-            <a:extLst>
-              <a:ext uri="{FF2B5EF4-FFF2-40B4-BE49-F238E27FC236}">
-                <a16:creationId xmlns:a16="http://schemas.microsoft.com/office/drawing/2014/main" id="{7F20DE00-CE02-4845-91E4-D05035750B10}"/>
-              </a:ext>
-            </a:extLst>
-          </p:cNvPr>
-          <p:cNvSpPr/>
-          <p:nvPr/>
-        </p:nvSpPr>
-        <p:spPr>
-          <a:xfrm>
-            <a:off x="2768138" y="0"/>
-            <a:ext cx="9423862" cy="365125"/>
-          </a:xfrm>
-          <a:prstGeom prst="rect">
-            <a:avLst/>
-          </a:prstGeom>
-          <a:solidFill>
-            <a:schemeClr val="bg2">
-              <a:lumMod val="75000"/>
-            </a:schemeClr>
-          </a:solidFill>
-          <a:ln>
-            <a:solidFill>
-              <a:schemeClr val="bg2">
-                <a:lumMod val="75000"/>
-              </a:schemeClr>
-            </a:solidFill>
-          </a:ln>
-        </p:spPr>
-        <p:style>
-          <a:lnRef idx="2">
-            <a:schemeClr val="accent1">
-              <a:shade val="50000"/>
-            </a:schemeClr>
-          </a:lnRef>
-          <a:fillRef idx="1">
-            <a:schemeClr val="accent1"/>
-          </a:fillRef>
-          <a:effectRef idx="0">
-            <a:schemeClr val="accent1"/>
-          </a:effectRef>
-          <a:fontRef idx="minor">
-            <a:schemeClr val="lt1"/>
-          </a:fontRef>
-        </p:style>
-        <p:txBody>
-          <a:bodyPr rtlCol="0" anchor="ctr"/>
-          <a:lstStyle/>
-          <a:p>
-            <a:r>
-              <a:rPr lang="en-US" sz="1400" dirty="0">
-                <a:latin typeface="Garamond" panose="02020404030301010803" pitchFamily="18" charset="0"/>
-              </a:rPr>
-              <a:t>Aim 2 - Develop a </a:t>
-            </a:r>
-            <a:r>
-              <a:rPr lang="en-US" sz="1400" i="1" dirty="0">
-                <a:latin typeface="Garamond" panose="02020404030301010803" pitchFamily="18" charset="0"/>
-              </a:rPr>
-              <a:t>M. </a:t>
-            </a:r>
-            <a:r>
-              <a:rPr lang="en-US" sz="1400" i="1" dirty="0" err="1">
-                <a:latin typeface="Garamond" panose="02020404030301010803" pitchFamily="18" charset="0"/>
-              </a:rPr>
-              <a:t>bovis</a:t>
-            </a:r>
-            <a:r>
-              <a:rPr lang="en-US" sz="1400" dirty="0">
-                <a:latin typeface="Garamond" panose="02020404030301010803" pitchFamily="18" charset="0"/>
-              </a:rPr>
-              <a:t> WGS genotyping pipeline for continual pathogen surveillance.</a:t>
-            </a:r>
+          <p:cNvPr id="5" name="Slide Number Placeholder 4">
+            <a:extLst>
+              <a:ext uri="{FF2B5EF4-FFF2-40B4-BE49-F238E27FC236}">
+                <a16:creationId xmlns:a16="http://schemas.microsoft.com/office/drawing/2014/main" id="{3EC8FC72-76CA-4AA3-ACCE-9FC7E47560B2}"/>
+              </a:ext>
+            </a:extLst>
+          </p:cNvPr>
+          <p:cNvSpPr>
+            <a:spLocks noGrp="1"/>
+          </p:cNvSpPr>
+          <p:nvPr>
+            <p:ph type="sldNum" sz="quarter" idx="12"/>
+          </p:nvPr>
+        </p:nvSpPr>
+        <p:spPr/>
+        <p:txBody>
+          <a:bodyPr/>
+          <a:lstStyle/>
+          <a:p>
+            <a:fld id="{366AF93E-BC9A-914B-B8AC-D14A91A40CBB}" type="slidenum">
+              <a:rPr lang="en-US" smtClean="0"/>
+              <a:t>20</a:t>
+            </a:fld>
+            <a:endParaRPr lang="en-US"/>
           </a:p>
         </p:txBody>
       </p:sp>
     </p:spTree>
     <p:extLst>
       <p:ext uri="{BB962C8B-B14F-4D97-AF65-F5344CB8AC3E}">
-        <p14:creationId xmlns:p14="http://schemas.microsoft.com/office/powerpoint/2010/main" val="2152640410"/>
+        <p14:creationId xmlns:p14="http://schemas.microsoft.com/office/powerpoint/2010/main" val="3344595690"/>
       </p:ext>
     </p:extLst>
   </p:cSld>
@@ -6781,7 +6947,7 @@
               <a:rPr lang="en-US" dirty="0">
                 <a:latin typeface="Garamond" panose="02020404030301010803" pitchFamily="18" charset="0"/>
               </a:rPr>
-              <a:t>Aim 3 </a:t>
+              <a:t>Aim 1 </a:t>
             </a:r>
           </a:p>
         </p:txBody>
@@ -6805,21 +6971,15 @@
         <p:spPr/>
         <p:txBody>
           <a:bodyPr>
-            <a:normAutofit fontScale="92500" lnSpcReduction="10000"/>
+            <a:normAutofit fontScale="92500" lnSpcReduction="20000"/>
           </a:bodyPr>
           <a:lstStyle/>
           <a:p>
             <a:r>
-              <a:rPr lang="en-US" dirty="0" err="1">
-                <a:latin typeface="Garamond" panose="02020404030301010803" pitchFamily="18" charset="0"/>
-              </a:rPr>
-              <a:t>Phylodynamics</a:t>
-            </a:r>
-            <a:r>
               <a:rPr lang="en-US" dirty="0">
                 <a:latin typeface="Garamond" panose="02020404030301010803" pitchFamily="18" charset="0"/>
               </a:rPr>
-              <a:t>: defined as the study of how epidemiological, immunological, and evolutionary processes act and potentially interact to shape phylogeny.</a:t>
+              <a:t>Growing amount of literature that develop methods for analyzing pangenome data and using statistics to relate to host status</a:t>
             </a:r>
           </a:p>
           <a:p>
@@ -6828,7 +6988,7 @@
               <a:rPr lang="en-US" dirty="0">
                 <a:latin typeface="Garamond" panose="02020404030301010803" pitchFamily="18" charset="0"/>
               </a:rPr>
-              <a:t>Bayesian framework useful for outbreak investigation.</a:t>
+              <a:t>Anti-microbial Resistance</a:t>
             </a:r>
           </a:p>
           <a:p>
@@ -6837,7 +6997,59 @@
               <a:rPr lang="en-US" dirty="0">
                 <a:latin typeface="Garamond" panose="02020404030301010803" pitchFamily="18" charset="0"/>
               </a:rPr>
-              <a:t>Transition rates between different states (Host jumps, geographic diffusion).</a:t>
+              <a:t>Host Range</a:t>
+            </a:r>
+          </a:p>
+          <a:p>
+            <a:r>
+              <a:rPr lang="en-US" dirty="0">
+                <a:latin typeface="Garamond" panose="02020404030301010803" pitchFamily="18" charset="0"/>
+              </a:rPr>
+              <a:t>My preliminary results suggest the accessory genome of </a:t>
+            </a:r>
+            <a:r>
+              <a:rPr lang="en-US" i="1" dirty="0">
+                <a:latin typeface="Garamond" panose="02020404030301010803" pitchFamily="18" charset="0"/>
+              </a:rPr>
+              <a:t>M. </a:t>
+            </a:r>
+            <a:r>
+              <a:rPr lang="en-US" i="1" dirty="0" err="1">
+                <a:latin typeface="Garamond" panose="02020404030301010803" pitchFamily="18" charset="0"/>
+              </a:rPr>
+              <a:t>bovis</a:t>
+            </a:r>
+            <a:r>
+              <a:rPr lang="en-US" i="1" dirty="0">
+                <a:latin typeface="Garamond" panose="02020404030301010803" pitchFamily="18" charset="0"/>
+              </a:rPr>
+              <a:t>, </a:t>
+            </a:r>
+            <a:r>
+              <a:rPr lang="en-US" dirty="0">
+                <a:latin typeface="Garamond" panose="02020404030301010803" pitchFamily="18" charset="0"/>
+              </a:rPr>
+              <a:t>in terms of gene presence &amp; absence,</a:t>
+            </a:r>
+            <a:r>
+              <a:rPr lang="en-US" i="1" dirty="0">
+                <a:latin typeface="Garamond" panose="02020404030301010803" pitchFamily="18" charset="0"/>
+              </a:rPr>
+              <a:t> </a:t>
+            </a:r>
+            <a:r>
+              <a:rPr lang="en-US" dirty="0">
+                <a:latin typeface="Garamond" panose="02020404030301010803" pitchFamily="18" charset="0"/>
+              </a:rPr>
+              <a:t>is distinct based on geographic region and perhaps species (UK badgers &amp; cattle).</a:t>
+            </a:r>
+          </a:p>
+          <a:p>
+            <a:r>
+              <a:rPr lang="en-US" dirty="0">
+                <a:latin typeface="Garamond" panose="02020404030301010803" pitchFamily="18" charset="0"/>
+              </a:rPr>
+              <a:t>Assess gene frequencies for key maintenance host/ geographic region genes</a:t>
             </a:r>
           </a:p>
           <a:p>
@@ -6846,51 +7058,34 @@
               <a:rPr lang="en-US" dirty="0">
                 <a:latin typeface="Garamond" panose="02020404030301010803" pitchFamily="18" charset="0"/>
               </a:rPr>
-              <a:t>Integration of ecological &amp; anthropogenic factors to see what influences these transitions.</a:t>
-            </a:r>
-          </a:p>
-          <a:p>
+              <a:t>Mutual Information test</a:t>
+            </a:r>
+          </a:p>
+          <a:p>
+            <a:pPr lvl="1"/>
             <a:r>
               <a:rPr lang="en-US" dirty="0">
                 <a:latin typeface="Garamond" panose="02020404030301010803" pitchFamily="18" charset="0"/>
               </a:rPr>
-              <a:t>For </a:t>
-            </a:r>
-            <a:r>
-              <a:rPr lang="en-US" i="1" dirty="0">
-                <a:latin typeface="Garamond" panose="02020404030301010803" pitchFamily="18" charset="0"/>
-              </a:rPr>
-              <a:t>M. </a:t>
-            </a:r>
-            <a:r>
-              <a:rPr lang="en-US" i="1" dirty="0" err="1">
-                <a:latin typeface="Garamond" panose="02020404030301010803" pitchFamily="18" charset="0"/>
-              </a:rPr>
-              <a:t>bovis</a:t>
-            </a:r>
-            <a:r>
-              <a:rPr lang="en-US" i="1" dirty="0">
-                <a:latin typeface="Garamond" panose="02020404030301010803" pitchFamily="18" charset="0"/>
-              </a:rPr>
-              <a:t>, </a:t>
-            </a:r>
+              <a:t>Bonferroni corrected Chi-squared test</a:t>
+            </a:r>
+          </a:p>
+          <a:p>
+            <a:pPr lvl="1"/>
             <a:r>
               <a:rPr lang="en-US" dirty="0">
                 <a:latin typeface="Garamond" panose="02020404030301010803" pitchFamily="18" charset="0"/>
               </a:rPr>
-              <a:t>multiple studies employ </a:t>
-            </a:r>
-            <a:r>
-              <a:rPr lang="en-US" dirty="0" err="1">
-                <a:latin typeface="Garamond" panose="02020404030301010803" pitchFamily="18" charset="0"/>
-              </a:rPr>
-              <a:t>phylodynamics</a:t>
-            </a:r>
+              <a:t>Bonferroni corrected ANOVA F-test</a:t>
+            </a:r>
+          </a:p>
+          <a:p>
+            <a:pPr lvl="1"/>
             <a:r>
               <a:rPr lang="en-US" dirty="0">
                 <a:latin typeface="Garamond" panose="02020404030301010803" pitchFamily="18" charset="0"/>
               </a:rPr>
-              <a:t>, but literature review shows no study has investigated how these factors influence transmission dynamics.</a:t>
+              <a:t>Support Vector Machine Classification</a:t>
             </a:r>
           </a:p>
           <a:p>
@@ -6899,25 +7094,7 @@
               <a:rPr lang="en-US" dirty="0">
                 <a:latin typeface="Garamond" panose="02020404030301010803" pitchFamily="18" charset="0"/>
               </a:rPr>
-              <a:t>Collect ecological data based on temporal, spatial parameters</a:t>
-            </a:r>
-          </a:p>
-          <a:p>
-            <a:pPr lvl="1"/>
-            <a:r>
-              <a:rPr lang="en-US" dirty="0">
-                <a:latin typeface="Garamond" panose="02020404030301010803" pitchFamily="18" charset="0"/>
-              </a:rPr>
-              <a:t>Collect sequence data compiled from Aim 2</a:t>
-            </a:r>
-          </a:p>
-          <a:p>
-            <a:pPr lvl="1"/>
-            <a:r>
-              <a:rPr lang="en-US" dirty="0">
-                <a:latin typeface="Garamond" panose="02020404030301010803" pitchFamily="18" charset="0"/>
-              </a:rPr>
-              <a:t>Utilize a generalized linear model approach to insinuate which factors contribute to transmission between regions.  </a:t>
+              <a:t>Random Forest Classification</a:t>
             </a:r>
           </a:p>
         </p:txBody>
@@ -6927,7 +7104,7 @@
           <p:cNvPr id="4" name="Rectangle 3">
             <a:extLst>
               <a:ext uri="{FF2B5EF4-FFF2-40B4-BE49-F238E27FC236}">
-                <a16:creationId xmlns:a16="http://schemas.microsoft.com/office/drawing/2014/main" id="{2650E640-CF92-0B42-8FF5-13C514D7D4DA}"/>
+                <a16:creationId xmlns:a16="http://schemas.microsoft.com/office/drawing/2014/main" id="{73556B22-67F6-FA49-947B-D70BE9DC47DF}"/>
               </a:ext>
             </a:extLst>
           </p:cNvPr>
@@ -6991,7 +7168,7 @@
           <p:cNvPr id="5" name="Rectangle 4">
             <a:extLst>
               <a:ext uri="{FF2B5EF4-FFF2-40B4-BE49-F238E27FC236}">
-                <a16:creationId xmlns:a16="http://schemas.microsoft.com/office/drawing/2014/main" id="{25585667-44ED-724A-B2A3-FB7A4951F8CA}"/>
+                <a16:creationId xmlns:a16="http://schemas.microsoft.com/office/drawing/2014/main" id="{97C55FED-E27E-DA46-BDD2-FDCD3C2F435E}"/>
               </a:ext>
             </a:extLst>
           </p:cNvPr>
@@ -7043,6 +7220,773 @@
               <a:rPr lang="en-US" sz="1400" dirty="0">
                 <a:latin typeface="Garamond" panose="02020404030301010803" pitchFamily="18" charset="0"/>
               </a:rPr>
+              <a:t>Aim 1 - Apply a reference agnostic machine learning approach to find genes that are enriched for different species and regions.</a:t>
+            </a:r>
+          </a:p>
+        </p:txBody>
+      </p:sp>
+      <p:sp>
+        <p:nvSpPr>
+          <p:cNvPr id="6" name="Slide Number Placeholder 5">
+            <a:extLst>
+              <a:ext uri="{FF2B5EF4-FFF2-40B4-BE49-F238E27FC236}">
+                <a16:creationId xmlns:a16="http://schemas.microsoft.com/office/drawing/2014/main" id="{599A714F-DB9E-4795-AD3A-3E49D7BB3DF3}"/>
+              </a:ext>
+            </a:extLst>
+          </p:cNvPr>
+          <p:cNvSpPr>
+            <a:spLocks noGrp="1"/>
+          </p:cNvSpPr>
+          <p:nvPr>
+            <p:ph type="sldNum" sz="quarter" idx="12"/>
+          </p:nvPr>
+        </p:nvSpPr>
+        <p:spPr/>
+        <p:txBody>
+          <a:bodyPr/>
+          <a:lstStyle/>
+          <a:p>
+            <a:fld id="{366AF93E-BC9A-914B-B8AC-D14A91A40CBB}" type="slidenum">
+              <a:rPr lang="en-US" smtClean="0"/>
+              <a:t>21</a:t>
+            </a:fld>
+            <a:endParaRPr lang="en-US"/>
+          </a:p>
+        </p:txBody>
+      </p:sp>
+    </p:spTree>
+    <p:extLst>
+      <p:ext uri="{BB962C8B-B14F-4D97-AF65-F5344CB8AC3E}">
+        <p14:creationId xmlns:p14="http://schemas.microsoft.com/office/powerpoint/2010/main" val="3573537596"/>
+      </p:ext>
+    </p:extLst>
+  </p:cSld>
+  <p:clrMapOvr>
+    <a:masterClrMapping/>
+  </p:clrMapOvr>
+</p:sld>
+</file>
+
+<file path=ppt/slides/slide22.xml><?xml version="1.0" encoding="utf-8"?>
+<p:sld xmlns:a="http://schemas.openxmlformats.org/drawingml/2006/main" xmlns:r="http://schemas.openxmlformats.org/officeDocument/2006/relationships" xmlns:p="http://schemas.openxmlformats.org/presentationml/2006/main">
+  <p:cSld>
+    <p:spTree>
+      <p:nvGrpSpPr>
+        <p:cNvPr id="1" name=""/>
+        <p:cNvGrpSpPr/>
+        <p:nvPr/>
+      </p:nvGrpSpPr>
+      <p:grpSpPr>
+        <a:xfrm>
+          <a:off x="0" y="0"/>
+          <a:ext cx="0" cy="0"/>
+          <a:chOff x="0" y="0"/>
+          <a:chExt cx="0" cy="0"/>
+        </a:xfrm>
+      </p:grpSpPr>
+      <p:sp>
+        <p:nvSpPr>
+          <p:cNvPr id="2" name="Title 1">
+            <a:extLst>
+              <a:ext uri="{FF2B5EF4-FFF2-40B4-BE49-F238E27FC236}">
+                <a16:creationId xmlns:a16="http://schemas.microsoft.com/office/drawing/2014/main" id="{5B6E373C-A14C-4341-BE1D-1568CFDA71A0}"/>
+              </a:ext>
+            </a:extLst>
+          </p:cNvPr>
+          <p:cNvSpPr>
+            <a:spLocks noGrp="1"/>
+          </p:cNvSpPr>
+          <p:nvPr>
+            <p:ph type="title"/>
+          </p:nvPr>
+        </p:nvSpPr>
+        <p:spPr>
+          <a:xfrm>
+            <a:off x="838199" y="365125"/>
+            <a:ext cx="11010499" cy="1325563"/>
+          </a:xfrm>
+        </p:spPr>
+        <p:txBody>
+          <a:bodyPr/>
+          <a:lstStyle/>
+          <a:p>
+            <a:r>
+              <a:rPr lang="en-US" dirty="0">
+                <a:latin typeface="Garamond" panose="02020404030301010803" pitchFamily="18" charset="0"/>
+              </a:rPr>
+              <a:t>Aim 2</a:t>
+            </a:r>
+          </a:p>
+        </p:txBody>
+      </p:sp>
+      <p:sp>
+        <p:nvSpPr>
+          <p:cNvPr id="3" name="Content Placeholder 2">
+            <a:extLst>
+              <a:ext uri="{FF2B5EF4-FFF2-40B4-BE49-F238E27FC236}">
+                <a16:creationId xmlns:a16="http://schemas.microsoft.com/office/drawing/2014/main" id="{464A2D37-3E87-584A-A0D4-8B6E512E9D7E}"/>
+              </a:ext>
+            </a:extLst>
+          </p:cNvPr>
+          <p:cNvSpPr>
+            <a:spLocks noGrp="1"/>
+          </p:cNvSpPr>
+          <p:nvPr>
+            <p:ph idx="1"/>
+          </p:nvPr>
+        </p:nvSpPr>
+        <p:spPr/>
+        <p:txBody>
+          <a:bodyPr/>
+          <a:lstStyle/>
+          <a:p>
+            <a:r>
+              <a:rPr lang="en-US" dirty="0">
+                <a:latin typeface="Garamond" panose="02020404030301010803" pitchFamily="18" charset="0"/>
+              </a:rPr>
+              <a:t>WGS of </a:t>
+            </a:r>
+            <a:r>
+              <a:rPr lang="en-US" i="1" dirty="0">
+                <a:latin typeface="Garamond" panose="02020404030301010803" pitchFamily="18" charset="0"/>
+              </a:rPr>
+              <a:t>M. </a:t>
+            </a:r>
+            <a:r>
+              <a:rPr lang="en-US" i="1" dirty="0" err="1">
+                <a:latin typeface="Garamond" panose="02020404030301010803" pitchFamily="18" charset="0"/>
+              </a:rPr>
+              <a:t>bovis</a:t>
+            </a:r>
+            <a:r>
+              <a:rPr lang="en-US" i="1" dirty="0">
+                <a:latin typeface="Garamond" panose="02020404030301010803" pitchFamily="18" charset="0"/>
+              </a:rPr>
+              <a:t> </a:t>
+            </a:r>
+            <a:r>
+              <a:rPr lang="en-US" dirty="0">
+                <a:latin typeface="Garamond" panose="02020404030301010803" pitchFamily="18" charset="0"/>
+              </a:rPr>
+              <a:t>isolates will soon be a preferred way of characterizing isolates and surveilling transmission</a:t>
+            </a:r>
+          </a:p>
+          <a:p>
+            <a:pPr lvl="1"/>
+            <a:r>
+              <a:rPr lang="en-US" dirty="0">
+                <a:latin typeface="Garamond" panose="02020404030301010803" pitchFamily="18" charset="0"/>
+              </a:rPr>
+              <a:t>USDA </a:t>
+            </a:r>
+            <a:r>
+              <a:rPr lang="en-US" dirty="0" err="1">
+                <a:latin typeface="Garamond" panose="02020404030301010803" pitchFamily="18" charset="0"/>
+              </a:rPr>
+              <a:t>vSNP</a:t>
+            </a:r>
+            <a:r>
+              <a:rPr lang="en-US" dirty="0">
+                <a:latin typeface="Garamond" panose="02020404030301010803" pitchFamily="18" charset="0"/>
+              </a:rPr>
+              <a:t> pipeline</a:t>
+            </a:r>
+          </a:p>
+          <a:p>
+            <a:pPr lvl="1"/>
+            <a:r>
+              <a:rPr lang="en-US" dirty="0">
+                <a:latin typeface="Garamond" panose="02020404030301010803" pitchFamily="18" charset="0"/>
+              </a:rPr>
+              <a:t>Opportunity to improve</a:t>
+            </a:r>
+          </a:p>
+          <a:p>
+            <a:pPr lvl="2"/>
+            <a:r>
+              <a:rPr lang="en-US" dirty="0">
+                <a:latin typeface="Garamond" panose="02020404030301010803" pitchFamily="18" charset="0"/>
+              </a:rPr>
+              <a:t>software benchmarking</a:t>
+            </a:r>
+          </a:p>
+          <a:p>
+            <a:pPr lvl="2"/>
+            <a:r>
+              <a:rPr lang="en-US" dirty="0">
+                <a:latin typeface="Garamond" panose="02020404030301010803" pitchFamily="18" charset="0"/>
+              </a:rPr>
+              <a:t>Hidden Markov Model Alignment support (quicker reference based alignment)</a:t>
+            </a:r>
+          </a:p>
+          <a:p>
+            <a:pPr lvl="2"/>
+            <a:r>
+              <a:rPr lang="en-US" dirty="0">
+                <a:latin typeface="Garamond" panose="02020404030301010803" pitchFamily="18" charset="0"/>
+              </a:rPr>
+              <a:t>pipeline management software</a:t>
+            </a:r>
+          </a:p>
+          <a:p>
+            <a:pPr lvl="2"/>
+            <a:r>
+              <a:rPr lang="en-US" dirty="0">
+                <a:latin typeface="Garamond" panose="02020404030301010803" pitchFamily="18" charset="0"/>
+              </a:rPr>
+              <a:t>Automatic integration w/ </a:t>
+            </a:r>
+            <a:r>
+              <a:rPr lang="en-US" dirty="0" err="1">
+                <a:latin typeface="Garamond" panose="02020404030301010803" pitchFamily="18" charset="0"/>
+              </a:rPr>
+              <a:t>NextStrain</a:t>
+            </a:r>
+            <a:r>
+              <a:rPr lang="en-US" dirty="0">
+                <a:latin typeface="Garamond" panose="02020404030301010803" pitchFamily="18" charset="0"/>
+              </a:rPr>
+              <a:t> open source website</a:t>
+            </a:r>
+          </a:p>
+          <a:p>
+            <a:pPr lvl="1"/>
+            <a:r>
+              <a:rPr lang="en-US" dirty="0">
+                <a:latin typeface="Garamond" panose="02020404030301010803" pitchFamily="18" charset="0"/>
+              </a:rPr>
+              <a:t>Develop this pipeline and make it available to </a:t>
+            </a:r>
+            <a:r>
+              <a:rPr lang="en-US" i="1" dirty="0">
+                <a:latin typeface="Garamond" panose="02020404030301010803" pitchFamily="18" charset="0"/>
+              </a:rPr>
+              <a:t>M. </a:t>
+            </a:r>
+            <a:r>
+              <a:rPr lang="en-US" i="1" dirty="0" err="1">
+                <a:latin typeface="Garamond" panose="02020404030301010803" pitchFamily="18" charset="0"/>
+              </a:rPr>
+              <a:t>bovis</a:t>
+            </a:r>
+            <a:r>
+              <a:rPr lang="en-US" i="1" dirty="0">
+                <a:latin typeface="Garamond" panose="02020404030301010803" pitchFamily="18" charset="0"/>
+              </a:rPr>
+              <a:t> </a:t>
+            </a:r>
+            <a:r>
+              <a:rPr lang="en-US" dirty="0">
+                <a:latin typeface="Garamond" panose="02020404030301010803" pitchFamily="18" charset="0"/>
+              </a:rPr>
+              <a:t>research community</a:t>
+            </a:r>
+          </a:p>
+          <a:p>
+            <a:pPr marL="457200" lvl="1" indent="0">
+              <a:buNone/>
+            </a:pPr>
+            <a:endParaRPr lang="en-US" dirty="0">
+              <a:latin typeface="Garamond" panose="02020404030301010803" pitchFamily="18" charset="0"/>
+            </a:endParaRPr>
+          </a:p>
+        </p:txBody>
+      </p:sp>
+      <p:sp>
+        <p:nvSpPr>
+          <p:cNvPr id="4" name="Rectangle 3">
+            <a:extLst>
+              <a:ext uri="{FF2B5EF4-FFF2-40B4-BE49-F238E27FC236}">
+                <a16:creationId xmlns:a16="http://schemas.microsoft.com/office/drawing/2014/main" id="{D83F403F-2A50-1342-92B9-79151067BC75}"/>
+              </a:ext>
+            </a:extLst>
+          </p:cNvPr>
+          <p:cNvSpPr/>
+          <p:nvPr/>
+        </p:nvSpPr>
+        <p:spPr>
+          <a:xfrm>
+            <a:off x="0" y="0"/>
+            <a:ext cx="2768138" cy="365125"/>
+          </a:xfrm>
+          <a:prstGeom prst="rect">
+            <a:avLst/>
+          </a:prstGeom>
+          <a:solidFill>
+            <a:schemeClr val="accent1">
+              <a:lumMod val="40000"/>
+              <a:lumOff val="60000"/>
+            </a:schemeClr>
+          </a:solidFill>
+          <a:ln>
+            <a:solidFill>
+              <a:schemeClr val="accent1">
+                <a:lumMod val="40000"/>
+                <a:lumOff val="60000"/>
+              </a:schemeClr>
+            </a:solidFill>
+          </a:ln>
+        </p:spPr>
+        <p:style>
+          <a:lnRef idx="2">
+            <a:schemeClr val="accent1">
+              <a:shade val="50000"/>
+            </a:schemeClr>
+          </a:lnRef>
+          <a:fillRef idx="1">
+            <a:schemeClr val="accent1"/>
+          </a:fillRef>
+          <a:effectRef idx="0">
+            <a:schemeClr val="accent1"/>
+          </a:effectRef>
+          <a:fontRef idx="minor">
+            <a:schemeClr val="lt1"/>
+          </a:fontRef>
+        </p:style>
+        <p:txBody>
+          <a:bodyPr rtlCol="0" anchor="ctr"/>
+          <a:lstStyle/>
+          <a:p>
+            <a:r>
+              <a:rPr lang="en-US" dirty="0">
+                <a:latin typeface="Garamond" panose="02020404030301010803" pitchFamily="18" charset="0"/>
+              </a:rPr>
+              <a:t>Specific Aims</a:t>
+            </a:r>
+          </a:p>
+        </p:txBody>
+      </p:sp>
+      <p:sp>
+        <p:nvSpPr>
+          <p:cNvPr id="5" name="Rectangle 4">
+            <a:extLst>
+              <a:ext uri="{FF2B5EF4-FFF2-40B4-BE49-F238E27FC236}">
+                <a16:creationId xmlns:a16="http://schemas.microsoft.com/office/drawing/2014/main" id="{7F20DE00-CE02-4845-91E4-D05035750B10}"/>
+              </a:ext>
+            </a:extLst>
+          </p:cNvPr>
+          <p:cNvSpPr/>
+          <p:nvPr/>
+        </p:nvSpPr>
+        <p:spPr>
+          <a:xfrm>
+            <a:off x="2768138" y="0"/>
+            <a:ext cx="9423862" cy="365125"/>
+          </a:xfrm>
+          <a:prstGeom prst="rect">
+            <a:avLst/>
+          </a:prstGeom>
+          <a:solidFill>
+            <a:schemeClr val="bg2">
+              <a:lumMod val="75000"/>
+            </a:schemeClr>
+          </a:solidFill>
+          <a:ln>
+            <a:solidFill>
+              <a:schemeClr val="bg2">
+                <a:lumMod val="75000"/>
+              </a:schemeClr>
+            </a:solidFill>
+          </a:ln>
+        </p:spPr>
+        <p:style>
+          <a:lnRef idx="2">
+            <a:schemeClr val="accent1">
+              <a:shade val="50000"/>
+            </a:schemeClr>
+          </a:lnRef>
+          <a:fillRef idx="1">
+            <a:schemeClr val="accent1"/>
+          </a:fillRef>
+          <a:effectRef idx="0">
+            <a:schemeClr val="accent1"/>
+          </a:effectRef>
+          <a:fontRef idx="minor">
+            <a:schemeClr val="lt1"/>
+          </a:fontRef>
+        </p:style>
+        <p:txBody>
+          <a:bodyPr rtlCol="0" anchor="ctr"/>
+          <a:lstStyle/>
+          <a:p>
+            <a:r>
+              <a:rPr lang="en-US" sz="1400" dirty="0">
+                <a:latin typeface="Garamond" panose="02020404030301010803" pitchFamily="18" charset="0"/>
+              </a:rPr>
+              <a:t>Aim 2 - Develop a </a:t>
+            </a:r>
+            <a:r>
+              <a:rPr lang="en-US" sz="1400" i="1" dirty="0">
+                <a:latin typeface="Garamond" panose="02020404030301010803" pitchFamily="18" charset="0"/>
+              </a:rPr>
+              <a:t>M. </a:t>
+            </a:r>
+            <a:r>
+              <a:rPr lang="en-US" sz="1400" i="1" dirty="0" err="1">
+                <a:latin typeface="Garamond" panose="02020404030301010803" pitchFamily="18" charset="0"/>
+              </a:rPr>
+              <a:t>bovis</a:t>
+            </a:r>
+            <a:r>
+              <a:rPr lang="en-US" sz="1400" dirty="0">
+                <a:latin typeface="Garamond" panose="02020404030301010803" pitchFamily="18" charset="0"/>
+              </a:rPr>
+              <a:t> WGS genotyping pipeline for continual pathogen surveillance.</a:t>
+            </a:r>
+          </a:p>
+        </p:txBody>
+      </p:sp>
+      <p:sp>
+        <p:nvSpPr>
+          <p:cNvPr id="6" name="Slide Number Placeholder 5">
+            <a:extLst>
+              <a:ext uri="{FF2B5EF4-FFF2-40B4-BE49-F238E27FC236}">
+                <a16:creationId xmlns:a16="http://schemas.microsoft.com/office/drawing/2014/main" id="{42C3CCAF-8A34-4929-BEDE-E60393AAE207}"/>
+              </a:ext>
+            </a:extLst>
+          </p:cNvPr>
+          <p:cNvSpPr>
+            <a:spLocks noGrp="1"/>
+          </p:cNvSpPr>
+          <p:nvPr>
+            <p:ph type="sldNum" sz="quarter" idx="12"/>
+          </p:nvPr>
+        </p:nvSpPr>
+        <p:spPr/>
+        <p:txBody>
+          <a:bodyPr/>
+          <a:lstStyle/>
+          <a:p>
+            <a:fld id="{366AF93E-BC9A-914B-B8AC-D14A91A40CBB}" type="slidenum">
+              <a:rPr lang="en-US" smtClean="0"/>
+              <a:t>22</a:t>
+            </a:fld>
+            <a:endParaRPr lang="en-US"/>
+          </a:p>
+        </p:txBody>
+      </p:sp>
+    </p:spTree>
+    <p:extLst>
+      <p:ext uri="{BB962C8B-B14F-4D97-AF65-F5344CB8AC3E}">
+        <p14:creationId xmlns:p14="http://schemas.microsoft.com/office/powerpoint/2010/main" val="2152640410"/>
+      </p:ext>
+    </p:extLst>
+  </p:cSld>
+  <p:clrMapOvr>
+    <a:masterClrMapping/>
+  </p:clrMapOvr>
+</p:sld>
+</file>
+
+<file path=ppt/slides/slide23.xml><?xml version="1.0" encoding="utf-8"?>
+<p:sld xmlns:a="http://schemas.openxmlformats.org/drawingml/2006/main" xmlns:r="http://schemas.openxmlformats.org/officeDocument/2006/relationships" xmlns:p="http://schemas.openxmlformats.org/presentationml/2006/main">
+  <p:cSld>
+    <p:spTree>
+      <p:nvGrpSpPr>
+        <p:cNvPr id="1" name=""/>
+        <p:cNvGrpSpPr/>
+        <p:nvPr/>
+      </p:nvGrpSpPr>
+      <p:grpSpPr>
+        <a:xfrm>
+          <a:off x="0" y="0"/>
+          <a:ext cx="0" cy="0"/>
+          <a:chOff x="0" y="0"/>
+          <a:chExt cx="0" cy="0"/>
+        </a:xfrm>
+      </p:grpSpPr>
+      <p:sp>
+        <p:nvSpPr>
+          <p:cNvPr id="2" name="Title 1">
+            <a:extLst>
+              <a:ext uri="{FF2B5EF4-FFF2-40B4-BE49-F238E27FC236}">
+                <a16:creationId xmlns:a16="http://schemas.microsoft.com/office/drawing/2014/main" id="{5B6E373C-A14C-4341-BE1D-1568CFDA71A0}"/>
+              </a:ext>
+            </a:extLst>
+          </p:cNvPr>
+          <p:cNvSpPr>
+            <a:spLocks noGrp="1"/>
+          </p:cNvSpPr>
+          <p:nvPr>
+            <p:ph type="title"/>
+          </p:nvPr>
+        </p:nvSpPr>
+        <p:spPr>
+          <a:xfrm>
+            <a:off x="838199" y="365125"/>
+            <a:ext cx="11010499" cy="1325563"/>
+          </a:xfrm>
+        </p:spPr>
+        <p:txBody>
+          <a:bodyPr/>
+          <a:lstStyle/>
+          <a:p>
+            <a:r>
+              <a:rPr lang="en-US" dirty="0">
+                <a:latin typeface="Garamond" panose="02020404030301010803" pitchFamily="18" charset="0"/>
+              </a:rPr>
+              <a:t>Aim 3 </a:t>
+            </a:r>
+          </a:p>
+        </p:txBody>
+      </p:sp>
+      <p:sp>
+        <p:nvSpPr>
+          <p:cNvPr id="3" name="Content Placeholder 2">
+            <a:extLst>
+              <a:ext uri="{FF2B5EF4-FFF2-40B4-BE49-F238E27FC236}">
+                <a16:creationId xmlns:a16="http://schemas.microsoft.com/office/drawing/2014/main" id="{464A2D37-3E87-584A-A0D4-8B6E512E9D7E}"/>
+              </a:ext>
+            </a:extLst>
+          </p:cNvPr>
+          <p:cNvSpPr>
+            <a:spLocks noGrp="1"/>
+          </p:cNvSpPr>
+          <p:nvPr>
+            <p:ph idx="1"/>
+          </p:nvPr>
+        </p:nvSpPr>
+        <p:spPr/>
+        <p:txBody>
+          <a:bodyPr>
+            <a:normAutofit fontScale="92500" lnSpcReduction="10000"/>
+          </a:bodyPr>
+          <a:lstStyle/>
+          <a:p>
+            <a:r>
+              <a:rPr lang="en-US" dirty="0" err="1">
+                <a:latin typeface="Garamond" panose="02020404030301010803" pitchFamily="18" charset="0"/>
+              </a:rPr>
+              <a:t>Phylodynamics</a:t>
+            </a:r>
+            <a:r>
+              <a:rPr lang="en-US" dirty="0">
+                <a:latin typeface="Garamond" panose="02020404030301010803" pitchFamily="18" charset="0"/>
+              </a:rPr>
+              <a:t>: defined as the study of how epidemiological, immunological, and evolutionary processes act and potentially interact to shape phylogeny.</a:t>
+            </a:r>
+          </a:p>
+          <a:p>
+            <a:pPr lvl="1"/>
+            <a:r>
+              <a:rPr lang="en-US" dirty="0">
+                <a:latin typeface="Garamond" panose="02020404030301010803" pitchFamily="18" charset="0"/>
+              </a:rPr>
+              <a:t>Bayesian framework useful for outbreak investigation.</a:t>
+            </a:r>
+          </a:p>
+          <a:p>
+            <a:pPr lvl="1"/>
+            <a:r>
+              <a:rPr lang="en-US" dirty="0">
+                <a:latin typeface="Garamond" panose="02020404030301010803" pitchFamily="18" charset="0"/>
+              </a:rPr>
+              <a:t>Transition rates between different states (Host jumps, geographic diffusion).</a:t>
+            </a:r>
+          </a:p>
+          <a:p>
+            <a:pPr lvl="1"/>
+            <a:r>
+              <a:rPr lang="en-US" dirty="0">
+                <a:latin typeface="Garamond" panose="02020404030301010803" pitchFamily="18" charset="0"/>
+              </a:rPr>
+              <a:t>Integration of ecological &amp; anthropogenic factors to see what influences these transitions.</a:t>
+            </a:r>
+          </a:p>
+          <a:p>
+            <a:r>
+              <a:rPr lang="en-US" dirty="0">
+                <a:latin typeface="Garamond" panose="02020404030301010803" pitchFamily="18" charset="0"/>
+              </a:rPr>
+              <a:t>For </a:t>
+            </a:r>
+            <a:r>
+              <a:rPr lang="en-US" i="1" dirty="0">
+                <a:latin typeface="Garamond" panose="02020404030301010803" pitchFamily="18" charset="0"/>
+              </a:rPr>
+              <a:t>M. </a:t>
+            </a:r>
+            <a:r>
+              <a:rPr lang="en-US" i="1" dirty="0" err="1">
+                <a:latin typeface="Garamond" panose="02020404030301010803" pitchFamily="18" charset="0"/>
+              </a:rPr>
+              <a:t>bovis</a:t>
+            </a:r>
+            <a:r>
+              <a:rPr lang="en-US" i="1" dirty="0">
+                <a:latin typeface="Garamond" panose="02020404030301010803" pitchFamily="18" charset="0"/>
+              </a:rPr>
+              <a:t>, </a:t>
+            </a:r>
+            <a:r>
+              <a:rPr lang="en-US" dirty="0">
+                <a:latin typeface="Garamond" panose="02020404030301010803" pitchFamily="18" charset="0"/>
+              </a:rPr>
+              <a:t>multiple studies employ </a:t>
+            </a:r>
+            <a:r>
+              <a:rPr lang="en-US" dirty="0" err="1">
+                <a:latin typeface="Garamond" panose="02020404030301010803" pitchFamily="18" charset="0"/>
+              </a:rPr>
+              <a:t>phylodynamics</a:t>
+            </a:r>
+            <a:r>
+              <a:rPr lang="en-US" dirty="0">
+                <a:latin typeface="Garamond" panose="02020404030301010803" pitchFamily="18" charset="0"/>
+              </a:rPr>
+              <a:t>, but literature review shows no study has investigated how these factors influence transmission dynamics.</a:t>
+            </a:r>
+          </a:p>
+          <a:p>
+            <a:pPr lvl="1"/>
+            <a:r>
+              <a:rPr lang="en-US" dirty="0">
+                <a:latin typeface="Garamond" panose="02020404030301010803" pitchFamily="18" charset="0"/>
+              </a:rPr>
+              <a:t>Collect ecological data based on temporal, spatial parameters</a:t>
+            </a:r>
+          </a:p>
+          <a:p>
+            <a:pPr lvl="1"/>
+            <a:r>
+              <a:rPr lang="en-US" dirty="0">
+                <a:latin typeface="Garamond" panose="02020404030301010803" pitchFamily="18" charset="0"/>
+              </a:rPr>
+              <a:t>Collect sequence data compiled from Aim 2</a:t>
+            </a:r>
+          </a:p>
+          <a:p>
+            <a:pPr lvl="1"/>
+            <a:r>
+              <a:rPr lang="en-US" dirty="0">
+                <a:latin typeface="Garamond" panose="02020404030301010803" pitchFamily="18" charset="0"/>
+              </a:rPr>
+              <a:t>Utilize a generalized linear model approach to insinuate which factors contribute to transmission between regions.  </a:t>
+            </a:r>
+          </a:p>
+        </p:txBody>
+      </p:sp>
+      <p:sp>
+        <p:nvSpPr>
+          <p:cNvPr id="4" name="Rectangle 3">
+            <a:extLst>
+              <a:ext uri="{FF2B5EF4-FFF2-40B4-BE49-F238E27FC236}">
+                <a16:creationId xmlns:a16="http://schemas.microsoft.com/office/drawing/2014/main" id="{2650E640-CF92-0B42-8FF5-13C514D7D4DA}"/>
+              </a:ext>
+            </a:extLst>
+          </p:cNvPr>
+          <p:cNvSpPr/>
+          <p:nvPr/>
+        </p:nvSpPr>
+        <p:spPr>
+          <a:xfrm>
+            <a:off x="0" y="0"/>
+            <a:ext cx="2768138" cy="365125"/>
+          </a:xfrm>
+          <a:prstGeom prst="rect">
+            <a:avLst/>
+          </a:prstGeom>
+          <a:solidFill>
+            <a:schemeClr val="accent1">
+              <a:lumMod val="40000"/>
+              <a:lumOff val="60000"/>
+            </a:schemeClr>
+          </a:solidFill>
+          <a:ln>
+            <a:solidFill>
+              <a:schemeClr val="accent1">
+                <a:lumMod val="40000"/>
+                <a:lumOff val="60000"/>
+              </a:schemeClr>
+            </a:solidFill>
+          </a:ln>
+        </p:spPr>
+        <p:style>
+          <a:lnRef idx="2">
+            <a:schemeClr val="accent1">
+              <a:shade val="50000"/>
+            </a:schemeClr>
+          </a:lnRef>
+          <a:fillRef idx="1">
+            <a:schemeClr val="accent1"/>
+          </a:fillRef>
+          <a:effectRef idx="0">
+            <a:schemeClr val="accent1"/>
+          </a:effectRef>
+          <a:fontRef idx="minor">
+            <a:schemeClr val="lt1"/>
+          </a:fontRef>
+        </p:style>
+        <p:txBody>
+          <a:bodyPr rtlCol="0" anchor="ctr"/>
+          <a:lstStyle/>
+          <a:p>
+            <a:r>
+              <a:rPr lang="en-US" dirty="0">
+                <a:latin typeface="Garamond" panose="02020404030301010803" pitchFamily="18" charset="0"/>
+              </a:rPr>
+              <a:t>Specific Aims</a:t>
+            </a:r>
+          </a:p>
+        </p:txBody>
+      </p:sp>
+      <p:sp>
+        <p:nvSpPr>
+          <p:cNvPr id="5" name="Rectangle 4">
+            <a:extLst>
+              <a:ext uri="{FF2B5EF4-FFF2-40B4-BE49-F238E27FC236}">
+                <a16:creationId xmlns:a16="http://schemas.microsoft.com/office/drawing/2014/main" id="{25585667-44ED-724A-B2A3-FB7A4951F8CA}"/>
+              </a:ext>
+            </a:extLst>
+          </p:cNvPr>
+          <p:cNvSpPr/>
+          <p:nvPr/>
+        </p:nvSpPr>
+        <p:spPr>
+          <a:xfrm>
+            <a:off x="2768138" y="0"/>
+            <a:ext cx="9423862" cy="365125"/>
+          </a:xfrm>
+          <a:prstGeom prst="rect">
+            <a:avLst/>
+          </a:prstGeom>
+          <a:solidFill>
+            <a:schemeClr val="bg2">
+              <a:lumMod val="75000"/>
+            </a:schemeClr>
+          </a:solidFill>
+          <a:ln>
+            <a:solidFill>
+              <a:schemeClr val="bg2">
+                <a:lumMod val="75000"/>
+              </a:schemeClr>
+            </a:solidFill>
+          </a:ln>
+        </p:spPr>
+        <p:style>
+          <a:lnRef idx="2">
+            <a:schemeClr val="accent1">
+              <a:shade val="50000"/>
+            </a:schemeClr>
+          </a:lnRef>
+          <a:fillRef idx="1">
+            <a:schemeClr val="accent1"/>
+          </a:fillRef>
+          <a:effectRef idx="0">
+            <a:schemeClr val="accent1"/>
+          </a:effectRef>
+          <a:fontRef idx="minor">
+            <a:schemeClr val="lt1"/>
+          </a:fontRef>
+        </p:style>
+        <p:txBody>
+          <a:bodyPr rtlCol="0" anchor="ctr"/>
+          <a:lstStyle/>
+          <a:p>
+            <a:r>
+              <a:rPr lang="en-US" sz="1400" dirty="0">
+                <a:latin typeface="Garamond" panose="02020404030301010803" pitchFamily="18" charset="0"/>
+              </a:rPr>
               <a:t>Aim 3 - Utilize a Bayesian framework to analyze a </a:t>
             </a:r>
             <a:r>
@@ -7069,6 +8013,35 @@
               </a:rPr>
               <a:t>time-tree for understanding anthropogenic and ecological factors that impact transmission. </a:t>
             </a:r>
+          </a:p>
+        </p:txBody>
+      </p:sp>
+      <p:sp>
+        <p:nvSpPr>
+          <p:cNvPr id="6" name="Slide Number Placeholder 5">
+            <a:extLst>
+              <a:ext uri="{FF2B5EF4-FFF2-40B4-BE49-F238E27FC236}">
+                <a16:creationId xmlns:a16="http://schemas.microsoft.com/office/drawing/2014/main" id="{EB0A382D-56C5-4622-8D5C-3059D21A5988}"/>
+              </a:ext>
+            </a:extLst>
+          </p:cNvPr>
+          <p:cNvSpPr>
+            <a:spLocks noGrp="1"/>
+          </p:cNvSpPr>
+          <p:nvPr>
+            <p:ph type="sldNum" sz="quarter" idx="12"/>
+          </p:nvPr>
+        </p:nvSpPr>
+        <p:spPr/>
+        <p:txBody>
+          <a:bodyPr/>
+          <a:lstStyle/>
+          <a:p>
+            <a:fld id="{366AF93E-BC9A-914B-B8AC-D14A91A40CBB}" type="slidenum">
+              <a:rPr lang="en-US" smtClean="0"/>
+              <a:t>23</a:t>
+            </a:fld>
+            <a:endParaRPr lang="en-US"/>
           </a:p>
         </p:txBody>
       </p:sp>
@@ -7085,7 +8058,7 @@
 </p:sld>
 </file>
 
-<file path=ppt/slides/slide22.xml><?xml version="1.0" encoding="utf-8"?>
+<file path=ppt/slides/slide24.xml><?xml version="1.0" encoding="utf-8"?>
 <p:sld xmlns:a="http://schemas.openxmlformats.org/drawingml/2006/main" xmlns:r="http://schemas.openxmlformats.org/officeDocument/2006/relationships" xmlns:p="http://schemas.openxmlformats.org/presentationml/2006/main">
   <p:cSld>
     <p:spTree>
@@ -7776,6 +8749,35 @@
           </a:p>
         </p:txBody>
       </p:sp>
+      <p:sp>
+        <p:nvSpPr>
+          <p:cNvPr id="3" name="Slide Number Placeholder 2">
+            <a:extLst>
+              <a:ext uri="{FF2B5EF4-FFF2-40B4-BE49-F238E27FC236}">
+                <a16:creationId xmlns:a16="http://schemas.microsoft.com/office/drawing/2014/main" id="{E19EE122-3F52-43C0-8369-0661C7516C64}"/>
+              </a:ext>
+            </a:extLst>
+          </p:cNvPr>
+          <p:cNvSpPr>
+            <a:spLocks noGrp="1"/>
+          </p:cNvSpPr>
+          <p:nvPr>
+            <p:ph type="sldNum" sz="quarter" idx="12"/>
+          </p:nvPr>
+        </p:nvSpPr>
+        <p:spPr/>
+        <p:txBody>
+          <a:bodyPr/>
+          <a:lstStyle/>
+          <a:p>
+            <a:fld id="{366AF93E-BC9A-914B-B8AC-D14A91A40CBB}" type="slidenum">
+              <a:rPr lang="en-US" smtClean="0"/>
+              <a:t>24</a:t>
+            </a:fld>
+            <a:endParaRPr lang="en-US"/>
+          </a:p>
+        </p:txBody>
+      </p:sp>
     </p:spTree>
     <p:extLst>
       <p:ext uri="{BB962C8B-B14F-4D97-AF65-F5344CB8AC3E}">
@@ -7789,7 +8791,7 @@
 </p:sld>
 </file>
 
-<file path=ppt/slides/slide23.xml><?xml version="1.0" encoding="utf-8"?>
+<file path=ppt/slides/slide25.xml><?xml version="1.0" encoding="utf-8"?>
 <p:sld xmlns:a="http://schemas.openxmlformats.org/drawingml/2006/main" xmlns:r="http://schemas.openxmlformats.org/officeDocument/2006/relationships" xmlns:p="http://schemas.openxmlformats.org/presentationml/2006/main">
   <p:cSld>
     <p:spTree>
@@ -7862,6 +8864,35 @@
             <a:endParaRPr lang="en-US" dirty="0">
               <a:latin typeface="Garamond" panose="02020404030301010803" pitchFamily="18" charset="0"/>
             </a:endParaRPr>
+          </a:p>
+        </p:txBody>
+      </p:sp>
+      <p:sp>
+        <p:nvSpPr>
+          <p:cNvPr id="4" name="Slide Number Placeholder 3">
+            <a:extLst>
+              <a:ext uri="{FF2B5EF4-FFF2-40B4-BE49-F238E27FC236}">
+                <a16:creationId xmlns:a16="http://schemas.microsoft.com/office/drawing/2014/main" id="{62B47EA8-EA41-47D9-953A-77BA09900186}"/>
+              </a:ext>
+            </a:extLst>
+          </p:cNvPr>
+          <p:cNvSpPr>
+            <a:spLocks noGrp="1"/>
+          </p:cNvSpPr>
+          <p:nvPr>
+            <p:ph type="sldNum" sz="quarter" idx="12"/>
+          </p:nvPr>
+        </p:nvSpPr>
+        <p:spPr/>
+        <p:txBody>
+          <a:bodyPr/>
+          <a:lstStyle/>
+          <a:p>
+            <a:fld id="{366AF93E-BC9A-914B-B8AC-D14A91A40CBB}" type="slidenum">
+              <a:rPr lang="en-US" smtClean="0"/>
+              <a:t>25</a:t>
+            </a:fld>
+            <a:endParaRPr lang="en-US"/>
           </a:p>
         </p:txBody>
       </p:sp>
@@ -8316,6 +9347,35 @@
           </a:extLst>
         </p:spPr>
       </p:pic>
+      <p:sp>
+        <p:nvSpPr>
+          <p:cNvPr id="4" name="Slide Number Placeholder 3">
+            <a:extLst>
+              <a:ext uri="{FF2B5EF4-FFF2-40B4-BE49-F238E27FC236}">
+                <a16:creationId xmlns:a16="http://schemas.microsoft.com/office/drawing/2014/main" id="{9B44AD4F-5561-4F95-8336-BF2693694EF2}"/>
+              </a:ext>
+            </a:extLst>
+          </p:cNvPr>
+          <p:cNvSpPr>
+            <a:spLocks noGrp="1"/>
+          </p:cNvSpPr>
+          <p:nvPr>
+            <p:ph type="sldNum" sz="quarter" idx="12"/>
+          </p:nvPr>
+        </p:nvSpPr>
+        <p:spPr/>
+        <p:txBody>
+          <a:bodyPr/>
+          <a:lstStyle/>
+          <a:p>
+            <a:fld id="{366AF93E-BC9A-914B-B8AC-D14A91A40CBB}" type="slidenum">
+              <a:rPr lang="en-US" smtClean="0"/>
+              <a:t>3</a:t>
+            </a:fld>
+            <a:endParaRPr lang="en-US"/>
+          </a:p>
+        </p:txBody>
+      </p:sp>
     </p:spTree>
     <p:extLst>
       <p:ext uri="{BB962C8B-B14F-4D97-AF65-F5344CB8AC3E}">
@@ -9850,6 +10910,35 @@
           </a:fontRef>
         </p:style>
       </p:cxnSp>
+      <p:sp>
+        <p:nvSpPr>
+          <p:cNvPr id="4" name="Slide Number Placeholder 3">
+            <a:extLst>
+              <a:ext uri="{FF2B5EF4-FFF2-40B4-BE49-F238E27FC236}">
+                <a16:creationId xmlns:a16="http://schemas.microsoft.com/office/drawing/2014/main" id="{046C4DE2-14EB-4402-A420-D67435703AC9}"/>
+              </a:ext>
+            </a:extLst>
+          </p:cNvPr>
+          <p:cNvSpPr>
+            <a:spLocks noGrp="1"/>
+          </p:cNvSpPr>
+          <p:nvPr>
+            <p:ph type="sldNum" sz="quarter" idx="12"/>
+          </p:nvPr>
+        </p:nvSpPr>
+        <p:spPr/>
+        <p:txBody>
+          <a:bodyPr/>
+          <a:lstStyle/>
+          <a:p>
+            <a:fld id="{366AF93E-BC9A-914B-B8AC-D14A91A40CBB}" type="slidenum">
+              <a:rPr lang="en-US" smtClean="0"/>
+              <a:t>4</a:t>
+            </a:fld>
+            <a:endParaRPr lang="en-US"/>
+          </a:p>
+        </p:txBody>
+      </p:sp>
     </p:spTree>
     <p:extLst>
       <p:ext uri="{BB962C8B-B14F-4D97-AF65-F5344CB8AC3E}">
@@ -11082,6 +12171,35 @@
           </a:fontRef>
         </p:style>
       </p:cxnSp>
+      <p:sp>
+        <p:nvSpPr>
+          <p:cNvPr id="4" name="Slide Number Placeholder 3">
+            <a:extLst>
+              <a:ext uri="{FF2B5EF4-FFF2-40B4-BE49-F238E27FC236}">
+                <a16:creationId xmlns:a16="http://schemas.microsoft.com/office/drawing/2014/main" id="{D32A31E9-2DE1-41CA-871F-C9A4092FEDD2}"/>
+              </a:ext>
+            </a:extLst>
+          </p:cNvPr>
+          <p:cNvSpPr>
+            <a:spLocks noGrp="1"/>
+          </p:cNvSpPr>
+          <p:nvPr>
+            <p:ph type="sldNum" sz="quarter" idx="12"/>
+          </p:nvPr>
+        </p:nvSpPr>
+        <p:spPr/>
+        <p:txBody>
+          <a:bodyPr/>
+          <a:lstStyle/>
+          <a:p>
+            <a:fld id="{366AF93E-BC9A-914B-B8AC-D14A91A40CBB}" type="slidenum">
+              <a:rPr lang="en-US" smtClean="0"/>
+              <a:t>5</a:t>
+            </a:fld>
+            <a:endParaRPr lang="en-US"/>
+          </a:p>
+        </p:txBody>
+      </p:sp>
     </p:spTree>
     <p:extLst>
       <p:ext uri="{BB962C8B-B14F-4D97-AF65-F5344CB8AC3E}">
@@ -12584,6 +13702,35 @@
           </a:p>
         </p:txBody>
       </p:sp>
+      <p:sp>
+        <p:nvSpPr>
+          <p:cNvPr id="4" name="Slide Number Placeholder 3">
+            <a:extLst>
+              <a:ext uri="{FF2B5EF4-FFF2-40B4-BE49-F238E27FC236}">
+                <a16:creationId xmlns:a16="http://schemas.microsoft.com/office/drawing/2014/main" id="{EAA0E5D7-033D-4D0D-AA3C-D6EB83F84A10}"/>
+              </a:ext>
+            </a:extLst>
+          </p:cNvPr>
+          <p:cNvSpPr>
+            <a:spLocks noGrp="1"/>
+          </p:cNvSpPr>
+          <p:nvPr>
+            <p:ph type="sldNum" sz="quarter" idx="12"/>
+          </p:nvPr>
+        </p:nvSpPr>
+        <p:spPr/>
+        <p:txBody>
+          <a:bodyPr/>
+          <a:lstStyle/>
+          <a:p>
+            <a:fld id="{366AF93E-BC9A-914B-B8AC-D14A91A40CBB}" type="slidenum">
+              <a:rPr lang="en-US" smtClean="0"/>
+              <a:t>6</a:t>
+            </a:fld>
+            <a:endParaRPr lang="en-US"/>
+          </a:p>
+        </p:txBody>
+      </p:sp>
     </p:spTree>
     <p:extLst>
       <p:ext uri="{BB962C8B-B14F-4D97-AF65-F5344CB8AC3E}">
@@ -14075,6 +15222,35 @@
           </a:fontRef>
         </p:style>
       </p:cxnSp>
+      <p:sp>
+        <p:nvSpPr>
+          <p:cNvPr id="4" name="Slide Number Placeholder 3">
+            <a:extLst>
+              <a:ext uri="{FF2B5EF4-FFF2-40B4-BE49-F238E27FC236}">
+                <a16:creationId xmlns:a16="http://schemas.microsoft.com/office/drawing/2014/main" id="{A59C7F0E-000E-440E-936B-E49752A518AE}"/>
+              </a:ext>
+            </a:extLst>
+          </p:cNvPr>
+          <p:cNvSpPr>
+            <a:spLocks noGrp="1"/>
+          </p:cNvSpPr>
+          <p:nvPr>
+            <p:ph type="sldNum" sz="quarter" idx="12"/>
+          </p:nvPr>
+        </p:nvSpPr>
+        <p:spPr/>
+        <p:txBody>
+          <a:bodyPr/>
+          <a:lstStyle/>
+          <a:p>
+            <a:fld id="{366AF93E-BC9A-914B-B8AC-D14A91A40CBB}" type="slidenum">
+              <a:rPr lang="en-US" smtClean="0"/>
+              <a:t>7</a:t>
+            </a:fld>
+            <a:endParaRPr lang="en-US"/>
+          </a:p>
+        </p:txBody>
+      </p:sp>
     </p:spTree>
     <p:extLst>
       <p:ext uri="{BB962C8B-B14F-4D97-AF65-F5344CB8AC3E}">
@@ -15809,6 +16985,35 @@
           </a:p>
         </p:txBody>
       </p:sp>
+      <p:sp>
+        <p:nvSpPr>
+          <p:cNvPr id="4" name="Slide Number Placeholder 3">
+            <a:extLst>
+              <a:ext uri="{FF2B5EF4-FFF2-40B4-BE49-F238E27FC236}">
+                <a16:creationId xmlns:a16="http://schemas.microsoft.com/office/drawing/2014/main" id="{56D10517-5323-4137-8A8B-56178862C874}"/>
+              </a:ext>
+            </a:extLst>
+          </p:cNvPr>
+          <p:cNvSpPr>
+            <a:spLocks noGrp="1"/>
+          </p:cNvSpPr>
+          <p:nvPr>
+            <p:ph type="sldNum" sz="quarter" idx="12"/>
+          </p:nvPr>
+        </p:nvSpPr>
+        <p:spPr/>
+        <p:txBody>
+          <a:bodyPr/>
+          <a:lstStyle/>
+          <a:p>
+            <a:fld id="{366AF93E-BC9A-914B-B8AC-D14A91A40CBB}" type="slidenum">
+              <a:rPr lang="en-US" smtClean="0"/>
+              <a:t>8</a:t>
+            </a:fld>
+            <a:endParaRPr lang="en-US"/>
+          </a:p>
+        </p:txBody>
+      </p:sp>
     </p:spTree>
     <p:extLst>
       <p:ext uri="{BB962C8B-B14F-4D97-AF65-F5344CB8AC3E}">
@@ -16620,6 +17825,35 @@
           </a:extLst>
         </p:spPr>
       </p:pic>
+      <p:sp>
+        <p:nvSpPr>
+          <p:cNvPr id="4" name="Slide Number Placeholder 3">
+            <a:extLst>
+              <a:ext uri="{FF2B5EF4-FFF2-40B4-BE49-F238E27FC236}">
+                <a16:creationId xmlns:a16="http://schemas.microsoft.com/office/drawing/2014/main" id="{9F8842F0-F6BA-4482-97E9-BC5967D9E68A}"/>
+              </a:ext>
+            </a:extLst>
+          </p:cNvPr>
+          <p:cNvSpPr>
+            <a:spLocks noGrp="1"/>
+          </p:cNvSpPr>
+          <p:nvPr>
+            <p:ph type="sldNum" sz="quarter" idx="12"/>
+          </p:nvPr>
+        </p:nvSpPr>
+        <p:spPr/>
+        <p:txBody>
+          <a:bodyPr/>
+          <a:lstStyle/>
+          <a:p>
+            <a:fld id="{366AF93E-BC9A-914B-B8AC-D14A91A40CBB}" type="slidenum">
+              <a:rPr lang="en-US" smtClean="0"/>
+              <a:t>9</a:t>
+            </a:fld>
+            <a:endParaRPr lang="en-US"/>
+          </a:p>
+        </p:txBody>
+      </p:sp>
     </p:spTree>
     <p:extLst>
       <p:ext uri="{BB962C8B-B14F-4D97-AF65-F5344CB8AC3E}">
